--- a/SEMESTER 1/Modélisation avec Python/G- Fichiers/Manipulation des Fichiers.pptx
+++ b/SEMESTER 1/Modélisation avec Python/G- Fichiers/Manipulation des Fichiers.pptx
@@ -1,12 +1,15 @@
 
 <file path=ppt/presentation.xml><?xml version="1.0" encoding="utf-8"?>
-<p:presentation xmlns:a="http://schemas.openxmlformats.org/drawingml/2006/main" xmlns:r="http://schemas.openxmlformats.org/officeDocument/2006/relationships" xmlns:p="http://schemas.openxmlformats.org/presentationml/2006/main" strictFirstAndLastChars="0" saveSubsetFonts="1" autoCompressPictures="0">
+<p:presentation xmlns:a="http://schemas.openxmlformats.org/drawingml/2006/main" xmlns:r="http://schemas.openxmlformats.org/officeDocument/2006/relationships" xmlns:p="http://schemas.openxmlformats.org/presentationml/2006/main" showSpecialPlsOnTitleSld="0" strictFirstAndLastChars="0" saveSubsetFonts="1" autoCompressPictures="0">
   <p:sldMasterIdLst>
     <p:sldMasterId id="2147483674" r:id="rId1"/>
   </p:sldMasterIdLst>
   <p:notesMasterIdLst>
-    <p:notesMasterId r:id="rId36"/>
+    <p:notesMasterId r:id="rId37"/>
   </p:notesMasterIdLst>
+  <p:handoutMasterIdLst>
+    <p:handoutMasterId r:id="rId38"/>
+  </p:handoutMasterIdLst>
   <p:sldIdLst>
     <p:sldId id="256" r:id="rId2"/>
     <p:sldId id="258" r:id="rId3"/>
@@ -41,7 +44,8 @@
     <p:sldId id="339" r:id="rId32"/>
     <p:sldId id="340" r:id="rId33"/>
     <p:sldId id="342" r:id="rId34"/>
-    <p:sldId id="280" r:id="rId35"/>
+    <p:sldId id="343" r:id="rId35"/>
+    <p:sldId id="280" r:id="rId36"/>
   </p:sldIdLst>
   <p:sldSz cx="9144000" cy="5143500" type="screen16x9"/>
   <p:notesSz cx="6858000" cy="9144000"/>
@@ -282,6 +286,196 @@
 </p:presentation>
 </file>
 
+<file path=ppt/handoutMasters/handoutMaster1.xml><?xml version="1.0" encoding="utf-8"?>
+<p:handoutMaster xmlns:a="http://schemas.openxmlformats.org/drawingml/2006/main" xmlns:r="http://schemas.openxmlformats.org/officeDocument/2006/relationships" xmlns:p="http://schemas.openxmlformats.org/presentationml/2006/main">
+  <p:cSld>
+    <p:bg>
+      <p:bgRef idx="1001">
+        <a:schemeClr val="bg1"/>
+      </p:bgRef>
+    </p:bg>
+    <p:spTree>
+      <p:nvGrpSpPr>
+        <p:cNvPr id="1" name=""/>
+        <p:cNvGrpSpPr/>
+        <p:nvPr/>
+      </p:nvGrpSpPr>
+      <p:grpSpPr>
+        <a:xfrm>
+          <a:off x="0" y="0"/>
+          <a:ext cx="0" cy="0"/>
+          <a:chOff x="0" y="0"/>
+          <a:chExt cx="0" cy="0"/>
+        </a:xfrm>
+      </p:grpSpPr>
+      <p:sp>
+        <p:nvSpPr>
+          <p:cNvPr id="2" name="Espace réservé de l'en-tête 1">
+            <a:extLst>
+              <a:ext uri="{FF2B5EF4-FFF2-40B4-BE49-F238E27FC236}">
+                <a16:creationId xmlns:a16="http://schemas.microsoft.com/office/drawing/2014/main" id="{4836577D-9285-057C-D9B7-BCA02AC843BC}"/>
+              </a:ext>
+            </a:extLst>
+          </p:cNvPr>
+          <p:cNvSpPr>
+            <a:spLocks noGrp="1"/>
+          </p:cNvSpPr>
+          <p:nvPr>
+            <p:ph type="hdr" sz="quarter"/>
+          </p:nvPr>
+        </p:nvSpPr>
+        <p:spPr>
+          <a:xfrm>
+            <a:off x="0" y="0"/>
+            <a:ext cx="2971800" cy="458788"/>
+          </a:xfrm>
+          <a:prstGeom prst="rect">
+            <a:avLst/>
+          </a:prstGeom>
+        </p:spPr>
+        <p:txBody>
+          <a:bodyPr vert="horz" lIns="91440" tIns="45720" rIns="91440" bIns="45720" rtlCol="0"/>
+          <a:lstStyle>
+            <a:lvl1pPr algn="l">
+              <a:defRPr sz="1200"/>
+            </a:lvl1pPr>
+          </a:lstStyle>
+          <a:p>
+            <a:endParaRPr lang="fr-FR"/>
+          </a:p>
+        </p:txBody>
+      </p:sp>
+      <p:sp>
+        <p:nvSpPr>
+          <p:cNvPr id="3" name="Espace réservé de la date 2">
+            <a:extLst>
+              <a:ext uri="{FF2B5EF4-FFF2-40B4-BE49-F238E27FC236}">
+                <a16:creationId xmlns:a16="http://schemas.microsoft.com/office/drawing/2014/main" id="{AFA74AEC-7BA8-30EA-D9BC-AACD7D3AE207}"/>
+              </a:ext>
+            </a:extLst>
+          </p:cNvPr>
+          <p:cNvSpPr>
+            <a:spLocks noGrp="1"/>
+          </p:cNvSpPr>
+          <p:nvPr>
+            <p:ph type="dt" sz="quarter" idx="1"/>
+          </p:nvPr>
+        </p:nvSpPr>
+        <p:spPr>
+          <a:xfrm>
+            <a:off x="3884613" y="0"/>
+            <a:ext cx="2971800" cy="458788"/>
+          </a:xfrm>
+          <a:prstGeom prst="rect">
+            <a:avLst/>
+          </a:prstGeom>
+        </p:spPr>
+        <p:txBody>
+          <a:bodyPr vert="horz" lIns="91440" tIns="45720" rIns="91440" bIns="45720" rtlCol="0"/>
+          <a:lstStyle>
+            <a:lvl1pPr algn="r">
+              <a:defRPr sz="1200"/>
+            </a:lvl1pPr>
+          </a:lstStyle>
+          <a:p>
+            <a:fld id="{7D945005-0982-49FD-A400-988823CD1C0A}" type="datetimeFigureOut">
+              <a:rPr lang="fr-FR" smtClean="0"/>
+              <a:t>05/01/2024</a:t>
+            </a:fld>
+            <a:endParaRPr lang="fr-FR"/>
+          </a:p>
+        </p:txBody>
+      </p:sp>
+      <p:sp>
+        <p:nvSpPr>
+          <p:cNvPr id="4" name="Espace réservé du pied de page 3">
+            <a:extLst>
+              <a:ext uri="{FF2B5EF4-FFF2-40B4-BE49-F238E27FC236}">
+                <a16:creationId xmlns:a16="http://schemas.microsoft.com/office/drawing/2014/main" id="{D247B6BE-C56C-AF39-D3EF-B52F6429C4F9}"/>
+              </a:ext>
+            </a:extLst>
+          </p:cNvPr>
+          <p:cNvSpPr>
+            <a:spLocks noGrp="1"/>
+          </p:cNvSpPr>
+          <p:nvPr>
+            <p:ph type="ftr" sz="quarter" idx="2"/>
+          </p:nvPr>
+        </p:nvSpPr>
+        <p:spPr>
+          <a:xfrm>
+            <a:off x="0" y="8685213"/>
+            <a:ext cx="2971800" cy="458787"/>
+          </a:xfrm>
+          <a:prstGeom prst="rect">
+            <a:avLst/>
+          </a:prstGeom>
+        </p:spPr>
+        <p:txBody>
+          <a:bodyPr vert="horz" lIns="91440" tIns="45720" rIns="91440" bIns="45720" rtlCol="0" anchor="b"/>
+          <a:lstStyle>
+            <a:lvl1pPr algn="l">
+              <a:defRPr sz="1200"/>
+            </a:lvl1pPr>
+          </a:lstStyle>
+          <a:p>
+            <a:endParaRPr lang="fr-FR"/>
+          </a:p>
+        </p:txBody>
+      </p:sp>
+      <p:sp>
+        <p:nvSpPr>
+          <p:cNvPr id="5" name="Espace réservé du numéro de diapositive 4">
+            <a:extLst>
+              <a:ext uri="{FF2B5EF4-FFF2-40B4-BE49-F238E27FC236}">
+                <a16:creationId xmlns:a16="http://schemas.microsoft.com/office/drawing/2014/main" id="{19B7F604-13DF-7EDB-D6CE-BAFD4ACF3979}"/>
+              </a:ext>
+            </a:extLst>
+          </p:cNvPr>
+          <p:cNvSpPr>
+            <a:spLocks noGrp="1"/>
+          </p:cNvSpPr>
+          <p:nvPr>
+            <p:ph type="sldNum" sz="quarter" idx="3"/>
+          </p:nvPr>
+        </p:nvSpPr>
+        <p:spPr>
+          <a:xfrm>
+            <a:off x="3884613" y="8685213"/>
+            <a:ext cx="2971800" cy="458787"/>
+          </a:xfrm>
+          <a:prstGeom prst="rect">
+            <a:avLst/>
+          </a:prstGeom>
+        </p:spPr>
+        <p:txBody>
+          <a:bodyPr vert="horz" lIns="91440" tIns="45720" rIns="91440" bIns="45720" rtlCol="0" anchor="b"/>
+          <a:lstStyle>
+            <a:lvl1pPr algn="r">
+              <a:defRPr sz="1200"/>
+            </a:lvl1pPr>
+          </a:lstStyle>
+          <a:p>
+            <a:fld id="{BF04ABCE-75DA-4773-9ED0-9DBDF7B6B65B}" type="slidenum">
+              <a:rPr lang="fr-FR" smtClean="0"/>
+              <a:t>‹N°›</a:t>
+            </a:fld>
+            <a:endParaRPr lang="fr-FR"/>
+          </a:p>
+        </p:txBody>
+      </p:sp>
+    </p:spTree>
+    <p:extLst>
+      <p:ext uri="{BB962C8B-B14F-4D97-AF65-F5344CB8AC3E}">
+        <p14:creationId xmlns:p14="http://schemas.microsoft.com/office/powerpoint/2010/main" val="397422351"/>
+      </p:ext>
+    </p:extLst>
+  </p:cSld>
+  <p:clrMap bg1="lt1" tx1="dk1" bg2="lt2" tx2="dk2" accent1="accent1" accent2="accent2" accent3="accent3" accent4="accent4" accent5="accent5" accent6="accent6" hlink="hlink" folHlink="folHlink"/>
+  <p:hf hdr="0" ftr="0" dt="0"/>
+</p:handoutMaster>
+</file>
+
 <file path=ppt/notesMasters/notesMaster1.xml><?xml version="1.0" encoding="utf-8"?>
 <p:notesMaster xmlns:a="http://schemas.openxmlformats.org/drawingml/2006/main" xmlns:r="http://schemas.openxmlformats.org/officeDocument/2006/relationships" xmlns:p="http://schemas.openxmlformats.org/presentationml/2006/main">
   <p:cSld>
@@ -491,6 +685,7 @@
     </p:spTree>
   </p:cSld>
   <p:clrMap bg1="lt1" tx1="dk1" bg2="dk2" tx2="lt2" accent1="accent1" accent2="accent2" accent3="accent3" accent4="accent4" accent5="accent5" accent6="accent6" hlink="hlink" folHlink="folHlink"/>
+  <p:hf hdr="0" ftr="0" dt="0"/>
   <p:notesStyle>
     <a:defPPr marR="0" lvl="0" algn="l" rtl="0">
       <a:lnSpc>
@@ -3647,6 +3842,115 @@
 </file>
 
 <file path=ppt/notesSlides/notesSlide34.xml><?xml version="1.0" encoding="utf-8"?>
+<p:notes xmlns:a="http://schemas.openxmlformats.org/drawingml/2006/main" xmlns:r="http://schemas.openxmlformats.org/officeDocument/2006/relationships" xmlns:p="http://schemas.openxmlformats.org/presentationml/2006/main" showMasterSp="0" showMasterPhAnim="0">
+  <p:cSld>
+    <p:spTree>
+      <p:nvGrpSpPr>
+        <p:cNvPr id="1" name="Shape 503"/>
+        <p:cNvGrpSpPr/>
+        <p:nvPr/>
+      </p:nvGrpSpPr>
+      <p:grpSpPr>
+        <a:xfrm>
+          <a:off x="0" y="0"/>
+          <a:ext cx="0" cy="0"/>
+          <a:chOff x="0" y="0"/>
+          <a:chExt cx="0" cy="0"/>
+        </a:xfrm>
+      </p:grpSpPr>
+      <p:sp>
+        <p:nvSpPr>
+          <p:cNvPr id="504" name="Google Shape;504;gdd09e57de2_0_36:notes"/>
+          <p:cNvSpPr>
+            <a:spLocks noGrp="1" noRot="1" noChangeAspect="1"/>
+          </p:cNvSpPr>
+          <p:nvPr>
+            <p:ph type="sldImg" idx="2"/>
+          </p:nvPr>
+        </p:nvSpPr>
+        <p:spPr>
+          <a:xfrm>
+            <a:off x="381000" y="685800"/>
+            <a:ext cx="6096000" cy="3429000"/>
+          </a:xfrm>
+          <a:custGeom>
+            <a:avLst/>
+            <a:gdLst/>
+            <a:ahLst/>
+            <a:cxnLst/>
+            <a:rect l="l" t="t" r="r" b="b"/>
+            <a:pathLst>
+              <a:path w="120000" h="120000" extrusionOk="0">
+                <a:moveTo>
+                  <a:pt x="0" y="0"/>
+                </a:moveTo>
+                <a:lnTo>
+                  <a:pt x="120000" y="0"/>
+                </a:lnTo>
+                <a:lnTo>
+                  <a:pt x="120000" y="120000"/>
+                </a:lnTo>
+                <a:lnTo>
+                  <a:pt x="0" y="120000"/>
+                </a:lnTo>
+                <a:close/>
+              </a:path>
+            </a:pathLst>
+          </a:custGeom>
+        </p:spPr>
+      </p:sp>
+      <p:sp>
+        <p:nvSpPr>
+          <p:cNvPr id="505" name="Google Shape;505;gdd09e57de2_0_36:notes"/>
+          <p:cNvSpPr txBox="1">
+            <a:spLocks noGrp="1"/>
+          </p:cNvSpPr>
+          <p:nvPr>
+            <p:ph type="body" idx="1"/>
+          </p:nvPr>
+        </p:nvSpPr>
+        <p:spPr>
+          <a:xfrm>
+            <a:off x="685800" y="4343400"/>
+            <a:ext cx="5486400" cy="4114800"/>
+          </a:xfrm>
+          <a:prstGeom prst="rect">
+            <a:avLst/>
+          </a:prstGeom>
+        </p:spPr>
+        <p:txBody>
+          <a:bodyPr spcFirstLastPara="1" wrap="square" lIns="91425" tIns="91425" rIns="91425" bIns="91425" anchor="t" anchorCtr="0">
+            <a:noAutofit/>
+          </a:bodyPr>
+          <a:lstStyle/>
+          <a:p>
+            <a:pPr marL="0" lvl="0" indent="0" algn="l" rtl="0">
+              <a:spcBef>
+                <a:spcPts val="0"/>
+              </a:spcBef>
+              <a:spcAft>
+                <a:spcPts val="0"/>
+              </a:spcAft>
+              <a:buNone/>
+            </a:pPr>
+            <a:endParaRPr/>
+          </a:p>
+        </p:txBody>
+      </p:sp>
+    </p:spTree>
+    <p:extLst>
+      <p:ext uri="{BB962C8B-B14F-4D97-AF65-F5344CB8AC3E}">
+        <p14:creationId xmlns:p14="http://schemas.microsoft.com/office/powerpoint/2010/main" val="1286727013"/>
+      </p:ext>
+    </p:extLst>
+  </p:cSld>
+  <p:clrMapOvr>
+    <a:masterClrMapping/>
+  </p:clrMapOvr>
+</p:notes>
+</file>
+
+<file path=ppt/notesSlides/notesSlide35.xml><?xml version="1.0" encoding="utf-8"?>
 <p:notes xmlns:a="http://schemas.openxmlformats.org/drawingml/2006/main" xmlns:r="http://schemas.openxmlformats.org/officeDocument/2006/relationships" xmlns:p="http://schemas.openxmlformats.org/presentationml/2006/main" showMasterSp="0" showMasterPhAnim="0">
   <p:cSld>
     <p:spTree>
@@ -26996,6 +27300,737 @@
   <p:cSld>
     <p:spTree>
       <p:nvGrpSpPr>
+        <p:cNvPr id="1" name="Shape 506"/>
+        <p:cNvGrpSpPr/>
+        <p:nvPr/>
+      </p:nvGrpSpPr>
+      <p:grpSpPr>
+        <a:xfrm>
+          <a:off x="0" y="0"/>
+          <a:ext cx="0" cy="0"/>
+          <a:chOff x="0" y="0"/>
+          <a:chExt cx="0" cy="0"/>
+        </a:xfrm>
+      </p:grpSpPr>
+      <p:sp>
+        <p:nvSpPr>
+          <p:cNvPr id="2" name="Google Shape;946;p54">
+            <a:extLst>
+              <a:ext uri="{FF2B5EF4-FFF2-40B4-BE49-F238E27FC236}">
+                <a16:creationId xmlns:a16="http://schemas.microsoft.com/office/drawing/2014/main" id="{6AACB310-A3D7-25BC-3504-5187CD62AFE9}"/>
+              </a:ext>
+            </a:extLst>
+          </p:cNvPr>
+          <p:cNvSpPr/>
+          <p:nvPr/>
+        </p:nvSpPr>
+        <p:spPr>
+          <a:xfrm>
+            <a:off x="1638054" y="410732"/>
+            <a:ext cx="6889258" cy="441000"/>
+          </a:xfrm>
+          <a:prstGeom prst="roundRect">
+            <a:avLst>
+              <a:gd name="adj" fmla="val 6740"/>
+            </a:avLst>
+          </a:prstGeom>
+          <a:solidFill>
+            <a:schemeClr val="lt2"/>
+          </a:solidFill>
+          <a:ln w="28575" cap="flat" cmpd="sng">
+            <a:solidFill>
+              <a:schemeClr val="dk1"/>
+            </a:solidFill>
+            <a:prstDash val="solid"/>
+            <a:round/>
+            <a:headEnd type="none" w="sm" len="sm"/>
+            <a:tailEnd type="none" w="sm" len="sm"/>
+          </a:ln>
+          <a:effectLst>
+            <a:outerShdw dist="85725" dir="3960000" algn="bl" rotWithShape="0">
+              <a:schemeClr val="dk1"/>
+            </a:outerShdw>
+          </a:effectLst>
+        </p:spPr>
+        <p:txBody>
+          <a:bodyPr spcFirstLastPara="1" wrap="square" lIns="91425" tIns="91425" rIns="91425" bIns="91425" anchor="ctr" anchorCtr="0">
+            <a:noAutofit/>
+          </a:bodyPr>
+          <a:lstStyle/>
+          <a:p>
+            <a:pPr marL="0" lvl="0" indent="0" algn="l" rtl="0">
+              <a:spcBef>
+                <a:spcPts val="0"/>
+              </a:spcBef>
+              <a:spcAft>
+                <a:spcPts val="0"/>
+              </a:spcAft>
+              <a:buNone/>
+            </a:pPr>
+            <a:endParaRPr/>
+          </a:p>
+        </p:txBody>
+      </p:sp>
+      <p:sp>
+        <p:nvSpPr>
+          <p:cNvPr id="3" name="Google Shape;947;p54">
+            <a:extLst>
+              <a:ext uri="{FF2B5EF4-FFF2-40B4-BE49-F238E27FC236}">
+                <a16:creationId xmlns:a16="http://schemas.microsoft.com/office/drawing/2014/main" id="{8F1EAB8D-C0C9-5E84-05C8-81575588C29D}"/>
+              </a:ext>
+            </a:extLst>
+          </p:cNvPr>
+          <p:cNvSpPr txBox="1">
+            <a:spLocks/>
+          </p:cNvSpPr>
+          <p:nvPr/>
+        </p:nvSpPr>
+        <p:spPr>
+          <a:xfrm>
+            <a:off x="1638053" y="304688"/>
+            <a:ext cx="7186969" cy="461516"/>
+          </a:xfrm>
+          <a:prstGeom prst="rect">
+            <a:avLst/>
+          </a:prstGeom>
+          <a:noFill/>
+          <a:ln>
+            <a:noFill/>
+          </a:ln>
+        </p:spPr>
+        <p:txBody>
+          <a:bodyPr spcFirstLastPara="1" wrap="square" lIns="91425" tIns="182875" rIns="0" bIns="91425" anchor="t" anchorCtr="0">
+            <a:noAutofit/>
+          </a:bodyPr>
+          <a:lstStyle>
+            <a:defPPr marR="0" lvl="0" algn="l" rtl="0">
+              <a:lnSpc>
+                <a:spcPct val="100000"/>
+              </a:lnSpc>
+              <a:spcBef>
+                <a:spcPts val="0"/>
+              </a:spcBef>
+              <a:spcAft>
+                <a:spcPts val="0"/>
+              </a:spcAft>
+            </a:defPPr>
+            <a:lvl1pPr marL="457200" marR="0" lvl="0" indent="-317500" algn="l" rtl="0">
+              <a:lnSpc>
+                <a:spcPct val="100000"/>
+              </a:lnSpc>
+              <a:spcBef>
+                <a:spcPts val="0"/>
+              </a:spcBef>
+              <a:spcAft>
+                <a:spcPts val="0"/>
+              </a:spcAft>
+              <a:buClr>
+                <a:schemeClr val="dk2"/>
+              </a:buClr>
+              <a:buSzPts val="1400"/>
+              <a:buFont typeface="Lato"/>
+              <a:buChar char="●"/>
+              <a:defRPr sz="1400" b="0" i="0" u="none" strike="noStrike" cap="none">
+                <a:solidFill>
+                  <a:schemeClr val="dk2"/>
+                </a:solidFill>
+                <a:latin typeface="Lato"/>
+                <a:ea typeface="Lato"/>
+                <a:cs typeface="Lato"/>
+                <a:sym typeface="Lato"/>
+              </a:defRPr>
+            </a:lvl1pPr>
+            <a:lvl2pPr marL="914400" marR="0" lvl="1" indent="-317500" algn="l" rtl="0">
+              <a:lnSpc>
+                <a:spcPct val="115000"/>
+              </a:lnSpc>
+              <a:spcBef>
+                <a:spcPts val="0"/>
+              </a:spcBef>
+              <a:spcAft>
+                <a:spcPts val="0"/>
+              </a:spcAft>
+              <a:buClr>
+                <a:schemeClr val="dk2"/>
+              </a:buClr>
+              <a:buSzPts val="1400"/>
+              <a:buFont typeface="Lato"/>
+              <a:buAutoNum type="alphaLcPeriod"/>
+              <a:defRPr sz="1400" b="0" i="0" u="none" strike="noStrike" cap="none">
+                <a:solidFill>
+                  <a:schemeClr val="dk2"/>
+                </a:solidFill>
+                <a:latin typeface="Lato"/>
+                <a:ea typeface="Lato"/>
+                <a:cs typeface="Lato"/>
+                <a:sym typeface="Lato"/>
+              </a:defRPr>
+            </a:lvl2pPr>
+            <a:lvl3pPr marL="1371600" marR="0" lvl="2" indent="-317500" algn="l" rtl="0">
+              <a:lnSpc>
+                <a:spcPct val="115000"/>
+              </a:lnSpc>
+              <a:spcBef>
+                <a:spcPts val="1600"/>
+              </a:spcBef>
+              <a:spcAft>
+                <a:spcPts val="0"/>
+              </a:spcAft>
+              <a:buClr>
+                <a:schemeClr val="dk2"/>
+              </a:buClr>
+              <a:buSzPts val="1400"/>
+              <a:buFont typeface="Lato"/>
+              <a:buAutoNum type="romanLcPeriod"/>
+              <a:defRPr sz="1400" b="0" i="0" u="none" strike="noStrike" cap="none">
+                <a:solidFill>
+                  <a:schemeClr val="dk2"/>
+                </a:solidFill>
+                <a:latin typeface="Lato"/>
+                <a:ea typeface="Lato"/>
+                <a:cs typeface="Lato"/>
+                <a:sym typeface="Lato"/>
+              </a:defRPr>
+            </a:lvl3pPr>
+            <a:lvl4pPr marL="1828800" marR="0" lvl="3" indent="-317500" algn="l" rtl="0">
+              <a:lnSpc>
+                <a:spcPct val="115000"/>
+              </a:lnSpc>
+              <a:spcBef>
+                <a:spcPts val="1600"/>
+              </a:spcBef>
+              <a:spcAft>
+                <a:spcPts val="0"/>
+              </a:spcAft>
+              <a:buClr>
+                <a:schemeClr val="dk2"/>
+              </a:buClr>
+              <a:buSzPts val="1400"/>
+              <a:buFont typeface="Lato"/>
+              <a:buAutoNum type="arabicPeriod"/>
+              <a:defRPr sz="1400" b="0" i="0" u="none" strike="noStrike" cap="none">
+                <a:solidFill>
+                  <a:schemeClr val="dk2"/>
+                </a:solidFill>
+                <a:latin typeface="Lato"/>
+                <a:ea typeface="Lato"/>
+                <a:cs typeface="Lato"/>
+                <a:sym typeface="Lato"/>
+              </a:defRPr>
+            </a:lvl4pPr>
+            <a:lvl5pPr marL="2286000" marR="0" lvl="4" indent="-317500" algn="l" rtl="0">
+              <a:lnSpc>
+                <a:spcPct val="115000"/>
+              </a:lnSpc>
+              <a:spcBef>
+                <a:spcPts val="1600"/>
+              </a:spcBef>
+              <a:spcAft>
+                <a:spcPts val="0"/>
+              </a:spcAft>
+              <a:buClr>
+                <a:schemeClr val="dk2"/>
+              </a:buClr>
+              <a:buSzPts val="1400"/>
+              <a:buFont typeface="Lato"/>
+              <a:buAutoNum type="alphaLcPeriod"/>
+              <a:defRPr sz="1400" b="0" i="0" u="none" strike="noStrike" cap="none">
+                <a:solidFill>
+                  <a:schemeClr val="dk2"/>
+                </a:solidFill>
+                <a:latin typeface="Lato"/>
+                <a:ea typeface="Lato"/>
+                <a:cs typeface="Lato"/>
+                <a:sym typeface="Lato"/>
+              </a:defRPr>
+            </a:lvl5pPr>
+            <a:lvl6pPr marL="2743200" marR="0" lvl="5" indent="-317500" algn="l" rtl="0">
+              <a:lnSpc>
+                <a:spcPct val="115000"/>
+              </a:lnSpc>
+              <a:spcBef>
+                <a:spcPts val="1600"/>
+              </a:spcBef>
+              <a:spcAft>
+                <a:spcPts val="0"/>
+              </a:spcAft>
+              <a:buClr>
+                <a:schemeClr val="dk2"/>
+              </a:buClr>
+              <a:buSzPts val="1400"/>
+              <a:buFont typeface="Lato"/>
+              <a:buAutoNum type="romanLcPeriod"/>
+              <a:defRPr sz="1400" b="0" i="0" u="none" strike="noStrike" cap="none">
+                <a:solidFill>
+                  <a:schemeClr val="dk2"/>
+                </a:solidFill>
+                <a:latin typeface="Lato"/>
+                <a:ea typeface="Lato"/>
+                <a:cs typeface="Lato"/>
+                <a:sym typeface="Lato"/>
+              </a:defRPr>
+            </a:lvl6pPr>
+            <a:lvl7pPr marL="3200400" marR="0" lvl="6" indent="-317500" algn="l" rtl="0">
+              <a:lnSpc>
+                <a:spcPct val="115000"/>
+              </a:lnSpc>
+              <a:spcBef>
+                <a:spcPts val="1600"/>
+              </a:spcBef>
+              <a:spcAft>
+                <a:spcPts val="0"/>
+              </a:spcAft>
+              <a:buClr>
+                <a:schemeClr val="dk2"/>
+              </a:buClr>
+              <a:buSzPts val="1400"/>
+              <a:buFont typeface="Lato"/>
+              <a:buAutoNum type="arabicPeriod"/>
+              <a:defRPr sz="1400" b="0" i="0" u="none" strike="noStrike" cap="none">
+                <a:solidFill>
+                  <a:schemeClr val="dk2"/>
+                </a:solidFill>
+                <a:latin typeface="Lato"/>
+                <a:ea typeface="Lato"/>
+                <a:cs typeface="Lato"/>
+                <a:sym typeface="Lato"/>
+              </a:defRPr>
+            </a:lvl7pPr>
+            <a:lvl8pPr marL="3657600" marR="0" lvl="7" indent="-317500" algn="l" rtl="0">
+              <a:lnSpc>
+                <a:spcPct val="115000"/>
+              </a:lnSpc>
+              <a:spcBef>
+                <a:spcPts val="1600"/>
+              </a:spcBef>
+              <a:spcAft>
+                <a:spcPts val="0"/>
+              </a:spcAft>
+              <a:buClr>
+                <a:schemeClr val="dk2"/>
+              </a:buClr>
+              <a:buSzPts val="1400"/>
+              <a:buFont typeface="Lato"/>
+              <a:buAutoNum type="alphaLcPeriod"/>
+              <a:defRPr sz="1400" b="0" i="0" u="none" strike="noStrike" cap="none">
+                <a:solidFill>
+                  <a:schemeClr val="dk2"/>
+                </a:solidFill>
+                <a:latin typeface="Lato"/>
+                <a:ea typeface="Lato"/>
+                <a:cs typeface="Lato"/>
+                <a:sym typeface="Lato"/>
+              </a:defRPr>
+            </a:lvl8pPr>
+            <a:lvl9pPr marL="4114800" marR="0" lvl="8" indent="-317500" algn="l" rtl="0">
+              <a:lnSpc>
+                <a:spcPct val="115000"/>
+              </a:lnSpc>
+              <a:spcBef>
+                <a:spcPts val="1600"/>
+              </a:spcBef>
+              <a:spcAft>
+                <a:spcPts val="1600"/>
+              </a:spcAft>
+              <a:buClr>
+                <a:schemeClr val="dk2"/>
+              </a:buClr>
+              <a:buSzPts val="1400"/>
+              <a:buFont typeface="Lato"/>
+              <a:buAutoNum type="romanLcPeriod"/>
+              <a:defRPr sz="1400" b="0" i="0" u="none" strike="noStrike" cap="none">
+                <a:solidFill>
+                  <a:schemeClr val="dk2"/>
+                </a:solidFill>
+                <a:latin typeface="Lato"/>
+                <a:ea typeface="Lato"/>
+                <a:cs typeface="Lato"/>
+                <a:sym typeface="Lato"/>
+              </a:defRPr>
+            </a:lvl9pPr>
+          </a:lstStyle>
+          <a:p>
+            <a:pPr marL="0" indent="0">
+              <a:buFont typeface="Lato"/>
+              <a:buNone/>
+            </a:pPr>
+            <a:r>
+              <a:rPr lang="fr-FR" sz="2400" b="1" i="0" dirty="0">
+                <a:effectLst/>
+                <a:latin typeface="Söhne"/>
+              </a:rPr>
+              <a:t>Ressources sur la Manipulation de Fichiers en Python</a:t>
+            </a:r>
+            <a:endParaRPr lang="fr-FR" sz="2000" dirty="0"/>
+          </a:p>
+        </p:txBody>
+      </p:sp>
+      <p:sp>
+        <p:nvSpPr>
+          <p:cNvPr id="5" name="ZoneTexte 4">
+            <a:extLst>
+              <a:ext uri="{FF2B5EF4-FFF2-40B4-BE49-F238E27FC236}">
+                <a16:creationId xmlns:a16="http://schemas.microsoft.com/office/drawing/2014/main" id="{A3920445-BDE2-935A-AAF9-5694FCB1185C}"/>
+              </a:ext>
+            </a:extLst>
+          </p:cNvPr>
+          <p:cNvSpPr txBox="1"/>
+          <p:nvPr/>
+        </p:nvSpPr>
+        <p:spPr>
+          <a:xfrm>
+            <a:off x="542260" y="1134369"/>
+            <a:ext cx="7985052" cy="3570208"/>
+          </a:xfrm>
+          <a:prstGeom prst="rect">
+            <a:avLst/>
+          </a:prstGeom>
+          <a:noFill/>
+        </p:spPr>
+        <p:txBody>
+          <a:bodyPr wrap="square">
+            <a:spAutoFit/>
+          </a:bodyPr>
+          <a:lstStyle/>
+          <a:p>
+            <a:pPr algn="l">
+              <a:buFont typeface="+mj-lt"/>
+              <a:buAutoNum type="arabicPeriod"/>
+            </a:pPr>
+            <a:r>
+              <a:rPr lang="fr-FR" b="1" i="0" strike="noStrike" dirty="0">
+                <a:solidFill>
+                  <a:schemeClr val="tx1"/>
+                </a:solidFill>
+                <a:effectLst/>
+                <a:latin typeface="Varela Round" panose="00000500000000000000" pitchFamily="2" charset="-79"/>
+                <a:cs typeface="Varela Round" panose="00000500000000000000" pitchFamily="2" charset="-79"/>
+                <a:hlinkClick r:id="rId3">
+                  <a:extLst>
+                    <a:ext uri="{A12FA001-AC4F-418D-AE19-62706E023703}">
+                      <ahyp:hlinkClr xmlns:ahyp="http://schemas.microsoft.com/office/drawing/2018/hyperlinkcolor" val="tx"/>
+                    </a:ext>
+                  </a:extLst>
+                </a:hlinkClick>
+              </a:rPr>
+              <a:t>FreeCodeCamp</a:t>
+            </a:r>
+            <a:endParaRPr lang="fr-FR" b="1" i="0" dirty="0">
+              <a:solidFill>
+                <a:schemeClr val="tx1"/>
+              </a:solidFill>
+              <a:effectLst/>
+              <a:latin typeface="Varela Round" panose="00000500000000000000" pitchFamily="2" charset="-79"/>
+              <a:cs typeface="Varela Round" panose="00000500000000000000" pitchFamily="2" charset="-79"/>
+            </a:endParaRPr>
+          </a:p>
+          <a:p>
+            <a:pPr marL="742950" lvl="1" indent="-285750" algn="l">
+              <a:buFont typeface="Arial" panose="020B0604020202020204" pitchFamily="34" charset="0"/>
+              <a:buChar char="•"/>
+            </a:pPr>
+            <a:r>
+              <a:rPr lang="fr-FR" sz="1600" dirty="0">
+                <a:solidFill>
+                  <a:schemeClr val="dk2"/>
+                </a:solidFill>
+                <a:latin typeface="Lato"/>
+                <a:ea typeface="Lato"/>
+                <a:cs typeface="Lato"/>
+                <a:sym typeface="Lato"/>
+              </a:rPr>
+              <a:t>Article complet sur la manipulation de fichiers.</a:t>
+            </a:r>
+          </a:p>
+          <a:p>
+            <a:pPr marL="742950" lvl="1" indent="-285750">
+              <a:buFont typeface="Arial" panose="020B0604020202020204" pitchFamily="34" charset="0"/>
+              <a:buChar char="•"/>
+            </a:pPr>
+            <a:r>
+              <a:rPr lang="fr-FR" sz="1600" dirty="0">
+                <a:solidFill>
+                  <a:schemeClr val="dk2"/>
+                </a:solidFill>
+                <a:latin typeface="Lato"/>
+                <a:ea typeface="Lato"/>
+                <a:cs typeface="Lato"/>
+              </a:rPr>
+              <a:t>Couvre l'ouverture, la lecture et l'écriture de fichiers.</a:t>
+            </a:r>
+          </a:p>
+          <a:p>
+            <a:pPr algn="l">
+              <a:buFont typeface="+mj-lt"/>
+              <a:buAutoNum type="arabicPeriod"/>
+            </a:pPr>
+            <a:r>
+              <a:rPr lang="fr-FR" b="1" dirty="0">
+                <a:solidFill>
+                  <a:schemeClr val="tx1"/>
+                </a:solidFill>
+                <a:latin typeface="Varela Round" panose="00000500000000000000" pitchFamily="2" charset="-79"/>
+                <a:cs typeface="Varela Round" panose="00000500000000000000" pitchFamily="2" charset="-79"/>
+                <a:hlinkClick r:id="rId4">
+                  <a:extLst>
+                    <a:ext uri="{A12FA001-AC4F-418D-AE19-62706E023703}">
+                      <ahyp:hlinkClr xmlns:ahyp="http://schemas.microsoft.com/office/drawing/2018/hyperlinkcolor" val="tx"/>
+                    </a:ext>
+                  </a:extLst>
+                </a:hlinkClick>
+              </a:rPr>
+              <a:t>RealPython</a:t>
+            </a:r>
+            <a:endParaRPr lang="fr-FR" b="1" dirty="0">
+              <a:solidFill>
+                <a:schemeClr val="tx1"/>
+              </a:solidFill>
+              <a:latin typeface="Varela Round" panose="00000500000000000000" pitchFamily="2" charset="-79"/>
+              <a:cs typeface="Varela Round" panose="00000500000000000000" pitchFamily="2" charset="-79"/>
+            </a:endParaRPr>
+          </a:p>
+          <a:p>
+            <a:pPr marL="742950" lvl="1" indent="-285750">
+              <a:buFont typeface="Arial" panose="020B0604020202020204" pitchFamily="34" charset="0"/>
+              <a:buChar char="•"/>
+            </a:pPr>
+            <a:r>
+              <a:rPr lang="fr-FR" sz="1600" dirty="0">
+                <a:solidFill>
+                  <a:schemeClr val="dk2"/>
+                </a:solidFill>
+                <a:latin typeface="Lato"/>
+                <a:ea typeface="Lato"/>
+                <a:cs typeface="Lato"/>
+              </a:rPr>
+              <a:t>Guide détaillé avec exemples pratiques.</a:t>
+            </a:r>
+          </a:p>
+          <a:p>
+            <a:pPr algn="l">
+              <a:buFont typeface="+mj-lt"/>
+              <a:buAutoNum type="arabicPeriod"/>
+            </a:pPr>
+            <a:r>
+              <a:rPr lang="fr-FR" b="1" dirty="0">
+                <a:solidFill>
+                  <a:schemeClr val="tx1"/>
+                </a:solidFill>
+                <a:latin typeface="Varela Round" panose="00000500000000000000" pitchFamily="2" charset="-79"/>
+                <a:cs typeface="Varela Round" panose="00000500000000000000" pitchFamily="2" charset="-79"/>
+                <a:hlinkClick r:id="rId5">
+                  <a:extLst>
+                    <a:ext uri="{A12FA001-AC4F-418D-AE19-62706E023703}">
+                      <ahyp:hlinkClr xmlns:ahyp="http://schemas.microsoft.com/office/drawing/2018/hyperlinkcolor" val="tx"/>
+                    </a:ext>
+                  </a:extLst>
+                </a:hlinkClick>
+              </a:rPr>
+              <a:t>Python Documentation</a:t>
+            </a:r>
+            <a:endParaRPr lang="fr-FR" b="1" dirty="0">
+              <a:solidFill>
+                <a:schemeClr val="tx1"/>
+              </a:solidFill>
+              <a:latin typeface="Varela Round" panose="00000500000000000000" pitchFamily="2" charset="-79"/>
+              <a:cs typeface="Varela Round" panose="00000500000000000000" pitchFamily="2" charset="-79"/>
+            </a:endParaRPr>
+          </a:p>
+          <a:p>
+            <a:pPr marL="742950" lvl="1" indent="-285750">
+              <a:buFont typeface="Arial" panose="020B0604020202020204" pitchFamily="34" charset="0"/>
+              <a:buChar char="•"/>
+            </a:pPr>
+            <a:r>
+              <a:rPr lang="fr-FR" sz="1600" dirty="0">
+                <a:solidFill>
+                  <a:schemeClr val="dk2"/>
+                </a:solidFill>
+                <a:latin typeface="Lato"/>
+                <a:ea typeface="Lato"/>
+                <a:cs typeface="Lato"/>
+              </a:rPr>
+              <a:t>Documentation officielle sur l'entrée/sortie de fichiers.</a:t>
+            </a:r>
+          </a:p>
+          <a:p>
+            <a:pPr algn="l">
+              <a:buFont typeface="+mj-lt"/>
+              <a:buAutoNum type="arabicPeriod"/>
+            </a:pPr>
+            <a:r>
+              <a:rPr lang="fr-FR" b="1" dirty="0">
+                <a:solidFill>
+                  <a:schemeClr val="tx1"/>
+                </a:solidFill>
+                <a:latin typeface="Varela Round" panose="00000500000000000000" pitchFamily="2" charset="-79"/>
+                <a:cs typeface="Varela Round" panose="00000500000000000000" pitchFamily="2" charset="-79"/>
+                <a:hlinkClick r:id="rId6">
+                  <a:extLst>
+                    <a:ext uri="{A12FA001-AC4F-418D-AE19-62706E023703}">
+                      <ahyp:hlinkClr xmlns:ahyp="http://schemas.microsoft.com/office/drawing/2018/hyperlinkcolor" val="tx"/>
+                    </a:ext>
+                  </a:extLst>
+                </a:hlinkClick>
+              </a:rPr>
+              <a:t>JavaTpoint</a:t>
+            </a:r>
+            <a:endParaRPr lang="fr-FR" b="1" dirty="0">
+              <a:solidFill>
+                <a:schemeClr val="tx1"/>
+              </a:solidFill>
+              <a:latin typeface="Varela Round" panose="00000500000000000000" pitchFamily="2" charset="-79"/>
+              <a:cs typeface="Varela Round" panose="00000500000000000000" pitchFamily="2" charset="-79"/>
+            </a:endParaRPr>
+          </a:p>
+          <a:p>
+            <a:pPr marL="742950" lvl="1" indent="-285750" algn="l">
+              <a:buFont typeface="Arial" panose="020B0604020202020204" pitchFamily="34" charset="0"/>
+              <a:buChar char="•"/>
+            </a:pPr>
+            <a:r>
+              <a:rPr lang="fr-FR" sz="1600" dirty="0">
+                <a:solidFill>
+                  <a:schemeClr val="dk2"/>
+                </a:solidFill>
+                <a:latin typeface="Lato"/>
+                <a:ea typeface="Lato"/>
+                <a:cs typeface="Lato"/>
+              </a:rPr>
+              <a:t>Tutoriel sur les opérations de base.</a:t>
+            </a:r>
+          </a:p>
+          <a:p>
+            <a:pPr algn="l">
+              <a:buFont typeface="+mj-lt"/>
+              <a:buAutoNum type="arabicPeriod"/>
+            </a:pPr>
+            <a:r>
+              <a:rPr lang="fr-FR" b="1" dirty="0">
+                <a:solidFill>
+                  <a:schemeClr val="tx1"/>
+                </a:solidFill>
+                <a:latin typeface="Varela Round" panose="00000500000000000000" pitchFamily="2" charset="-79"/>
+                <a:cs typeface="Varela Round" panose="00000500000000000000" pitchFamily="2" charset="-79"/>
+                <a:hlinkClick r:id="rId7">
+                  <a:extLst>
+                    <a:ext uri="{A12FA001-AC4F-418D-AE19-62706E023703}">
+                      <ahyp:hlinkClr xmlns:ahyp="http://schemas.microsoft.com/office/drawing/2018/hyperlinkcolor" val="tx"/>
+                    </a:ext>
+                  </a:extLst>
+                </a:hlinkClick>
+              </a:rPr>
+              <a:t>PyNative</a:t>
+            </a:r>
+            <a:endParaRPr lang="fr-FR" b="1" dirty="0">
+              <a:solidFill>
+                <a:schemeClr val="tx1"/>
+              </a:solidFill>
+              <a:latin typeface="Varela Round" panose="00000500000000000000" pitchFamily="2" charset="-79"/>
+              <a:cs typeface="Varela Round" panose="00000500000000000000" pitchFamily="2" charset="-79"/>
+            </a:endParaRPr>
+          </a:p>
+          <a:p>
+            <a:pPr marL="742950" lvl="1" indent="-285750" algn="l">
+              <a:buFont typeface="Arial" panose="020B0604020202020204" pitchFamily="34" charset="0"/>
+              <a:buChar char="•"/>
+            </a:pPr>
+            <a:r>
+              <a:rPr lang="fr-FR" sz="1600" dirty="0">
+                <a:solidFill>
+                  <a:schemeClr val="dk2"/>
+                </a:solidFill>
+                <a:latin typeface="Lato"/>
+                <a:ea typeface="Lato"/>
+                <a:cs typeface="Lato"/>
+              </a:rPr>
+              <a:t>Ressource complète avec exercices. </a:t>
+            </a:r>
+          </a:p>
+          <a:p>
+            <a:pPr marL="742950" lvl="1" indent="-285750" algn="l">
+              <a:buFont typeface="Arial" panose="020B0604020202020204" pitchFamily="34" charset="0"/>
+              <a:buChar char="•"/>
+            </a:pPr>
+            <a:endParaRPr lang="fr-FR" dirty="0">
+              <a:solidFill>
+                <a:srgbClr val="374151"/>
+              </a:solidFill>
+              <a:latin typeface="Söhne"/>
+            </a:endParaRPr>
+          </a:p>
+          <a:p>
+            <a:pPr marL="457200" lvl="1" algn="l"/>
+            <a:endParaRPr lang="fr-FR" b="0" i="0" dirty="0">
+              <a:solidFill>
+                <a:srgbClr val="374151"/>
+              </a:solidFill>
+              <a:effectLst/>
+              <a:latin typeface="Söhne"/>
+            </a:endParaRPr>
+          </a:p>
+          <a:p>
+            <a:pPr marL="285750" indent="-285750" algn="l">
+              <a:buFont typeface="Wingdings" panose="05000000000000000000" pitchFamily="2" charset="2"/>
+              <a:buChar char="§"/>
+            </a:pPr>
+            <a:r>
+              <a:rPr lang="fr-FR" sz="1600" dirty="0">
+                <a:solidFill>
+                  <a:schemeClr val="dk2"/>
+                </a:solidFill>
+                <a:latin typeface="Lato"/>
+                <a:ea typeface="Lato"/>
+                <a:cs typeface="Lato"/>
+              </a:rPr>
+              <a:t>Explorez ces liens pour approfondir vos compétences en manipulation de fichiers Python</a:t>
+            </a:r>
+            <a:r>
+              <a:rPr lang="fr-FR" b="1" i="0" dirty="0">
+                <a:solidFill>
+                  <a:srgbClr val="374151"/>
+                </a:solidFill>
+                <a:effectLst/>
+                <a:latin typeface="Söhne"/>
+              </a:rPr>
+              <a:t>.</a:t>
+            </a:r>
+            <a:endParaRPr lang="fr-FR" b="0" i="0" dirty="0">
+              <a:solidFill>
+                <a:srgbClr val="374151"/>
+              </a:solidFill>
+              <a:effectLst/>
+              <a:latin typeface="Söhne"/>
+            </a:endParaRPr>
+          </a:p>
+        </p:txBody>
+      </p:sp>
+    </p:spTree>
+    <p:extLst>
+      <p:ext uri="{BB962C8B-B14F-4D97-AF65-F5344CB8AC3E}">
+        <p14:creationId xmlns:p14="http://schemas.microsoft.com/office/powerpoint/2010/main" val="2778038692"/>
+      </p:ext>
+    </p:extLst>
+  </p:cSld>
+  <p:clrMapOvr>
+    <a:masterClrMapping/>
+  </p:clrMapOvr>
+</p:sld>
+</file>
+
+<file path=ppt/slides/slide35.xml><?xml version="1.0" encoding="utf-8"?>
+<p:sld xmlns:a="http://schemas.openxmlformats.org/drawingml/2006/main" xmlns:r="http://schemas.openxmlformats.org/officeDocument/2006/relationships" xmlns:p="http://schemas.openxmlformats.org/presentationml/2006/main">
+  <p:cSld>
+    <p:bg>
+      <p:bgPr>
+        <a:solidFill>
+          <a:schemeClr val="lt1"/>
+        </a:solidFill>
+        <a:effectLst/>
+      </p:bgPr>
+    </p:bg>
+    <p:spTree>
+      <p:nvGrpSpPr>
         <p:cNvPr id="1" name="Shape 925"/>
         <p:cNvGrpSpPr/>
         <p:nvPr/>
@@ -27010,6 +28045,44 @@
       </p:grpSpPr>
       <p:sp>
         <p:nvSpPr>
+          <p:cNvPr id="928" name="Google Shape;928;p53"/>
+          <p:cNvSpPr txBox="1">
+            <a:spLocks noGrp="1"/>
+          </p:cNvSpPr>
+          <p:nvPr>
+            <p:ph type="title"/>
+          </p:nvPr>
+        </p:nvSpPr>
+        <p:spPr>
+          <a:prstGeom prst="rect">
+            <a:avLst/>
+          </a:prstGeom>
+        </p:spPr>
+        <p:txBody>
+          <a:bodyPr spcFirstLastPara="1" wrap="square" lIns="91425" tIns="91425" rIns="91425" bIns="91425" anchor="b" anchorCtr="0">
+            <a:noAutofit/>
+          </a:bodyPr>
+          <a:lstStyle/>
+          <a:p>
+            <a:pPr marL="0" lvl="0" indent="0" algn="ctr" rtl="0">
+              <a:spcBef>
+                <a:spcPts val="0"/>
+              </a:spcBef>
+              <a:spcAft>
+                <a:spcPts val="0"/>
+              </a:spcAft>
+              <a:buNone/>
+            </a:pPr>
+            <a:r>
+              <a:rPr lang="en" dirty="0"/>
+              <a:t>Thanks!</a:t>
+            </a:r>
+            <a:endParaRPr dirty="0"/>
+          </a:p>
+        </p:txBody>
+      </p:sp>
+      <p:sp>
+        <p:nvSpPr>
           <p:cNvPr id="926" name="Google Shape;926;p53"/>
           <p:cNvSpPr txBox="1">
             <a:spLocks noGrp="1"/>
@@ -27019,10 +28092,6 @@
           </p:nvPr>
         </p:nvSpPr>
         <p:spPr>
-          <a:xfrm>
-            <a:off x="2854763" y="1901417"/>
-            <a:ext cx="3434700" cy="1426500"/>
-          </a:xfrm>
           <a:prstGeom prst="rect">
             <a:avLst/>
           </a:prstGeom>
@@ -27052,48 +28121,6 @@
               <a:t>Do you have any questions?</a:t>
             </a:r>
             <a:endParaRPr dirty="0"/>
-          </a:p>
-        </p:txBody>
-      </p:sp>
-      <p:sp>
-        <p:nvSpPr>
-          <p:cNvPr id="928" name="Google Shape;928;p53"/>
-          <p:cNvSpPr txBox="1">
-            <a:spLocks noGrp="1"/>
-          </p:cNvSpPr>
-          <p:nvPr>
-            <p:ph type="title"/>
-          </p:nvPr>
-        </p:nvSpPr>
-        <p:spPr>
-          <a:xfrm>
-            <a:off x="2646113" y="1177296"/>
-            <a:ext cx="3852000" cy="851100"/>
-          </a:xfrm>
-          <a:prstGeom prst="rect">
-            <a:avLst/>
-          </a:prstGeom>
-        </p:spPr>
-        <p:txBody>
-          <a:bodyPr spcFirstLastPara="1" wrap="square" lIns="91425" tIns="91425" rIns="91425" bIns="91425" anchor="b" anchorCtr="0">
-            <a:noAutofit/>
-          </a:bodyPr>
-          <a:lstStyle/>
-          <a:p>
-            <a:pPr marL="0" lvl="0" indent="0" algn="ctr" rtl="0">
-              <a:spcBef>
-                <a:spcPts val="0"/>
-              </a:spcBef>
-              <a:spcAft>
-                <a:spcPts val="0"/>
-              </a:spcAft>
-              <a:buNone/>
-            </a:pPr>
-            <a:r>
-              <a:rPr lang="en"/>
-              <a:t>Thanks!</a:t>
-            </a:r>
-            <a:endParaRPr/>
           </a:p>
         </p:txBody>
       </p:sp>
@@ -30247,4 +31274,299 @@
   <a:objectDefaults/>
   <a:extraClrSchemeLst/>
 </a:theme>
+</file>
+
+<file path=ppt/theme/theme3.xml><?xml version="1.0" encoding="utf-8"?>
+<a:theme xmlns:a="http://schemas.openxmlformats.org/drawingml/2006/main" name="Thème Office">
+  <a:themeElements>
+    <a:clrScheme name="Office">
+      <a:dk1>
+        <a:sysClr val="windowText" lastClr="000000"/>
+      </a:dk1>
+      <a:lt1>
+        <a:sysClr val="window" lastClr="FFFFFF"/>
+      </a:lt1>
+      <a:dk2>
+        <a:srgbClr val="44546A"/>
+      </a:dk2>
+      <a:lt2>
+        <a:srgbClr val="E7E6E6"/>
+      </a:lt2>
+      <a:accent1>
+        <a:srgbClr val="4472C4"/>
+      </a:accent1>
+      <a:accent2>
+        <a:srgbClr val="ED7D31"/>
+      </a:accent2>
+      <a:accent3>
+        <a:srgbClr val="A5A5A5"/>
+      </a:accent3>
+      <a:accent4>
+        <a:srgbClr val="FFC000"/>
+      </a:accent4>
+      <a:accent5>
+        <a:srgbClr val="5B9BD5"/>
+      </a:accent5>
+      <a:accent6>
+        <a:srgbClr val="70AD47"/>
+      </a:accent6>
+      <a:hlink>
+        <a:srgbClr val="0563C1"/>
+      </a:hlink>
+      <a:folHlink>
+        <a:srgbClr val="954F72"/>
+      </a:folHlink>
+    </a:clrScheme>
+    <a:fontScheme name="Office">
+      <a:majorFont>
+        <a:latin typeface="Calibri Light" panose="020F0302020204030204"/>
+        <a:ea typeface=""/>
+        <a:cs typeface=""/>
+        <a:font script="Jpan" typeface="游ゴシック Light"/>
+        <a:font script="Hang" typeface="맑은 고딕"/>
+        <a:font script="Hans" typeface="等线 Light"/>
+        <a:font script="Hant" typeface="新細明體"/>
+        <a:font script="Arab" typeface="Times New Roman"/>
+        <a:font script="Hebr" typeface="Times New Roman"/>
+        <a:font script="Thai" typeface="Angsana New"/>
+        <a:font script="Ethi" typeface="Nyala"/>
+        <a:font script="Beng" typeface="Vrinda"/>
+        <a:font script="Gujr" typeface="Shruti"/>
+        <a:font script="Khmr" typeface="MoolBoran"/>
+        <a:font script="Knda" typeface="Tunga"/>
+        <a:font script="Guru" typeface="Raavi"/>
+        <a:font script="Cans" typeface="Euphemia"/>
+        <a:font script="Cher" typeface="Plantagenet Cherokee"/>
+        <a:font script="Yiii" typeface="Microsoft Yi Baiti"/>
+        <a:font script="Tibt" typeface="Microsoft Himalaya"/>
+        <a:font script="Thaa" typeface="MV Boli"/>
+        <a:font script="Deva" typeface="Mangal"/>
+        <a:font script="Telu" typeface="Gautami"/>
+        <a:font script="Taml" typeface="Latha"/>
+        <a:font script="Syrc" typeface="Estrangelo Edessa"/>
+        <a:font script="Orya" typeface="Kalinga"/>
+        <a:font script="Mlym" typeface="Kartika"/>
+        <a:font script="Laoo" typeface="DokChampa"/>
+        <a:font script="Sinh" typeface="Iskoola Pota"/>
+        <a:font script="Mong" typeface="Mongolian Baiti"/>
+        <a:font script="Viet" typeface="Times New Roman"/>
+        <a:font script="Uigh" typeface="Microsoft Uighur"/>
+        <a:font script="Geor" typeface="Sylfaen"/>
+        <a:font script="Armn" typeface="Arial"/>
+        <a:font script="Bugi" typeface="Leelawadee UI"/>
+        <a:font script="Bopo" typeface="Microsoft JhengHei"/>
+        <a:font script="Java" typeface="Javanese Text"/>
+        <a:font script="Lisu" typeface="Segoe UI"/>
+        <a:font script="Mymr" typeface="Myanmar Text"/>
+        <a:font script="Nkoo" typeface="Ebrima"/>
+        <a:font script="Olck" typeface="Nirmala UI"/>
+        <a:font script="Osma" typeface="Ebrima"/>
+        <a:font script="Phag" typeface="Phagspa"/>
+        <a:font script="Syrn" typeface="Estrangelo Edessa"/>
+        <a:font script="Syrj" typeface="Estrangelo Edessa"/>
+        <a:font script="Syre" typeface="Estrangelo Edessa"/>
+        <a:font script="Sora" typeface="Nirmala UI"/>
+        <a:font script="Tale" typeface="Microsoft Tai Le"/>
+        <a:font script="Talu" typeface="Microsoft New Tai Lue"/>
+        <a:font script="Tfng" typeface="Ebrima"/>
+      </a:majorFont>
+      <a:minorFont>
+        <a:latin typeface="Calibri" panose="020F0502020204030204"/>
+        <a:ea typeface=""/>
+        <a:cs typeface=""/>
+        <a:font script="Jpan" typeface="游ゴシック"/>
+        <a:font script="Hang" typeface="맑은 고딕"/>
+        <a:font script="Hans" typeface="等线"/>
+        <a:font script="Hant" typeface="新細明體"/>
+        <a:font script="Arab" typeface="Arial"/>
+        <a:font script="Hebr" typeface="Arial"/>
+        <a:font script="Thai" typeface="Cordia New"/>
+        <a:font script="Ethi" typeface="Nyala"/>
+        <a:font script="Beng" typeface="Vrinda"/>
+        <a:font script="Gujr" typeface="Shruti"/>
+        <a:font script="Khmr" typeface="DaunPenh"/>
+        <a:font script="Knda" typeface="Tunga"/>
+        <a:font script="Guru" typeface="Raavi"/>
+        <a:font script="Cans" typeface="Euphemia"/>
+        <a:font script="Cher" typeface="Plantagenet Cherokee"/>
+        <a:font script="Yiii" typeface="Microsoft Yi Baiti"/>
+        <a:font script="Tibt" typeface="Microsoft Himalaya"/>
+        <a:font script="Thaa" typeface="MV Boli"/>
+        <a:font script="Deva" typeface="Mangal"/>
+        <a:font script="Telu" typeface="Gautami"/>
+        <a:font script="Taml" typeface="Latha"/>
+        <a:font script="Syrc" typeface="Estrangelo Edessa"/>
+        <a:font script="Orya" typeface="Kalinga"/>
+        <a:font script="Mlym" typeface="Kartika"/>
+        <a:font script="Laoo" typeface="DokChampa"/>
+        <a:font script="Sinh" typeface="Iskoola Pota"/>
+        <a:font script="Mong" typeface="Mongolian Baiti"/>
+        <a:font script="Viet" typeface="Arial"/>
+        <a:font script="Uigh" typeface="Microsoft Uighur"/>
+        <a:font script="Geor" typeface="Sylfaen"/>
+        <a:font script="Armn" typeface="Arial"/>
+        <a:font script="Bugi" typeface="Leelawadee UI"/>
+        <a:font script="Bopo" typeface="Microsoft JhengHei"/>
+        <a:font script="Java" typeface="Javanese Text"/>
+        <a:font script="Lisu" typeface="Segoe UI"/>
+        <a:font script="Mymr" typeface="Myanmar Text"/>
+        <a:font script="Nkoo" typeface="Ebrima"/>
+        <a:font script="Olck" typeface="Nirmala UI"/>
+        <a:font script="Osma" typeface="Ebrima"/>
+        <a:font script="Phag" typeface="Phagspa"/>
+        <a:font script="Syrn" typeface="Estrangelo Edessa"/>
+        <a:font script="Syrj" typeface="Estrangelo Edessa"/>
+        <a:font script="Syre" typeface="Estrangelo Edessa"/>
+        <a:font script="Sora" typeface="Nirmala UI"/>
+        <a:font script="Tale" typeface="Microsoft Tai Le"/>
+        <a:font script="Talu" typeface="Microsoft New Tai Lue"/>
+        <a:font script="Tfng" typeface="Ebrima"/>
+      </a:minorFont>
+    </a:fontScheme>
+    <a:fmtScheme name="Office">
+      <a:fillStyleLst>
+        <a:solidFill>
+          <a:schemeClr val="phClr"/>
+        </a:solidFill>
+        <a:gradFill rotWithShape="1">
+          <a:gsLst>
+            <a:gs pos="0">
+              <a:schemeClr val="phClr">
+                <a:lumMod val="110000"/>
+                <a:satMod val="105000"/>
+                <a:tint val="67000"/>
+              </a:schemeClr>
+            </a:gs>
+            <a:gs pos="50000">
+              <a:schemeClr val="phClr">
+                <a:lumMod val="105000"/>
+                <a:satMod val="103000"/>
+                <a:tint val="73000"/>
+              </a:schemeClr>
+            </a:gs>
+            <a:gs pos="100000">
+              <a:schemeClr val="phClr">
+                <a:lumMod val="105000"/>
+                <a:satMod val="109000"/>
+                <a:tint val="81000"/>
+              </a:schemeClr>
+            </a:gs>
+          </a:gsLst>
+          <a:lin ang="5400000" scaled="0"/>
+        </a:gradFill>
+        <a:gradFill rotWithShape="1">
+          <a:gsLst>
+            <a:gs pos="0">
+              <a:schemeClr val="phClr">
+                <a:satMod val="103000"/>
+                <a:lumMod val="102000"/>
+                <a:tint val="94000"/>
+              </a:schemeClr>
+            </a:gs>
+            <a:gs pos="50000">
+              <a:schemeClr val="phClr">
+                <a:satMod val="110000"/>
+                <a:lumMod val="100000"/>
+                <a:shade val="100000"/>
+              </a:schemeClr>
+            </a:gs>
+            <a:gs pos="100000">
+              <a:schemeClr val="phClr">
+                <a:lumMod val="99000"/>
+                <a:satMod val="120000"/>
+                <a:shade val="78000"/>
+              </a:schemeClr>
+            </a:gs>
+          </a:gsLst>
+          <a:lin ang="5400000" scaled="0"/>
+        </a:gradFill>
+      </a:fillStyleLst>
+      <a:lnStyleLst>
+        <a:ln w="6350" cap="flat" cmpd="sng" algn="ctr">
+          <a:solidFill>
+            <a:schemeClr val="phClr"/>
+          </a:solidFill>
+          <a:prstDash val="solid"/>
+          <a:miter lim="800000"/>
+        </a:ln>
+        <a:ln w="12700" cap="flat" cmpd="sng" algn="ctr">
+          <a:solidFill>
+            <a:schemeClr val="phClr"/>
+          </a:solidFill>
+          <a:prstDash val="solid"/>
+          <a:miter lim="800000"/>
+        </a:ln>
+        <a:ln w="19050" cap="flat" cmpd="sng" algn="ctr">
+          <a:solidFill>
+            <a:schemeClr val="phClr"/>
+          </a:solidFill>
+          <a:prstDash val="solid"/>
+          <a:miter lim="800000"/>
+        </a:ln>
+      </a:lnStyleLst>
+      <a:effectStyleLst>
+        <a:effectStyle>
+          <a:effectLst/>
+        </a:effectStyle>
+        <a:effectStyle>
+          <a:effectLst/>
+        </a:effectStyle>
+        <a:effectStyle>
+          <a:effectLst>
+            <a:outerShdw blurRad="57150" dist="19050" dir="5400000" algn="ctr" rotWithShape="0">
+              <a:srgbClr val="000000">
+                <a:alpha val="63000"/>
+              </a:srgbClr>
+            </a:outerShdw>
+          </a:effectLst>
+        </a:effectStyle>
+      </a:effectStyleLst>
+      <a:bgFillStyleLst>
+        <a:solidFill>
+          <a:schemeClr val="phClr"/>
+        </a:solidFill>
+        <a:solidFill>
+          <a:schemeClr val="phClr">
+            <a:tint val="95000"/>
+            <a:satMod val="170000"/>
+          </a:schemeClr>
+        </a:solidFill>
+        <a:gradFill rotWithShape="1">
+          <a:gsLst>
+            <a:gs pos="0">
+              <a:schemeClr val="phClr">
+                <a:tint val="93000"/>
+                <a:satMod val="150000"/>
+                <a:shade val="98000"/>
+                <a:lumMod val="102000"/>
+              </a:schemeClr>
+            </a:gs>
+            <a:gs pos="50000">
+              <a:schemeClr val="phClr">
+                <a:tint val="98000"/>
+                <a:satMod val="130000"/>
+                <a:shade val="90000"/>
+                <a:lumMod val="103000"/>
+              </a:schemeClr>
+            </a:gs>
+            <a:gs pos="100000">
+              <a:schemeClr val="phClr">
+                <a:shade val="63000"/>
+                <a:satMod val="120000"/>
+              </a:schemeClr>
+            </a:gs>
+          </a:gsLst>
+          <a:lin ang="5400000" scaled="0"/>
+        </a:gradFill>
+      </a:bgFillStyleLst>
+    </a:fmtScheme>
+  </a:themeElements>
+  <a:objectDefaults/>
+  <a:extraClrSchemeLst/>
+  <a:extLst>
+    <a:ext uri="{05A4C25C-085E-4340-85A3-A5531E510DB2}">
+      <thm15:themeFamily xmlns:thm15="http://schemas.microsoft.com/office/thememl/2012/main" name="Office Theme" id="{62F939B6-93AF-4DB8-9C6B-D6C7DFDC589F}" vid="{4A3C46E8-61CC-4603-A589-7422A47A8E4A}"/>
+    </a:ext>
+  </a:extLst>
+</a:theme>
 </file>
--- a/SEMESTER 1/Modélisation avec Python/G- Fichiers/Manipulation des Fichiers.pptx
+++ b/SEMESTER 1/Modélisation avec Python/G- Fichiers/Manipulation des Fichiers.pptx
@@ -380,7 +380,7 @@
           <a:p>
             <a:fld id="{7D945005-0982-49FD-A400-988823CD1C0A}" type="datetimeFigureOut">
               <a:rPr lang="fr-FR" smtClean="0"/>
-              <a:t>05/01/2024</a:t>
+              <a:t>12/01/2024</a:t>
             </a:fld>
             <a:endParaRPr lang="fr-FR"/>
           </a:p>
@@ -15910,7 +15910,43 @@
             </a:lvl9pPr>
           </a:lstStyle>
           <a:p>
-            <a:endParaRPr/>
+            <a:endParaRPr dirty="0"/>
+          </a:p>
+        </p:txBody>
+      </p:sp>
+      <p:sp>
+        <p:nvSpPr>
+          <p:cNvPr id="3" name="ZoneTexte 2">
+            <a:extLst>
+              <a:ext uri="{FF2B5EF4-FFF2-40B4-BE49-F238E27FC236}">
+                <a16:creationId xmlns:a16="http://schemas.microsoft.com/office/drawing/2014/main" id="{D867FE35-F1F4-D539-8144-CA2F43C24F22}"/>
+              </a:ext>
+            </a:extLst>
+          </p:cNvPr>
+          <p:cNvSpPr txBox="1"/>
+          <p:nvPr userDrawn="1"/>
+        </p:nvSpPr>
+        <p:spPr>
+          <a:xfrm>
+            <a:off x="8505525" y="4568875"/>
+            <a:ext cx="505125" cy="307777"/>
+          </a:xfrm>
+          <a:prstGeom prst="rect">
+            <a:avLst/>
+          </a:prstGeom>
+          <a:noFill/>
+        </p:spPr>
+        <p:txBody>
+          <a:bodyPr wrap="square" rtlCol="0">
+            <a:spAutoFit/>
+          </a:bodyPr>
+          <a:lstStyle/>
+          <a:p>
+            <a:r>
+              <a:rPr lang="en-US" dirty="0"/>
+              <a:t>&lt;#&gt;</a:t>
+            </a:r>
+            <a:endParaRPr lang="fr-FR" dirty="0"/>
           </a:p>
         </p:txBody>
       </p:sp>
@@ -15930,7 +15966,7 @@
     <p:sldLayoutId id="2147483671" r:id="rId10"/>
     <p:sldLayoutId id="2147483672" r:id="rId11"/>
   </p:sldLayoutIdLst>
-  <p:hf hdr="0" ftr="0" dt="0"/>
+  <p:hf hdr="0" ftr="0"/>
   <p:txStyles>
     <p:titleStyle>
       <a:defPPr marR="0" lvl="0" algn="l" rtl="0">

--- a/SEMESTER 1/Modélisation avec Python/G- Fichiers/Manipulation des Fichiers.pptx
+++ b/SEMESTER 1/Modélisation avec Python/G- Fichiers/Manipulation des Fichiers.pptx
@@ -280,7 +280,18 @@
   </p:defaultTextStyle>
   <p:extLst>
     <p:ext uri="{EFAFB233-063F-42B5-8137-9DF3F51BA10A}">
-      <p15:sldGuideLst xmlns:p15="http://schemas.microsoft.com/office/powerpoint/2012/main"/>
+      <p15:sldGuideLst xmlns:p15="http://schemas.microsoft.com/office/powerpoint/2012/main">
+        <p15:guide id="1" orient="horz" pos="1620">
+          <p15:clr>
+            <a:srgbClr val="A4A3A4"/>
+          </p15:clr>
+        </p15:guide>
+        <p15:guide id="2" pos="2880">
+          <p15:clr>
+            <a:srgbClr val="A4A3A4"/>
+          </p15:clr>
+        </p15:guide>
+      </p15:sldGuideLst>
     </p:ext>
   </p:extLst>
 </p:presentation>
@@ -341,7 +352,7 @@
             </a:lvl1pPr>
           </a:lstStyle>
           <a:p>
-            <a:endParaRPr lang="fr-FR"/>
+            <a:endParaRPr lang="fr-FR" dirty="0"/>
           </a:p>
         </p:txBody>
       </p:sp>
@@ -380,9 +391,9 @@
           <a:p>
             <a:fld id="{7D945005-0982-49FD-A400-988823CD1C0A}" type="datetimeFigureOut">
               <a:rPr lang="fr-FR" smtClean="0"/>
-              <a:t>12/01/2024</a:t>
+              <a:t>13/01/2024</a:t>
             </a:fld>
-            <a:endParaRPr lang="fr-FR"/>
+            <a:endParaRPr lang="fr-FR" dirty="0"/>
           </a:p>
         </p:txBody>
       </p:sp>
@@ -419,7 +430,7 @@
             </a:lvl1pPr>
           </a:lstStyle>
           <a:p>
-            <a:endParaRPr lang="fr-FR"/>
+            <a:endParaRPr lang="fr-FR" dirty="0"/>
           </a:p>
         </p:txBody>
       </p:sp>
@@ -460,7 +471,7 @@
               <a:rPr lang="fr-FR" smtClean="0"/>
               <a:t>‹N°›</a:t>
             </a:fld>
-            <a:endParaRPr lang="fr-FR"/>
+            <a:endParaRPr lang="fr-FR" dirty="0"/>
           </a:p>
         </p:txBody>
       </p:sp>
@@ -683,6 +694,11 @@
         </p:txBody>
       </p:sp>
     </p:spTree>
+    <p:extLst>
+      <p:ext uri="{BB962C8B-B14F-4D97-AF65-F5344CB8AC3E}">
+        <p14:creationId xmlns:p14="http://schemas.microsoft.com/office/powerpoint/2010/main" val="3939317084"/>
+      </p:ext>
+    </p:extLst>
   </p:cSld>
   <p:clrMap bg1="lt1" tx1="dk1" bg2="dk2" tx2="lt2" accent1="accent1" accent2="accent2" accent3="accent3" accent4="accent4" accent5="accent5" accent6="accent6" hlink="hlink" folHlink="folHlink"/>
   <p:hf hdr="0" ftr="0" dt="0"/>
@@ -1010,7 +1026,7 @@
               </a:spcAft>
               <a:buNone/>
             </a:pPr>
-            <a:endParaRPr/>
+            <a:endParaRPr dirty="0"/>
           </a:p>
         </p:txBody>
       </p:sp>
@@ -1114,7 +1130,7 @@
               </a:spcAft>
               <a:buNone/>
             </a:pPr>
-            <a:endParaRPr/>
+            <a:endParaRPr dirty="0"/>
           </a:p>
         </p:txBody>
       </p:sp>
@@ -1218,7 +1234,7 @@
               </a:spcAft>
               <a:buNone/>
             </a:pPr>
-            <a:endParaRPr/>
+            <a:endParaRPr dirty="0"/>
           </a:p>
         </p:txBody>
       </p:sp>
@@ -1327,7 +1343,7 @@
               </a:spcAft>
               <a:buNone/>
             </a:pPr>
-            <a:endParaRPr/>
+            <a:endParaRPr dirty="0"/>
           </a:p>
         </p:txBody>
       </p:sp>
@@ -1436,7 +1452,7 @@
               </a:spcAft>
               <a:buNone/>
             </a:pPr>
-            <a:endParaRPr/>
+            <a:endParaRPr dirty="0"/>
           </a:p>
         </p:txBody>
       </p:sp>
@@ -1545,7 +1561,7 @@
               </a:spcAft>
               <a:buNone/>
             </a:pPr>
-            <a:endParaRPr/>
+            <a:endParaRPr dirty="0"/>
           </a:p>
         </p:txBody>
       </p:sp>
@@ -1654,7 +1670,7 @@
               </a:spcAft>
               <a:buNone/>
             </a:pPr>
-            <a:endParaRPr/>
+            <a:endParaRPr dirty="0"/>
           </a:p>
         </p:txBody>
       </p:sp>
@@ -1763,7 +1779,7 @@
               </a:spcAft>
               <a:buNone/>
             </a:pPr>
-            <a:endParaRPr/>
+            <a:endParaRPr dirty="0"/>
           </a:p>
         </p:txBody>
       </p:sp>
@@ -1872,7 +1888,7 @@
               </a:spcAft>
               <a:buNone/>
             </a:pPr>
-            <a:endParaRPr/>
+            <a:endParaRPr dirty="0"/>
           </a:p>
         </p:txBody>
       </p:sp>
@@ -1981,7 +1997,7 @@
               </a:spcAft>
               <a:buNone/>
             </a:pPr>
-            <a:endParaRPr/>
+            <a:endParaRPr dirty="0"/>
           </a:p>
         </p:txBody>
       </p:sp>
@@ -2090,7 +2106,7 @@
               </a:spcAft>
               <a:buNone/>
             </a:pPr>
-            <a:endParaRPr/>
+            <a:endParaRPr dirty="0"/>
           </a:p>
         </p:txBody>
       </p:sp>
@@ -2199,7 +2215,7 @@
               </a:spcAft>
               <a:buNone/>
             </a:pPr>
-            <a:endParaRPr/>
+            <a:endParaRPr dirty="0"/>
           </a:p>
         </p:txBody>
       </p:sp>
@@ -2303,7 +2319,7 @@
               </a:spcAft>
               <a:buNone/>
             </a:pPr>
-            <a:endParaRPr/>
+            <a:endParaRPr dirty="0"/>
           </a:p>
         </p:txBody>
       </p:sp>
@@ -2412,7 +2428,7 @@
               </a:spcAft>
               <a:buNone/>
             </a:pPr>
-            <a:endParaRPr/>
+            <a:endParaRPr dirty="0"/>
           </a:p>
         </p:txBody>
       </p:sp>
@@ -2521,7 +2537,7 @@
               </a:spcAft>
               <a:buNone/>
             </a:pPr>
-            <a:endParaRPr/>
+            <a:endParaRPr dirty="0"/>
           </a:p>
         </p:txBody>
       </p:sp>
@@ -2630,7 +2646,7 @@
               </a:spcAft>
               <a:buNone/>
             </a:pPr>
-            <a:endParaRPr/>
+            <a:endParaRPr dirty="0"/>
           </a:p>
         </p:txBody>
       </p:sp>
@@ -2739,7 +2755,7 @@
               </a:spcAft>
               <a:buNone/>
             </a:pPr>
-            <a:endParaRPr/>
+            <a:endParaRPr dirty="0"/>
           </a:p>
         </p:txBody>
       </p:sp>
@@ -2848,7 +2864,7 @@
               </a:spcAft>
               <a:buNone/>
             </a:pPr>
-            <a:endParaRPr/>
+            <a:endParaRPr dirty="0"/>
           </a:p>
         </p:txBody>
       </p:sp>
@@ -2957,7 +2973,7 @@
               </a:spcAft>
               <a:buNone/>
             </a:pPr>
-            <a:endParaRPr/>
+            <a:endParaRPr dirty="0"/>
           </a:p>
         </p:txBody>
       </p:sp>
@@ -3066,7 +3082,7 @@
               </a:spcAft>
               <a:buNone/>
             </a:pPr>
-            <a:endParaRPr/>
+            <a:endParaRPr dirty="0"/>
           </a:p>
         </p:txBody>
       </p:sp>
@@ -3175,7 +3191,7 @@
               </a:spcAft>
               <a:buNone/>
             </a:pPr>
-            <a:endParaRPr/>
+            <a:endParaRPr dirty="0"/>
           </a:p>
         </p:txBody>
       </p:sp>
@@ -3284,7 +3300,7 @@
               </a:spcAft>
               <a:buNone/>
             </a:pPr>
-            <a:endParaRPr/>
+            <a:endParaRPr dirty="0"/>
           </a:p>
         </p:txBody>
       </p:sp>
@@ -3393,7 +3409,7 @@
               </a:spcAft>
               <a:buNone/>
             </a:pPr>
-            <a:endParaRPr/>
+            <a:endParaRPr dirty="0"/>
           </a:p>
         </p:txBody>
       </p:sp>
@@ -3497,7 +3513,7 @@
               </a:spcAft>
               <a:buNone/>
             </a:pPr>
-            <a:endParaRPr/>
+            <a:endParaRPr dirty="0"/>
           </a:p>
         </p:txBody>
       </p:sp>
@@ -3606,7 +3622,7 @@
               </a:spcAft>
               <a:buNone/>
             </a:pPr>
-            <a:endParaRPr/>
+            <a:endParaRPr dirty="0"/>
           </a:p>
         </p:txBody>
       </p:sp>
@@ -3715,7 +3731,7 @@
               </a:spcAft>
               <a:buNone/>
             </a:pPr>
-            <a:endParaRPr/>
+            <a:endParaRPr dirty="0"/>
           </a:p>
         </p:txBody>
       </p:sp>
@@ -3824,7 +3840,7 @@
               </a:spcAft>
               <a:buNone/>
             </a:pPr>
-            <a:endParaRPr/>
+            <a:endParaRPr dirty="0"/>
           </a:p>
         </p:txBody>
       </p:sp>
@@ -3933,7 +3949,7 @@
               </a:spcAft>
               <a:buNone/>
             </a:pPr>
-            <a:endParaRPr/>
+            <a:endParaRPr dirty="0"/>
           </a:p>
         </p:txBody>
       </p:sp>
@@ -4042,7 +4058,7 @@
               </a:spcAft>
               <a:buNone/>
             </a:pPr>
-            <a:endParaRPr/>
+            <a:endParaRPr dirty="0"/>
           </a:p>
         </p:txBody>
       </p:sp>
@@ -4146,7 +4162,7 @@
               </a:spcAft>
               <a:buNone/>
             </a:pPr>
-            <a:endParaRPr/>
+            <a:endParaRPr dirty="0"/>
           </a:p>
         </p:txBody>
       </p:sp>
@@ -4250,7 +4266,7 @@
               </a:spcAft>
               <a:buNone/>
             </a:pPr>
-            <a:endParaRPr/>
+            <a:endParaRPr dirty="0"/>
           </a:p>
         </p:txBody>
       </p:sp>
@@ -4354,7 +4370,7 @@
               </a:spcAft>
               <a:buNone/>
             </a:pPr>
-            <a:endParaRPr/>
+            <a:endParaRPr dirty="0"/>
           </a:p>
         </p:txBody>
       </p:sp>
@@ -4463,7 +4479,7 @@
               </a:spcAft>
               <a:buNone/>
             </a:pPr>
-            <a:endParaRPr/>
+            <a:endParaRPr dirty="0"/>
           </a:p>
         </p:txBody>
       </p:sp>
@@ -4572,7 +4588,7 @@
               </a:spcAft>
               <a:buNone/>
             </a:pPr>
-            <a:endParaRPr/>
+            <a:endParaRPr dirty="0"/>
           </a:p>
         </p:txBody>
       </p:sp>
@@ -4681,7 +4697,7 @@
               </a:spcAft>
               <a:buNone/>
             </a:pPr>
-            <a:endParaRPr/>
+            <a:endParaRPr dirty="0"/>
           </a:p>
         </p:txBody>
       </p:sp>
@@ -4788,7 +4804,7 @@
                 </a:spcAft>
                 <a:buNone/>
               </a:pPr>
-              <a:endParaRPr/>
+              <a:endParaRPr dirty="0"/>
             </a:p>
           </p:txBody>
         </p:sp>
@@ -4841,7 +4857,7 @@
                 </a:spcAft>
                 <a:buNone/>
               </a:pPr>
-              <a:endParaRPr/>
+              <a:endParaRPr dirty="0"/>
             </a:p>
           </p:txBody>
         </p:sp>
@@ -4911,7 +4927,7 @@
                 </a:spcAft>
                 <a:buNone/>
               </a:pPr>
-              <a:endParaRPr/>
+              <a:endParaRPr dirty="0"/>
             </a:p>
           </p:txBody>
         </p:sp>
@@ -4964,7 +4980,7 @@
                 </a:spcAft>
                 <a:buNone/>
               </a:pPr>
-              <a:endParaRPr/>
+              <a:endParaRPr dirty="0"/>
             </a:p>
           </p:txBody>
         </p:sp>
@@ -5032,7 +5048,7 @@
                 </a:spcAft>
                 <a:buNone/>
               </a:pPr>
-              <a:endParaRPr/>
+              <a:endParaRPr dirty="0"/>
             </a:p>
           </p:txBody>
         </p:sp>
@@ -5123,7 +5139,7 @@
                   </a:spcAft>
                   <a:buNone/>
                 </a:pPr>
-                <a:endParaRPr/>
+                <a:endParaRPr dirty="0"/>
               </a:p>
             </p:txBody>
           </p:sp>
@@ -5174,7 +5190,7 @@
                   </a:spcAft>
                   <a:buNone/>
                 </a:pPr>
-                <a:endParaRPr/>
+                <a:endParaRPr dirty="0"/>
               </a:p>
             </p:txBody>
           </p:sp>
@@ -5225,7 +5241,7 @@
                   </a:spcAft>
                   <a:buNone/>
                 </a:pPr>
-                <a:endParaRPr/>
+                <a:endParaRPr dirty="0"/>
               </a:p>
             </p:txBody>
           </p:sp>
@@ -5647,7 +5663,7 @@
                 </a:spcAft>
                 <a:buNone/>
               </a:pPr>
-              <a:endParaRPr/>
+              <a:endParaRPr dirty="0"/>
             </a:p>
           </p:txBody>
         </p:sp>
@@ -5700,7 +5716,7 @@
                 </a:spcAft>
                 <a:buNone/>
               </a:pPr>
-              <a:endParaRPr/>
+              <a:endParaRPr dirty="0"/>
             </a:p>
           </p:txBody>
         </p:sp>
@@ -5770,7 +5786,7 @@
                 </a:spcAft>
                 <a:buNone/>
               </a:pPr>
-              <a:endParaRPr/>
+              <a:endParaRPr dirty="0"/>
             </a:p>
           </p:txBody>
         </p:sp>
@@ -5823,7 +5839,7 @@
                 </a:spcAft>
                 <a:buNone/>
               </a:pPr>
-              <a:endParaRPr/>
+              <a:endParaRPr dirty="0"/>
             </a:p>
           </p:txBody>
         </p:sp>
@@ -5916,7 +5932,7 @@
                 </a:spcAft>
                 <a:buNone/>
               </a:pPr>
-              <a:endParaRPr/>
+              <a:endParaRPr dirty="0"/>
             </a:p>
           </p:txBody>
         </p:sp>
@@ -6007,7 +6023,7 @@
                   </a:spcAft>
                   <a:buNone/>
                 </a:pPr>
-                <a:endParaRPr/>
+                <a:endParaRPr dirty="0"/>
               </a:p>
             </p:txBody>
           </p:sp>
@@ -6058,7 +6074,7 @@
                   </a:spcAft>
                   <a:buNone/>
                 </a:pPr>
-                <a:endParaRPr/>
+                <a:endParaRPr dirty="0"/>
               </a:p>
             </p:txBody>
           </p:sp>
@@ -6109,7 +6125,7 @@
                   </a:spcAft>
                   <a:buNone/>
                 </a:pPr>
-                <a:endParaRPr/>
+                <a:endParaRPr dirty="0"/>
               </a:p>
             </p:txBody>
           </p:sp>
@@ -6213,7 +6229,7 @@
                 </a:spcAft>
                 <a:buNone/>
               </a:pPr>
-              <a:endParaRPr/>
+              <a:endParaRPr dirty="0"/>
             </a:p>
           </p:txBody>
         </p:sp>
@@ -6266,7 +6282,7 @@
                 </a:spcAft>
                 <a:buNone/>
               </a:pPr>
-              <a:endParaRPr/>
+              <a:endParaRPr dirty="0"/>
             </a:p>
           </p:txBody>
         </p:sp>
@@ -6336,7 +6352,7 @@
                 </a:spcAft>
                 <a:buNone/>
               </a:pPr>
-              <a:endParaRPr/>
+              <a:endParaRPr dirty="0"/>
             </a:p>
           </p:txBody>
         </p:sp>
@@ -6389,7 +6405,7 @@
                 </a:spcAft>
                 <a:buNone/>
               </a:pPr>
-              <a:endParaRPr/>
+              <a:endParaRPr dirty="0"/>
             </a:p>
           </p:txBody>
         </p:sp>
@@ -6457,7 +6473,7 @@
                 </a:spcAft>
                 <a:buNone/>
               </a:pPr>
-              <a:endParaRPr/>
+              <a:endParaRPr dirty="0"/>
             </a:p>
           </p:txBody>
         </p:sp>
@@ -6548,7 +6564,7 @@
                   </a:spcAft>
                   <a:buNone/>
                 </a:pPr>
-                <a:endParaRPr/>
+                <a:endParaRPr dirty="0"/>
               </a:p>
             </p:txBody>
           </p:sp>
@@ -6599,7 +6615,7 @@
                   </a:spcAft>
                   <a:buNone/>
                 </a:pPr>
-                <a:endParaRPr/>
+                <a:endParaRPr dirty="0"/>
               </a:p>
             </p:txBody>
           </p:sp>
@@ -6650,7 +6666,7 @@
                   </a:spcAft>
                   <a:buNone/>
                 </a:pPr>
-                <a:endParaRPr/>
+                <a:endParaRPr dirty="0"/>
               </a:p>
             </p:txBody>
           </p:sp>
@@ -6721,7 +6737,7 @@
                 </a:spcAft>
                 <a:buNone/>
               </a:pPr>
-              <a:endParaRPr/>
+              <a:endParaRPr dirty="0"/>
             </a:p>
           </p:txBody>
         </p:sp>
@@ -6774,7 +6790,7 @@
                 </a:spcAft>
                 <a:buNone/>
               </a:pPr>
-              <a:endParaRPr/>
+              <a:endParaRPr dirty="0"/>
             </a:p>
           </p:txBody>
         </p:sp>
@@ -6844,7 +6860,7 @@
                 </a:spcAft>
                 <a:buNone/>
               </a:pPr>
-              <a:endParaRPr/>
+              <a:endParaRPr dirty="0"/>
             </a:p>
           </p:txBody>
         </p:sp>
@@ -6897,7 +6913,7 @@
                 </a:spcAft>
                 <a:buNone/>
               </a:pPr>
-              <a:endParaRPr/>
+              <a:endParaRPr dirty="0"/>
             </a:p>
           </p:txBody>
         </p:sp>
@@ -6990,7 +7006,7 @@
                 </a:spcAft>
                 <a:buNone/>
               </a:pPr>
-              <a:endParaRPr/>
+              <a:endParaRPr dirty="0"/>
             </a:p>
           </p:txBody>
         </p:sp>
@@ -7081,7 +7097,7 @@
                   </a:spcAft>
                   <a:buNone/>
                 </a:pPr>
-                <a:endParaRPr/>
+                <a:endParaRPr dirty="0"/>
               </a:p>
             </p:txBody>
           </p:sp>
@@ -7132,7 +7148,7 @@
                   </a:spcAft>
                   <a:buNone/>
                 </a:pPr>
-                <a:endParaRPr/>
+                <a:endParaRPr dirty="0"/>
               </a:p>
             </p:txBody>
           </p:sp>
@@ -7183,7 +7199,7 @@
                   </a:spcAft>
                   <a:buNone/>
                 </a:pPr>
-                <a:endParaRPr/>
+                <a:endParaRPr dirty="0"/>
               </a:p>
             </p:txBody>
           </p:sp>
@@ -7254,7 +7270,7 @@
                 </a:spcAft>
                 <a:buNone/>
               </a:pPr>
-              <a:endParaRPr/>
+              <a:endParaRPr dirty="0"/>
             </a:p>
           </p:txBody>
         </p:sp>
@@ -7307,7 +7323,7 @@
                 </a:spcAft>
                 <a:buNone/>
               </a:pPr>
-              <a:endParaRPr/>
+              <a:endParaRPr dirty="0"/>
             </a:p>
           </p:txBody>
         </p:sp>
@@ -7793,7 +7809,7 @@
                 </a:spcAft>
                 <a:buNone/>
               </a:pPr>
-              <a:endParaRPr/>
+              <a:endParaRPr dirty="0"/>
             </a:p>
           </p:txBody>
         </p:sp>
@@ -7846,7 +7862,7 @@
                 </a:spcAft>
                 <a:buNone/>
               </a:pPr>
-              <a:endParaRPr/>
+              <a:endParaRPr dirty="0"/>
             </a:p>
           </p:txBody>
         </p:sp>
@@ -7939,7 +7955,7 @@
                 </a:spcAft>
                 <a:buNone/>
               </a:pPr>
-              <a:endParaRPr/>
+              <a:endParaRPr dirty="0"/>
             </a:p>
           </p:txBody>
         </p:sp>
@@ -8030,7 +8046,7 @@
                   </a:spcAft>
                   <a:buNone/>
                 </a:pPr>
-                <a:endParaRPr/>
+                <a:endParaRPr dirty="0"/>
               </a:p>
             </p:txBody>
           </p:sp>
@@ -8081,7 +8097,7 @@
                   </a:spcAft>
                   <a:buNone/>
                 </a:pPr>
-                <a:endParaRPr/>
+                <a:endParaRPr dirty="0"/>
               </a:p>
             </p:txBody>
           </p:sp>
@@ -8132,7 +8148,7 @@
                   </a:spcAft>
                   <a:buNone/>
                 </a:pPr>
-                <a:endParaRPr/>
+                <a:endParaRPr dirty="0"/>
               </a:p>
             </p:txBody>
           </p:sp>
@@ -8585,7 +8601,7 @@
                 </a:spcAft>
                 <a:buNone/>
               </a:pPr>
-              <a:endParaRPr/>
+              <a:endParaRPr dirty="0"/>
             </a:p>
           </p:txBody>
         </p:sp>
@@ -8638,7 +8654,7 @@
                 </a:spcAft>
                 <a:buNone/>
               </a:pPr>
-              <a:endParaRPr/>
+              <a:endParaRPr dirty="0"/>
             </a:p>
           </p:txBody>
         </p:sp>
@@ -8708,7 +8724,7 @@
                 </a:spcAft>
                 <a:buNone/>
               </a:pPr>
-              <a:endParaRPr/>
+              <a:endParaRPr dirty="0"/>
             </a:p>
           </p:txBody>
         </p:sp>
@@ -8761,7 +8777,7 @@
                 </a:spcAft>
                 <a:buNone/>
               </a:pPr>
-              <a:endParaRPr/>
+              <a:endParaRPr dirty="0"/>
             </a:p>
           </p:txBody>
         </p:sp>
@@ -8829,7 +8845,7 @@
                 </a:spcAft>
                 <a:buNone/>
               </a:pPr>
-              <a:endParaRPr/>
+              <a:endParaRPr dirty="0"/>
             </a:p>
           </p:txBody>
         </p:sp>
@@ -8920,7 +8936,7 @@
                   </a:spcAft>
                   <a:buNone/>
                 </a:pPr>
-                <a:endParaRPr/>
+                <a:endParaRPr dirty="0"/>
               </a:p>
             </p:txBody>
           </p:sp>
@@ -8971,7 +8987,7 @@
                   </a:spcAft>
                   <a:buNone/>
                 </a:pPr>
-                <a:endParaRPr/>
+                <a:endParaRPr dirty="0"/>
               </a:p>
             </p:txBody>
           </p:sp>
@@ -9022,7 +9038,7 @@
                   </a:spcAft>
                   <a:buNone/>
                 </a:pPr>
-                <a:endParaRPr/>
+                <a:endParaRPr dirty="0"/>
               </a:p>
             </p:txBody>
           </p:sp>
@@ -9093,7 +9109,7 @@
                 </a:spcAft>
                 <a:buNone/>
               </a:pPr>
-              <a:endParaRPr/>
+              <a:endParaRPr dirty="0"/>
             </a:p>
           </p:txBody>
         </p:sp>
@@ -9146,7 +9162,7 @@
                 </a:spcAft>
                 <a:buNone/>
               </a:pPr>
-              <a:endParaRPr/>
+              <a:endParaRPr dirty="0"/>
             </a:p>
           </p:txBody>
         </p:sp>
@@ -9504,7 +9520,7 @@
                 </a:spcAft>
                 <a:buNone/>
               </a:pPr>
-              <a:endParaRPr/>
+              <a:endParaRPr dirty="0"/>
             </a:p>
           </p:txBody>
         </p:sp>
@@ -9557,7 +9573,7 @@
                 </a:spcAft>
                 <a:buNone/>
               </a:pPr>
-              <a:endParaRPr/>
+              <a:endParaRPr dirty="0"/>
             </a:p>
           </p:txBody>
         </p:sp>
@@ -9683,7 +9699,7 @@
                 </a:spcAft>
                 <a:buNone/>
               </a:pPr>
-              <a:endParaRPr/>
+              <a:endParaRPr dirty="0"/>
             </a:p>
           </p:txBody>
         </p:sp>
@@ -9774,7 +9790,7 @@
                   </a:spcAft>
                   <a:buNone/>
                 </a:pPr>
-                <a:endParaRPr/>
+                <a:endParaRPr dirty="0"/>
               </a:p>
             </p:txBody>
           </p:sp>
@@ -9825,7 +9841,7 @@
                   </a:spcAft>
                   <a:buNone/>
                 </a:pPr>
-                <a:endParaRPr/>
+                <a:endParaRPr dirty="0"/>
               </a:p>
             </p:txBody>
           </p:sp>
@@ -9876,7 +9892,7 @@
                   </a:spcAft>
                   <a:buNone/>
                 </a:pPr>
-                <a:endParaRPr/>
+                <a:endParaRPr dirty="0"/>
               </a:p>
             </p:txBody>
           </p:sp>
@@ -11611,7 +11627,7 @@
                 </a:spcAft>
                 <a:buNone/>
               </a:pPr>
-              <a:endParaRPr/>
+              <a:endParaRPr dirty="0"/>
             </a:p>
           </p:txBody>
         </p:sp>
@@ -11664,7 +11680,7 @@
                 </a:spcAft>
                 <a:buNone/>
               </a:pPr>
-              <a:endParaRPr/>
+              <a:endParaRPr dirty="0"/>
             </a:p>
           </p:txBody>
         </p:sp>
@@ -11734,7 +11750,7 @@
                 </a:spcAft>
                 <a:buNone/>
               </a:pPr>
-              <a:endParaRPr/>
+              <a:endParaRPr dirty="0"/>
             </a:p>
           </p:txBody>
         </p:sp>
@@ -11787,7 +11803,7 @@
                 </a:spcAft>
                 <a:buNone/>
               </a:pPr>
-              <a:endParaRPr/>
+              <a:endParaRPr dirty="0"/>
             </a:p>
           </p:txBody>
         </p:sp>
@@ -12009,7 +12025,7 @@
                 </a:spcAft>
                 <a:buNone/>
               </a:pPr>
-              <a:endParaRPr/>
+              <a:endParaRPr dirty="0"/>
             </a:p>
           </p:txBody>
         </p:sp>
@@ -12100,7 +12116,7 @@
                   </a:spcAft>
                   <a:buNone/>
                 </a:pPr>
-                <a:endParaRPr/>
+                <a:endParaRPr dirty="0"/>
               </a:p>
             </p:txBody>
           </p:sp>
@@ -12151,7 +12167,7 @@
                   </a:spcAft>
                   <a:buNone/>
                 </a:pPr>
-                <a:endParaRPr/>
+                <a:endParaRPr dirty="0"/>
               </a:p>
             </p:txBody>
           </p:sp>
@@ -12202,7 +12218,7 @@
                   </a:spcAft>
                   <a:buNone/>
                 </a:pPr>
-                <a:endParaRPr/>
+                <a:endParaRPr dirty="0"/>
               </a:p>
             </p:txBody>
           </p:sp>
@@ -12558,7 +12574,7 @@
                 </a:spcAft>
                 <a:buNone/>
               </a:pPr>
-              <a:endParaRPr/>
+              <a:endParaRPr dirty="0"/>
             </a:p>
           </p:txBody>
         </p:sp>
@@ -12611,7 +12627,7 @@
                 </a:spcAft>
                 <a:buNone/>
               </a:pPr>
-              <a:endParaRPr/>
+              <a:endParaRPr dirty="0"/>
             </a:p>
           </p:txBody>
         </p:sp>
@@ -12681,7 +12697,7 @@
                 </a:spcAft>
                 <a:buNone/>
               </a:pPr>
-              <a:endParaRPr/>
+              <a:endParaRPr dirty="0"/>
             </a:p>
           </p:txBody>
         </p:sp>
@@ -12734,7 +12750,7 @@
                 </a:spcAft>
                 <a:buNone/>
               </a:pPr>
-              <a:endParaRPr/>
+              <a:endParaRPr dirty="0"/>
             </a:p>
           </p:txBody>
         </p:sp>
@@ -12804,7 +12820,7 @@
                 </a:spcAft>
                 <a:buNone/>
               </a:pPr>
-              <a:endParaRPr/>
+              <a:endParaRPr dirty="0"/>
             </a:p>
           </p:txBody>
         </p:sp>
@@ -12857,7 +12873,7 @@
                 </a:spcAft>
                 <a:buNone/>
               </a:pPr>
-              <a:endParaRPr/>
+              <a:endParaRPr dirty="0"/>
             </a:p>
           </p:txBody>
         </p:sp>
@@ -12927,7 +12943,7 @@
                 </a:spcAft>
                 <a:buNone/>
               </a:pPr>
-              <a:endParaRPr/>
+              <a:endParaRPr dirty="0"/>
             </a:p>
           </p:txBody>
         </p:sp>
@@ -12980,7 +12996,7 @@
                 </a:spcAft>
                 <a:buNone/>
               </a:pPr>
-              <a:endParaRPr/>
+              <a:endParaRPr dirty="0"/>
             </a:p>
           </p:txBody>
         </p:sp>
@@ -13075,7 +13091,7 @@
                 </a:spcAft>
                 <a:buNone/>
               </a:pPr>
-              <a:endParaRPr/>
+              <a:endParaRPr dirty="0"/>
             </a:p>
           </p:txBody>
         </p:sp>
@@ -13128,7 +13144,7 @@
                 </a:spcAft>
                 <a:buNone/>
               </a:pPr>
-              <a:endParaRPr/>
+              <a:endParaRPr dirty="0"/>
             </a:p>
           </p:txBody>
         </p:sp>
@@ -13198,7 +13214,7 @@
                 </a:spcAft>
                 <a:buNone/>
               </a:pPr>
-              <a:endParaRPr/>
+              <a:endParaRPr dirty="0"/>
             </a:p>
           </p:txBody>
         </p:sp>
@@ -13251,7 +13267,7 @@
                 </a:spcAft>
                 <a:buNone/>
               </a:pPr>
-              <a:endParaRPr/>
+              <a:endParaRPr dirty="0"/>
             </a:p>
           </p:txBody>
         </p:sp>
@@ -13319,7 +13335,7 @@
                 </a:spcAft>
                 <a:buNone/>
               </a:pPr>
-              <a:endParaRPr/>
+              <a:endParaRPr dirty="0"/>
             </a:p>
           </p:txBody>
         </p:sp>
@@ -13410,7 +13426,7 @@
                   </a:spcAft>
                   <a:buNone/>
                 </a:pPr>
-                <a:endParaRPr/>
+                <a:endParaRPr dirty="0"/>
               </a:p>
             </p:txBody>
           </p:sp>
@@ -13461,7 +13477,7 @@
                   </a:spcAft>
                   <a:buNone/>
                 </a:pPr>
-                <a:endParaRPr/>
+                <a:endParaRPr dirty="0"/>
               </a:p>
             </p:txBody>
           </p:sp>
@@ -13512,7 +13528,7 @@
                   </a:spcAft>
                   <a:buNone/>
                 </a:pPr>
-                <a:endParaRPr/>
+                <a:endParaRPr dirty="0"/>
               </a:p>
             </p:txBody>
           </p:sp>
@@ -13583,7 +13599,7 @@
                 </a:spcAft>
                 <a:buNone/>
               </a:pPr>
-              <a:endParaRPr/>
+              <a:endParaRPr dirty="0"/>
             </a:p>
           </p:txBody>
         </p:sp>
@@ -13636,7 +13652,7 @@
                 </a:spcAft>
                 <a:buNone/>
               </a:pPr>
-              <a:endParaRPr/>
+              <a:endParaRPr dirty="0"/>
             </a:p>
           </p:txBody>
         </p:sp>
@@ -14124,7 +14140,7 @@
                 </a:spcAft>
                 <a:buNone/>
               </a:pPr>
-              <a:endParaRPr/>
+              <a:endParaRPr dirty="0"/>
             </a:p>
           </p:txBody>
         </p:sp>
@@ -14177,7 +14193,7 @@
                 </a:spcAft>
                 <a:buNone/>
               </a:pPr>
-              <a:endParaRPr/>
+              <a:endParaRPr dirty="0"/>
             </a:p>
           </p:txBody>
         </p:sp>
@@ -14247,7 +14263,7 @@
                 </a:spcAft>
                 <a:buNone/>
               </a:pPr>
-              <a:endParaRPr/>
+              <a:endParaRPr dirty="0"/>
             </a:p>
           </p:txBody>
         </p:sp>
@@ -14300,7 +14316,7 @@
                 </a:spcAft>
                 <a:buNone/>
               </a:pPr>
-              <a:endParaRPr/>
+              <a:endParaRPr dirty="0"/>
             </a:p>
           </p:txBody>
         </p:sp>
@@ -14370,7 +14386,7 @@
                 </a:spcAft>
                 <a:buNone/>
               </a:pPr>
-              <a:endParaRPr/>
+              <a:endParaRPr dirty="0"/>
             </a:p>
           </p:txBody>
         </p:sp>
@@ -14423,7 +14439,7 @@
                 </a:spcAft>
                 <a:buNone/>
               </a:pPr>
-              <a:endParaRPr/>
+              <a:endParaRPr dirty="0"/>
             </a:p>
           </p:txBody>
         </p:sp>
@@ -14491,7 +14507,7 @@
                 </a:spcAft>
                 <a:buNone/>
               </a:pPr>
-              <a:endParaRPr/>
+              <a:endParaRPr dirty="0"/>
             </a:p>
           </p:txBody>
         </p:sp>
@@ -14582,7 +14598,7 @@
                   </a:spcAft>
                   <a:buNone/>
                 </a:pPr>
-                <a:endParaRPr/>
+                <a:endParaRPr dirty="0"/>
               </a:p>
             </p:txBody>
           </p:sp>
@@ -14633,7 +14649,7 @@
                   </a:spcAft>
                   <a:buNone/>
                 </a:pPr>
-                <a:endParaRPr/>
+                <a:endParaRPr dirty="0"/>
               </a:p>
             </p:txBody>
           </p:sp>
@@ -14684,7 +14700,7 @@
                   </a:spcAft>
                   <a:buNone/>
                 </a:pPr>
-                <a:endParaRPr/>
+                <a:endParaRPr dirty="0"/>
               </a:p>
             </p:txBody>
           </p:sp>
@@ -14755,7 +14771,7 @@
                 </a:spcAft>
                 <a:buNone/>
               </a:pPr>
-              <a:endParaRPr/>
+              <a:endParaRPr dirty="0"/>
             </a:p>
           </p:txBody>
         </p:sp>
@@ -14808,7 +14824,7 @@
                 </a:spcAft>
                 <a:buNone/>
               </a:pPr>
-              <a:endParaRPr/>
+              <a:endParaRPr dirty="0"/>
             </a:p>
           </p:txBody>
         </p:sp>
@@ -15163,7 +15179,7 @@
                 </a:spcAft>
                 <a:buNone/>
               </a:pPr>
-              <a:endParaRPr/>
+              <a:endParaRPr dirty="0"/>
             </a:p>
           </p:txBody>
         </p:sp>
@@ -15216,7 +15232,7 @@
                 </a:spcAft>
                 <a:buNone/>
               </a:pPr>
-              <a:endParaRPr/>
+              <a:endParaRPr dirty="0"/>
             </a:p>
           </p:txBody>
         </p:sp>
@@ -15360,7 +15376,7 @@
               </a:rPr>
               <a:t>Freepik</a:t>
             </a:r>
-            <a:endParaRPr sz="1000">
+            <a:endParaRPr sz="1000" dirty="0">
               <a:solidFill>
                 <a:srgbClr val="434343"/>
               </a:solidFill>
@@ -15910,43 +15926,7 @@
             </a:lvl9pPr>
           </a:lstStyle>
           <a:p>
-            <a:endParaRPr dirty="0"/>
-          </a:p>
-        </p:txBody>
-      </p:sp>
-      <p:sp>
-        <p:nvSpPr>
-          <p:cNvPr id="3" name="ZoneTexte 2">
-            <a:extLst>
-              <a:ext uri="{FF2B5EF4-FFF2-40B4-BE49-F238E27FC236}">
-                <a16:creationId xmlns:a16="http://schemas.microsoft.com/office/drawing/2014/main" id="{D867FE35-F1F4-D539-8144-CA2F43C24F22}"/>
-              </a:ext>
-            </a:extLst>
-          </p:cNvPr>
-          <p:cNvSpPr txBox="1"/>
-          <p:nvPr userDrawn="1"/>
-        </p:nvSpPr>
-        <p:spPr>
-          <a:xfrm>
-            <a:off x="8505525" y="4568875"/>
-            <a:ext cx="505125" cy="307777"/>
-          </a:xfrm>
-          <a:prstGeom prst="rect">
-            <a:avLst/>
-          </a:prstGeom>
-          <a:noFill/>
-        </p:spPr>
-        <p:txBody>
-          <a:bodyPr wrap="square" rtlCol="0">
-            <a:spAutoFit/>
-          </a:bodyPr>
-          <a:lstStyle/>
-          <a:p>
-            <a:r>
-              <a:rPr lang="en-US" dirty="0"/>
-              <a:t>&lt;#&gt;</a:t>
-            </a:r>
-            <a:endParaRPr lang="fr-FR" dirty="0"/>
+            <a:endParaRPr/>
           </a:p>
         </p:txBody>
       </p:sp>
@@ -15966,7 +15946,7 @@
     <p:sldLayoutId id="2147483671" r:id="rId10"/>
     <p:sldLayoutId id="2147483672" r:id="rId11"/>
   </p:sldLayoutIdLst>
-  <p:hf hdr="0" ftr="0"/>
+  <p:hf hdr="0" ftr="0" dt="0"/>
   <p:txStyles>
     <p:titleStyle>
       <a:defPPr marR="0" lvl="0" algn="l" rtl="0">
@@ -16733,7 +16713,7 @@
               </a:spcAft>
               <a:buNone/>
             </a:pPr>
-            <a:endParaRPr/>
+            <a:endParaRPr dirty="0"/>
           </a:p>
         </p:txBody>
       </p:sp>
@@ -16824,12 +16804,8 @@
               <a:buNone/>
             </a:pPr>
             <a:r>
-              <a:rPr lang="en-US" dirty="0" err="1"/>
-              <a:t>Presenté</a:t>
-            </a:r>
-            <a:r>
               <a:rPr lang="en-US" dirty="0"/>
-              <a:t> par :</a:t>
+              <a:t>Presented par :</a:t>
             </a:r>
           </a:p>
           <a:p>
@@ -16844,43 +16820,7 @@
             </a:pPr>
             <a:r>
               <a:rPr lang="en-US" dirty="0"/>
-              <a:t>- Gajja Nour </a:t>
-            </a:r>
-            <a:r>
-              <a:rPr lang="en-US" dirty="0" err="1"/>
-              <a:t>Eddine</a:t>
-            </a:r>
-            <a:endParaRPr lang="en-US" dirty="0"/>
-          </a:p>
-          <a:p>
-            <a:pPr marL="0" lvl="0" indent="0" algn="l" rtl="0">
-              <a:spcBef>
-                <a:spcPts val="0"/>
-              </a:spcBef>
-              <a:spcAft>
-                <a:spcPts val="0"/>
-              </a:spcAft>
-              <a:buNone/>
-            </a:pPr>
-            <a:r>
-              <a:rPr lang="en-US" dirty="0"/>
-              <a:t>- </a:t>
-            </a:r>
-            <a:r>
-              <a:rPr lang="en-US" dirty="0" err="1"/>
-              <a:t>Abatour</a:t>
-            </a:r>
-            <a:r>
-              <a:rPr lang="en-US" dirty="0"/>
-              <a:t> </a:t>
-            </a:r>
-            <a:r>
-              <a:rPr lang="en-US" dirty="0" err="1"/>
-              <a:t>Driss</a:t>
-            </a:r>
-            <a:r>
-              <a:rPr lang="en-US" dirty="0"/>
-              <a:t> </a:t>
+              <a:t>- Gajja Nour Eddine</a:t>
             </a:r>
           </a:p>
           <a:p>
@@ -16895,15 +16835,22 @@
             </a:pPr>
             <a:r>
               <a:rPr lang="en-US" dirty="0"/>
-              <a:t>- </a:t>
+              <a:t>- Abatour Driss </a:t>
             </a:r>
-            <a:r>
-              <a:rPr lang="en-US" dirty="0" err="1"/>
-              <a:t>Bouhlali</a:t>
-            </a:r>
+          </a:p>
+          <a:p>
+            <a:pPr marL="0" lvl="0" indent="0" algn="l" rtl="0">
+              <a:spcBef>
+                <a:spcPts val="0"/>
+              </a:spcBef>
+              <a:spcAft>
+                <a:spcPts val="0"/>
+              </a:spcAft>
+              <a:buNone/>
+            </a:pPr>
             <a:r>
               <a:rPr lang="en-US" dirty="0"/>
-              <a:t> Abdelfattah </a:t>
+              <a:t>- Bouhlali Abdelfattah </a:t>
             </a:r>
           </a:p>
         </p:txBody>
@@ -17197,13 +17144,8 @@
             <a:pPr marL="0" indent="0" algn="l"/>
             <a:r>
               <a:rPr lang="en-US" dirty="0"/>
-              <a:t>- HAKEM </a:t>
+              <a:t>- HAKEM Adnane</a:t>
             </a:r>
-            <a:r>
-              <a:rPr lang="en-US" dirty="0" err="1"/>
-              <a:t>Adnane</a:t>
-            </a:r>
-            <a:endParaRPr lang="en-US" dirty="0"/>
           </a:p>
         </p:txBody>
       </p:sp>
@@ -17525,6 +17467,59 @@
           </a:prstGeom>
         </p:spPr>
       </p:pic>
+      <p:sp>
+        <p:nvSpPr>
+          <p:cNvPr id="4" name="ZoneTexte 3"/>
+          <p:cNvSpPr txBox="1"/>
+          <p:nvPr/>
+        </p:nvSpPr>
+        <p:spPr>
+          <a:xfrm>
+            <a:off x="8374642" y="400826"/>
+            <a:ext cx="340536" cy="461665"/>
+          </a:xfrm>
+          <a:prstGeom prst="rect">
+            <a:avLst/>
+          </a:prstGeom>
+        </p:spPr>
+        <p:style>
+          <a:lnRef idx="2">
+            <a:schemeClr val="dk1">
+              <a:shade val="50000"/>
+            </a:schemeClr>
+          </a:lnRef>
+          <a:fillRef idx="1">
+            <a:schemeClr val="dk1"/>
+          </a:fillRef>
+          <a:effectRef idx="0">
+            <a:schemeClr val="dk1"/>
+          </a:effectRef>
+          <a:fontRef idx="minor">
+            <a:schemeClr val="lt1"/>
+          </a:fontRef>
+        </p:style>
+        <p:txBody>
+          <a:bodyPr wrap="square" rtlCol="0">
+            <a:spAutoFit/>
+          </a:bodyPr>
+          <a:lstStyle/>
+          <a:p>
+            <a:r>
+              <a:rPr lang="en-CA" sz="2400" dirty="0">
+                <a:solidFill>
+                  <a:schemeClr val="accent2"/>
+                </a:solidFill>
+              </a:rPr>
+              <a:t>1</a:t>
+            </a:r>
+            <a:endParaRPr lang="fr-FR" sz="2400" dirty="0">
+              <a:solidFill>
+                <a:schemeClr val="accent2"/>
+              </a:solidFill>
+            </a:endParaRPr>
+          </a:p>
+        </p:txBody>
+      </p:sp>
     </p:spTree>
   </p:cSld>
   <p:clrMapOvr>
@@ -17642,7 +17637,7 @@
                 </a:spcAft>
                 <a:buNone/>
               </a:pPr>
-              <a:endParaRPr/>
+              <a:endParaRPr dirty="0"/>
             </a:p>
           </p:txBody>
         </p:sp>
@@ -17690,7 +17685,7 @@
                 </a:spcAft>
                 <a:buNone/>
               </a:pPr>
-              <a:endParaRPr/>
+              <a:endParaRPr dirty="0"/>
             </a:p>
           </p:txBody>
         </p:sp>
@@ -17738,7 +17733,7 @@
                 </a:spcAft>
                 <a:buNone/>
               </a:pPr>
-              <a:endParaRPr/>
+              <a:endParaRPr dirty="0"/>
             </a:p>
           </p:txBody>
         </p:sp>
@@ -17773,6 +17768,59 @@
           </a:prstGeom>
         </p:spPr>
       </p:pic>
+      <p:sp>
+        <p:nvSpPr>
+          <p:cNvPr id="12" name="ZoneTexte 11"/>
+          <p:cNvSpPr txBox="1"/>
+          <p:nvPr/>
+        </p:nvSpPr>
+        <p:spPr>
+          <a:xfrm>
+            <a:off x="8046721" y="435127"/>
+            <a:ext cx="687376" cy="461665"/>
+          </a:xfrm>
+          <a:prstGeom prst="rect">
+            <a:avLst/>
+          </a:prstGeom>
+        </p:spPr>
+        <p:style>
+          <a:lnRef idx="2">
+            <a:schemeClr val="dk1">
+              <a:shade val="50000"/>
+            </a:schemeClr>
+          </a:lnRef>
+          <a:fillRef idx="1">
+            <a:schemeClr val="dk1"/>
+          </a:fillRef>
+          <a:effectRef idx="0">
+            <a:schemeClr val="dk1"/>
+          </a:effectRef>
+          <a:fontRef idx="minor">
+            <a:schemeClr val="lt1"/>
+          </a:fontRef>
+        </p:style>
+        <p:txBody>
+          <a:bodyPr wrap="square" rtlCol="0">
+            <a:spAutoFit/>
+          </a:bodyPr>
+          <a:lstStyle/>
+          <a:p>
+            <a:r>
+              <a:rPr lang="en-CA" sz="2400" dirty="0">
+                <a:solidFill>
+                  <a:schemeClr val="accent2"/>
+                </a:solidFill>
+              </a:rPr>
+              <a:t>10</a:t>
+            </a:r>
+            <a:endParaRPr lang="fr-FR" sz="2400" dirty="0">
+              <a:solidFill>
+                <a:schemeClr val="accent2"/>
+              </a:solidFill>
+            </a:endParaRPr>
+          </a:p>
+        </p:txBody>
+      </p:sp>
     </p:spTree>
   </p:cSld>
   <p:clrMapOvr>
@@ -17890,7 +17938,7 @@
                 </a:spcAft>
                 <a:buNone/>
               </a:pPr>
-              <a:endParaRPr/>
+              <a:endParaRPr dirty="0"/>
             </a:p>
           </p:txBody>
         </p:sp>
@@ -17938,7 +17986,7 @@
                 </a:spcAft>
                 <a:buNone/>
               </a:pPr>
-              <a:endParaRPr/>
+              <a:endParaRPr dirty="0"/>
             </a:p>
           </p:txBody>
         </p:sp>
@@ -17986,7 +18034,7 @@
                 </a:spcAft>
                 <a:buNone/>
               </a:pPr>
-              <a:endParaRPr/>
+              <a:endParaRPr dirty="0"/>
             </a:p>
           </p:txBody>
         </p:sp>
@@ -18044,15 +18092,7 @@
           <a:p>
             <a:r>
               <a:rPr lang="fr-FR" sz="2400" dirty="0"/>
-              <a:t>Pour accéder à cars.txt dans le même dossier que "</a:t>
-            </a:r>
-            <a:r>
-              <a:rPr lang="fr-FR" sz="2400" dirty="0" err="1"/>
-              <a:t>path</a:t>
-            </a:r>
-            <a:r>
-              <a:rPr lang="fr-FR" sz="2400" dirty="0"/>
-              <a:t>":</a:t>
+              <a:t>Pour accéder à cars.txt dans le même dossier que "path":</a:t>
             </a:r>
           </a:p>
           <a:p>
@@ -18065,23 +18105,7 @@
             </a:pPr>
             <a:r>
               <a:rPr lang="fr-FR" sz="2000" dirty="0"/>
-              <a:t>Chemin du Dossier: </a:t>
-            </a:r>
-            <a:r>
-              <a:rPr lang="fr-FR" sz="2000" dirty="0" err="1"/>
-              <a:t>path</a:t>
-            </a:r>
-            <a:r>
-              <a:rPr lang="fr-FR" sz="2000" dirty="0"/>
-              <a:t>/</a:t>
-            </a:r>
-            <a:r>
-              <a:rPr lang="fr-FR" sz="2000" dirty="0" err="1"/>
-              <a:t>vehicules</a:t>
-            </a:r>
-            <a:r>
-              <a:rPr lang="fr-FR" sz="2000" dirty="0"/>
-              <a:t>/</a:t>
+              <a:t>Chemin du Dossier: path/véhicules/</a:t>
             </a:r>
           </a:p>
           <a:p>
@@ -18096,6 +18120,59 @@
               <a:rPr lang="fr-FR" sz="2000" dirty="0"/>
               <a:t>Nom du Fichier: cars</a:t>
             </a:r>
+          </a:p>
+        </p:txBody>
+      </p:sp>
+      <p:sp>
+        <p:nvSpPr>
+          <p:cNvPr id="13" name="ZoneTexte 12"/>
+          <p:cNvSpPr txBox="1"/>
+          <p:nvPr/>
+        </p:nvSpPr>
+        <p:spPr>
+          <a:xfrm>
+            <a:off x="8046721" y="435127"/>
+            <a:ext cx="687376" cy="461665"/>
+          </a:xfrm>
+          <a:prstGeom prst="rect">
+            <a:avLst/>
+          </a:prstGeom>
+        </p:spPr>
+        <p:style>
+          <a:lnRef idx="2">
+            <a:schemeClr val="dk1">
+              <a:shade val="50000"/>
+            </a:schemeClr>
+          </a:lnRef>
+          <a:fillRef idx="1">
+            <a:schemeClr val="dk1"/>
+          </a:fillRef>
+          <a:effectRef idx="0">
+            <a:schemeClr val="dk1"/>
+          </a:effectRef>
+          <a:fontRef idx="minor">
+            <a:schemeClr val="lt1"/>
+          </a:fontRef>
+        </p:style>
+        <p:txBody>
+          <a:bodyPr wrap="square" rtlCol="0">
+            <a:spAutoFit/>
+          </a:bodyPr>
+          <a:lstStyle/>
+          <a:p>
+            <a:r>
+              <a:rPr lang="en-CA" sz="2400" dirty="0">
+                <a:solidFill>
+                  <a:schemeClr val="accent2"/>
+                </a:solidFill>
+              </a:rPr>
+              <a:t>11</a:t>
+            </a:r>
+            <a:endParaRPr lang="fr-FR" sz="2400" dirty="0">
+              <a:solidFill>
+                <a:schemeClr val="accent2"/>
+              </a:solidFill>
+            </a:endParaRPr>
           </a:p>
         </p:txBody>
       </p:sp>
@@ -18221,7 +18298,7 @@
                 </a:spcAft>
                 <a:buNone/>
               </a:pPr>
-              <a:endParaRPr/>
+              <a:endParaRPr dirty="0"/>
             </a:p>
           </p:txBody>
         </p:sp>
@@ -18269,7 +18346,7 @@
                 </a:spcAft>
                 <a:buNone/>
               </a:pPr>
-              <a:endParaRPr/>
+              <a:endParaRPr dirty="0"/>
             </a:p>
           </p:txBody>
         </p:sp>
@@ -18317,7 +18394,7 @@
                 </a:spcAft>
                 <a:buNone/>
               </a:pPr>
-              <a:endParaRPr/>
+              <a:endParaRPr dirty="0"/>
             </a:p>
           </p:txBody>
         </p:sp>
@@ -18375,7 +18452,15 @@
           <a:p>
             <a:r>
               <a:rPr lang="fr-FR" sz="2400" dirty="0"/>
-              <a:t>Utilisation de « .. » pour remonter d'un répertoire :</a:t>
+              <a:t>Utilisation de «  </a:t>
+            </a:r>
+            <a:r>
+              <a:rPr lang="fr-FR" sz="2400" b="1" dirty="0"/>
+              <a:t>cd .. </a:t>
+            </a:r>
+            <a:r>
+              <a:rPr lang="fr-FR" sz="2400" dirty="0"/>
+              <a:t> » pour remonter d'un répertoire :</a:t>
             </a:r>
           </a:p>
           <a:p>
@@ -18401,13 +18486,66 @@
               <a:t>Accès au fichier planes.txt dans le répertoire </a:t>
             </a:r>
             <a:r>
-              <a:rPr lang="fr-FR" sz="2400" dirty="0" err="1"/>
+              <a:rPr lang="fr-FR" sz="2400" b="1" dirty="0"/>
               <a:t>path</a:t>
             </a:r>
             <a:r>
               <a:rPr lang="fr-FR" sz="2400" dirty="0"/>
               <a:t>.</a:t>
             </a:r>
+          </a:p>
+        </p:txBody>
+      </p:sp>
+      <p:sp>
+        <p:nvSpPr>
+          <p:cNvPr id="12" name="ZoneTexte 11"/>
+          <p:cNvSpPr txBox="1"/>
+          <p:nvPr/>
+        </p:nvSpPr>
+        <p:spPr>
+          <a:xfrm>
+            <a:off x="8046721" y="435127"/>
+            <a:ext cx="687376" cy="461665"/>
+          </a:xfrm>
+          <a:prstGeom prst="rect">
+            <a:avLst/>
+          </a:prstGeom>
+        </p:spPr>
+        <p:style>
+          <a:lnRef idx="2">
+            <a:schemeClr val="dk1">
+              <a:shade val="50000"/>
+            </a:schemeClr>
+          </a:lnRef>
+          <a:fillRef idx="1">
+            <a:schemeClr val="dk1"/>
+          </a:fillRef>
+          <a:effectRef idx="0">
+            <a:schemeClr val="dk1"/>
+          </a:effectRef>
+          <a:fontRef idx="minor">
+            <a:schemeClr val="lt1"/>
+          </a:fontRef>
+        </p:style>
+        <p:txBody>
+          <a:bodyPr wrap="square" rtlCol="0">
+            <a:spAutoFit/>
+          </a:bodyPr>
+          <a:lstStyle/>
+          <a:p>
+            <a:r>
+              <a:rPr lang="en-CA" sz="2400" dirty="0">
+                <a:solidFill>
+                  <a:schemeClr val="accent2"/>
+                </a:solidFill>
+              </a:rPr>
+              <a:t>12</a:t>
+            </a:r>
+            <a:endParaRPr lang="fr-FR" sz="2400" dirty="0">
+              <a:solidFill>
+                <a:schemeClr val="accent2"/>
+              </a:solidFill>
+            </a:endParaRPr>
           </a:p>
         </p:txBody>
       </p:sp>
@@ -18514,7 +18652,15 @@
             </a:pPr>
             <a:r>
               <a:rPr lang="fr-FR" sz="2400" dirty="0"/>
-              <a:t>La compréhension des chemins de fichiers est IMPORTANT pour la navigation efficace à travers les systèmes de fichiers.</a:t>
+              <a:t>La compréhension des chemins de fichiers est </a:t>
+            </a:r>
+            <a:r>
+              <a:rPr lang="fr-FR" sz="2400" b="1" dirty="0"/>
+              <a:t>IMPORTANT</a:t>
+            </a:r>
+            <a:r>
+              <a:rPr lang="fr-FR" sz="2400" dirty="0"/>
+              <a:t> pour la navigation efficace à travers les systèmes de fichiers.</a:t>
             </a:r>
           </a:p>
           <a:p>
@@ -18533,6 +18679,59 @@
               <a:rPr lang="fr-FR" sz="2400" dirty="0"/>
               <a:t>Utiliser les composants du chemin de fichier facilite l'accès aux fichiers dans une structure hiérarchique.</a:t>
             </a:r>
+          </a:p>
+        </p:txBody>
+      </p:sp>
+      <p:sp>
+        <p:nvSpPr>
+          <p:cNvPr id="4" name="ZoneTexte 3"/>
+          <p:cNvSpPr txBox="1"/>
+          <p:nvPr/>
+        </p:nvSpPr>
+        <p:spPr>
+          <a:xfrm>
+            <a:off x="8046721" y="435127"/>
+            <a:ext cx="687376" cy="461665"/>
+          </a:xfrm>
+          <a:prstGeom prst="rect">
+            <a:avLst/>
+          </a:prstGeom>
+        </p:spPr>
+        <p:style>
+          <a:lnRef idx="2">
+            <a:schemeClr val="dk1">
+              <a:shade val="50000"/>
+            </a:schemeClr>
+          </a:lnRef>
+          <a:fillRef idx="1">
+            <a:schemeClr val="dk1"/>
+          </a:fillRef>
+          <a:effectRef idx="0">
+            <a:schemeClr val="dk1"/>
+          </a:effectRef>
+          <a:fontRef idx="minor">
+            <a:schemeClr val="lt1"/>
+          </a:fontRef>
+        </p:style>
+        <p:txBody>
+          <a:bodyPr wrap="square" rtlCol="0">
+            <a:spAutoFit/>
+          </a:bodyPr>
+          <a:lstStyle/>
+          <a:p>
+            <a:r>
+              <a:rPr lang="en-CA" sz="2400" dirty="0">
+                <a:solidFill>
+                  <a:schemeClr val="accent2"/>
+                </a:solidFill>
+              </a:rPr>
+              <a:t>13</a:t>
+            </a:r>
+            <a:endParaRPr lang="fr-FR" sz="2400" dirty="0">
+              <a:solidFill>
+                <a:schemeClr val="accent2"/>
+              </a:solidFill>
+            </a:endParaRPr>
           </a:p>
         </p:txBody>
       </p:sp>
@@ -18664,7 +18863,7 @@
                 </a:spcAft>
                 <a:buNone/>
               </a:pPr>
-              <a:endParaRPr/>
+              <a:endParaRPr dirty="0"/>
             </a:p>
           </p:txBody>
         </p:sp>
@@ -18717,7 +18916,7 @@
                 </a:spcAft>
                 <a:buNone/>
               </a:pPr>
-              <a:endParaRPr/>
+              <a:endParaRPr dirty="0"/>
             </a:p>
           </p:txBody>
         </p:sp>
@@ -18813,7 +19012,7 @@
               </a:spcAft>
               <a:buNone/>
             </a:pPr>
-            <a:endParaRPr/>
+            <a:endParaRPr dirty="0"/>
           </a:p>
         </p:txBody>
       </p:sp>
@@ -18850,8 +19049,61 @@
                 </a:solidFill>
                 <a:latin typeface="Helvetica Neue"/>
               </a:rPr>
-              <a:t>Ouverture et Fermeture de Fichiers</a:t>
+              <a:t>Ouverture et Fermeture des Fichiers</a:t>
             </a:r>
+          </a:p>
+        </p:txBody>
+      </p:sp>
+      <p:sp>
+        <p:nvSpPr>
+          <p:cNvPr id="10" name="ZoneTexte 9"/>
+          <p:cNvSpPr txBox="1"/>
+          <p:nvPr/>
+        </p:nvSpPr>
+        <p:spPr>
+          <a:xfrm>
+            <a:off x="8046721" y="435127"/>
+            <a:ext cx="687376" cy="461665"/>
+          </a:xfrm>
+          <a:prstGeom prst="rect">
+            <a:avLst/>
+          </a:prstGeom>
+        </p:spPr>
+        <p:style>
+          <a:lnRef idx="2">
+            <a:schemeClr val="dk1">
+              <a:shade val="50000"/>
+            </a:schemeClr>
+          </a:lnRef>
+          <a:fillRef idx="1">
+            <a:schemeClr val="dk1"/>
+          </a:fillRef>
+          <a:effectRef idx="0">
+            <a:schemeClr val="dk1"/>
+          </a:effectRef>
+          <a:fontRef idx="minor">
+            <a:schemeClr val="lt1"/>
+          </a:fontRef>
+        </p:style>
+        <p:txBody>
+          <a:bodyPr wrap="square" rtlCol="0">
+            <a:spAutoFit/>
+          </a:bodyPr>
+          <a:lstStyle/>
+          <a:p>
+            <a:r>
+              <a:rPr lang="en-CA" sz="2400" dirty="0">
+                <a:solidFill>
+                  <a:schemeClr val="accent2"/>
+                </a:solidFill>
+              </a:rPr>
+              <a:t>14</a:t>
+            </a:r>
+            <a:endParaRPr lang="fr-FR" sz="2400" dirty="0">
+              <a:solidFill>
+                <a:schemeClr val="accent2"/>
+              </a:solidFill>
+            </a:endParaRPr>
           </a:p>
         </p:txBody>
       </p:sp>
@@ -18934,7 +19186,7 @@
               </a:spcAft>
               <a:buNone/>
             </a:pPr>
-            <a:endParaRPr/>
+            <a:endParaRPr dirty="0"/>
           </a:p>
         </p:txBody>
       </p:sp>
@@ -19058,9 +19310,84 @@
                   <a:noFill/>
                 </a:uFill>
               </a:rPr>
-              <a:t>La fonction intégrée « open() » est utilisée pour ouvrir un fichier, prenant le chemin du fichier comme argument.</a:t>
+              <a:t>La fonction intégrée « </a:t>
+            </a:r>
+            <a:r>
+              <a:rPr lang="fr-FR" sz="2000" b="1" dirty="0">
+                <a:solidFill>
+                  <a:schemeClr val="hlink"/>
+                </a:solidFill>
+                <a:uFill>
+                  <a:noFill/>
+                </a:uFill>
+              </a:rPr>
+              <a:t>open()</a:t>
+            </a:r>
+            <a:r>
+              <a:rPr lang="fr-FR" sz="2000" dirty="0">
+                <a:solidFill>
+                  <a:schemeClr val="hlink"/>
+                </a:solidFill>
+                <a:uFill>
+                  <a:noFill/>
+                </a:uFill>
+              </a:rPr>
+              <a:t> » est utilisée pour ouvrir un fichier, prenant le chemin du fichier comme argument.</a:t>
             </a:r>
             <a:endParaRPr sz="2000" dirty="0"/>
+          </a:p>
+        </p:txBody>
+      </p:sp>
+      <p:sp>
+        <p:nvSpPr>
+          <p:cNvPr id="4" name="ZoneTexte 3"/>
+          <p:cNvSpPr txBox="1"/>
+          <p:nvPr/>
+        </p:nvSpPr>
+        <p:spPr>
+          <a:xfrm>
+            <a:off x="8046721" y="435127"/>
+            <a:ext cx="687376" cy="461665"/>
+          </a:xfrm>
+          <a:prstGeom prst="rect">
+            <a:avLst/>
+          </a:prstGeom>
+        </p:spPr>
+        <p:style>
+          <a:lnRef idx="2">
+            <a:schemeClr val="dk1">
+              <a:shade val="50000"/>
+            </a:schemeClr>
+          </a:lnRef>
+          <a:fillRef idx="1">
+            <a:schemeClr val="dk1"/>
+          </a:fillRef>
+          <a:effectRef idx="0">
+            <a:schemeClr val="dk1"/>
+          </a:effectRef>
+          <a:fontRef idx="minor">
+            <a:schemeClr val="lt1"/>
+          </a:fontRef>
+        </p:style>
+        <p:txBody>
+          <a:bodyPr wrap="square" rtlCol="0">
+            <a:spAutoFit/>
+          </a:bodyPr>
+          <a:lstStyle/>
+          <a:p>
+            <a:r>
+              <a:rPr lang="en-CA" sz="2400" dirty="0">
+                <a:solidFill>
+                  <a:schemeClr val="accent2"/>
+                </a:solidFill>
+              </a:rPr>
+              <a:t>15</a:t>
+            </a:r>
+            <a:endParaRPr lang="fr-FR" sz="2400" dirty="0">
+              <a:solidFill>
+                <a:schemeClr val="accent2"/>
+              </a:solidFill>
+            </a:endParaRPr>
           </a:p>
         </p:txBody>
       </p:sp>
@@ -19143,7 +19470,7 @@
               </a:spcAft>
               <a:buNone/>
             </a:pPr>
-            <a:endParaRPr/>
+            <a:endParaRPr dirty="0"/>
           </a:p>
         </p:txBody>
       </p:sp>
@@ -19234,6 +19561,59 @@
           </a:prstGeom>
         </p:spPr>
       </p:pic>
+      <p:sp>
+        <p:nvSpPr>
+          <p:cNvPr id="6" name="ZoneTexte 5"/>
+          <p:cNvSpPr txBox="1"/>
+          <p:nvPr/>
+        </p:nvSpPr>
+        <p:spPr>
+          <a:xfrm>
+            <a:off x="8046721" y="435127"/>
+            <a:ext cx="687376" cy="461665"/>
+          </a:xfrm>
+          <a:prstGeom prst="rect">
+            <a:avLst/>
+          </a:prstGeom>
+        </p:spPr>
+        <p:style>
+          <a:lnRef idx="2">
+            <a:schemeClr val="dk1">
+              <a:shade val="50000"/>
+            </a:schemeClr>
+          </a:lnRef>
+          <a:fillRef idx="1">
+            <a:schemeClr val="dk1"/>
+          </a:fillRef>
+          <a:effectRef idx="0">
+            <a:schemeClr val="dk1"/>
+          </a:effectRef>
+          <a:fontRef idx="minor">
+            <a:schemeClr val="lt1"/>
+          </a:fontRef>
+        </p:style>
+        <p:txBody>
+          <a:bodyPr wrap="square" rtlCol="0">
+            <a:spAutoFit/>
+          </a:bodyPr>
+          <a:lstStyle/>
+          <a:p>
+            <a:r>
+              <a:rPr lang="en-CA" sz="2400" dirty="0">
+                <a:solidFill>
+                  <a:schemeClr val="accent2"/>
+                </a:solidFill>
+              </a:rPr>
+              <a:t>15</a:t>
+            </a:r>
+            <a:endParaRPr lang="fr-FR" sz="2400" dirty="0">
+              <a:solidFill>
+                <a:schemeClr val="accent2"/>
+              </a:solidFill>
+            </a:endParaRPr>
+          </a:p>
+        </p:txBody>
+      </p:sp>
     </p:spTree>
     <p:extLst>
       <p:ext uri="{BB962C8B-B14F-4D97-AF65-F5344CB8AC3E}">
@@ -19313,7 +19693,7 @@
               </a:spcAft>
               <a:buNone/>
             </a:pPr>
-            <a:endParaRPr/>
+            <a:endParaRPr dirty="0"/>
           </a:p>
         </p:txBody>
       </p:sp>
@@ -19373,9 +19753,8 @@
             </a:endParaRPr>
           </a:p>
           <a:p>
-            <a:pPr marL="285750" indent="-285750"/>
             <a:r>
-              <a:rPr lang="fr-FR" sz="1800" dirty="0">
+              <a:rPr lang="fr-FR" sz="1800" b="1" dirty="0">
                 <a:solidFill>
                   <a:schemeClr val="dk1"/>
                 </a:solidFill>
@@ -19384,7 +19763,23 @@
                 <a:cs typeface="Varela Round"/>
                 <a:sym typeface="Varela Round"/>
               </a:rPr>
-              <a:t>Il est crucial de fermer correctement un fichier ouvert pour libérer les ressources système et assurer l'enregistrement des modifications.</a:t>
+              <a:t>Il est </a:t>
+            </a:r>
+            <a:r>
+              <a:rPr lang="fr-FR" sz="1800" b="1" dirty="0"/>
+              <a:t>Important </a:t>
+            </a:r>
+            <a:r>
+              <a:rPr lang="fr-FR" sz="1800" b="1" dirty="0">
+                <a:solidFill>
+                  <a:schemeClr val="dk1"/>
+                </a:solidFill>
+                <a:latin typeface="Varela Round"/>
+                <a:ea typeface="Varela Round"/>
+                <a:cs typeface="Varela Round"/>
+                <a:sym typeface="Varela Round"/>
+              </a:rPr>
+              <a:t>de fermer correctement un fichier ouvert pour libérer les ressources système et assurer l'enregistrement des modifications.</a:t>
             </a:r>
           </a:p>
           <a:p>
@@ -19451,6 +19846,59 @@
           </a:prstGeom>
         </p:spPr>
       </p:pic>
+      <p:sp>
+        <p:nvSpPr>
+          <p:cNvPr id="5" name="ZoneTexte 4"/>
+          <p:cNvSpPr txBox="1"/>
+          <p:nvPr/>
+        </p:nvSpPr>
+        <p:spPr>
+          <a:xfrm>
+            <a:off x="8046721" y="435127"/>
+            <a:ext cx="687376" cy="461665"/>
+          </a:xfrm>
+          <a:prstGeom prst="rect">
+            <a:avLst/>
+          </a:prstGeom>
+        </p:spPr>
+        <p:style>
+          <a:lnRef idx="2">
+            <a:schemeClr val="dk1">
+              <a:shade val="50000"/>
+            </a:schemeClr>
+          </a:lnRef>
+          <a:fillRef idx="1">
+            <a:schemeClr val="dk1"/>
+          </a:fillRef>
+          <a:effectRef idx="0">
+            <a:schemeClr val="dk1"/>
+          </a:effectRef>
+          <a:fontRef idx="minor">
+            <a:schemeClr val="lt1"/>
+          </a:fontRef>
+        </p:style>
+        <p:txBody>
+          <a:bodyPr wrap="square" rtlCol="0">
+            <a:spAutoFit/>
+          </a:bodyPr>
+          <a:lstStyle/>
+          <a:p>
+            <a:r>
+              <a:rPr lang="en-CA" sz="2400" dirty="0">
+                <a:solidFill>
+                  <a:schemeClr val="accent2"/>
+                </a:solidFill>
+              </a:rPr>
+              <a:t>16</a:t>
+            </a:r>
+            <a:endParaRPr lang="fr-FR" sz="2400" dirty="0">
+              <a:solidFill>
+                <a:schemeClr val="accent2"/>
+              </a:solidFill>
+            </a:endParaRPr>
+          </a:p>
+        </p:txBody>
+      </p:sp>
     </p:spTree>
     <p:extLst>
       <p:ext uri="{BB962C8B-B14F-4D97-AF65-F5344CB8AC3E}">
@@ -19530,7 +19978,7 @@
               </a:spcAft>
               <a:buNone/>
             </a:pPr>
-            <a:endParaRPr/>
+            <a:endParaRPr dirty="0"/>
           </a:p>
         </p:txBody>
       </p:sp>
@@ -19572,31 +20020,7 @@
                 <a:cs typeface="Varela Round"/>
                 <a:sym typeface="Varela Round"/>
               </a:rPr>
-              <a:t>Fermeture d'un Fichier - Deuxième Méthode (Utilisation de '</a:t>
-            </a:r>
-            <a:r>
-              <a:rPr lang="fr-FR" sz="1800" b="1" dirty="0" err="1">
-                <a:solidFill>
-                  <a:schemeClr val="dk1"/>
-                </a:solidFill>
-                <a:latin typeface="Varela Round"/>
-                <a:ea typeface="Varela Round"/>
-                <a:cs typeface="Varela Round"/>
-                <a:sym typeface="Varela Round"/>
-              </a:rPr>
-              <a:t>with</a:t>
-            </a:r>
-            <a:r>
-              <a:rPr lang="fr-FR" sz="1800" b="1" dirty="0">
-                <a:solidFill>
-                  <a:schemeClr val="dk1"/>
-                </a:solidFill>
-                <a:latin typeface="Varela Round"/>
-                <a:ea typeface="Varela Round"/>
-                <a:cs typeface="Varela Round"/>
-                <a:sym typeface="Varela Round"/>
-              </a:rPr>
-              <a:t>')</a:t>
+              <a:t>Fermeture d'un Fichier - Deuxième Méthode (Utilisation de 'with')</a:t>
             </a:r>
           </a:p>
           <a:p>
@@ -19628,7 +20052,7 @@
               <a:t>Utilisation de l'instruction « </a:t>
             </a:r>
             <a:r>
-              <a:rPr lang="fr-FR" sz="1800" dirty="0" err="1">
+              <a:rPr lang="fr-FR" sz="1800" b="1" dirty="0">
                 <a:solidFill>
                   <a:schemeClr val="dk1"/>
                 </a:solidFill>
@@ -19687,6 +20111,59 @@
           </a:prstGeom>
         </p:spPr>
       </p:pic>
+      <p:sp>
+        <p:nvSpPr>
+          <p:cNvPr id="5" name="ZoneTexte 4"/>
+          <p:cNvSpPr txBox="1"/>
+          <p:nvPr/>
+        </p:nvSpPr>
+        <p:spPr>
+          <a:xfrm>
+            <a:off x="8046721" y="435127"/>
+            <a:ext cx="687376" cy="461665"/>
+          </a:xfrm>
+          <a:prstGeom prst="rect">
+            <a:avLst/>
+          </a:prstGeom>
+        </p:spPr>
+        <p:style>
+          <a:lnRef idx="2">
+            <a:schemeClr val="dk1">
+              <a:shade val="50000"/>
+            </a:schemeClr>
+          </a:lnRef>
+          <a:fillRef idx="1">
+            <a:schemeClr val="dk1"/>
+          </a:fillRef>
+          <a:effectRef idx="0">
+            <a:schemeClr val="dk1"/>
+          </a:effectRef>
+          <a:fontRef idx="minor">
+            <a:schemeClr val="lt1"/>
+          </a:fontRef>
+        </p:style>
+        <p:txBody>
+          <a:bodyPr wrap="square" rtlCol="0">
+            <a:spAutoFit/>
+          </a:bodyPr>
+          <a:lstStyle/>
+          <a:p>
+            <a:r>
+              <a:rPr lang="en-CA" sz="2400" dirty="0">
+                <a:solidFill>
+                  <a:schemeClr val="accent2"/>
+                </a:solidFill>
+              </a:rPr>
+              <a:t>17</a:t>
+            </a:r>
+            <a:endParaRPr lang="fr-FR" sz="2400" dirty="0">
+              <a:solidFill>
+                <a:schemeClr val="accent2"/>
+              </a:solidFill>
+            </a:endParaRPr>
+          </a:p>
+        </p:txBody>
+      </p:sp>
     </p:spTree>
     <p:extLst>
       <p:ext uri="{BB962C8B-B14F-4D97-AF65-F5344CB8AC3E}">
@@ -19766,7 +20243,7 @@
               </a:spcAft>
               <a:buNone/>
             </a:pPr>
-            <a:endParaRPr/>
+            <a:endParaRPr dirty="0"/>
           </a:p>
         </p:txBody>
       </p:sp>
@@ -20126,14 +20603,30 @@
           <a:p>
             <a:r>
               <a:rPr lang="fr-FR" dirty="0"/>
-              <a:t>Introduction de l'argument positionnel optionnel 'mode' lors de l'ouverture d'un fichier.</a:t>
+              <a:t>Introduction de l'argument positionnel optionnel </a:t>
+            </a:r>
+            <a:r>
+              <a:rPr lang="fr-FR" b="1" dirty="0"/>
+              <a:t>'mode</a:t>
+            </a:r>
+            <a:r>
+              <a:rPr lang="fr-FR" dirty="0"/>
+              <a:t>' lors de l'ouverture d'un fichier.</a:t>
             </a:r>
             <a:endParaRPr lang="fr-FR" sz="1800" dirty="0"/>
           </a:p>
           <a:p>
             <a:r>
               <a:rPr lang="fr-FR" dirty="0"/>
-              <a:t>La valeur par défaut est 'r', pour l'ouverture en mode lecture seule.</a:t>
+              <a:t>La valeur par défaut est </a:t>
+            </a:r>
+            <a:r>
+              <a:rPr lang="fr-FR" b="1" dirty="0"/>
+              <a:t>'r</a:t>
+            </a:r>
+            <a:r>
+              <a:rPr lang="fr-FR" dirty="0"/>
+              <a:t>', pour l'ouverture en mode lecture seule.</a:t>
             </a:r>
           </a:p>
           <a:p>
@@ -20156,6 +20649,59 @@
               <a:ea typeface="Varela Round"/>
               <a:cs typeface="Varela Round"/>
               <a:sym typeface="Varela Round"/>
+            </a:endParaRPr>
+          </a:p>
+        </p:txBody>
+      </p:sp>
+      <p:sp>
+        <p:nvSpPr>
+          <p:cNvPr id="7" name="ZoneTexte 6"/>
+          <p:cNvSpPr txBox="1"/>
+          <p:nvPr/>
+        </p:nvSpPr>
+        <p:spPr>
+          <a:xfrm>
+            <a:off x="8046721" y="435127"/>
+            <a:ext cx="687376" cy="461665"/>
+          </a:xfrm>
+          <a:prstGeom prst="rect">
+            <a:avLst/>
+          </a:prstGeom>
+        </p:spPr>
+        <p:style>
+          <a:lnRef idx="2">
+            <a:schemeClr val="dk1">
+              <a:shade val="50000"/>
+            </a:schemeClr>
+          </a:lnRef>
+          <a:fillRef idx="1">
+            <a:schemeClr val="dk1"/>
+          </a:fillRef>
+          <a:effectRef idx="0">
+            <a:schemeClr val="dk1"/>
+          </a:effectRef>
+          <a:fontRef idx="minor">
+            <a:schemeClr val="lt1"/>
+          </a:fontRef>
+        </p:style>
+        <p:txBody>
+          <a:bodyPr wrap="square" rtlCol="0">
+            <a:spAutoFit/>
+          </a:bodyPr>
+          <a:lstStyle/>
+          <a:p>
+            <a:r>
+              <a:rPr lang="en-CA" sz="2400" dirty="0">
+                <a:solidFill>
+                  <a:schemeClr val="accent2"/>
+                </a:solidFill>
+              </a:rPr>
+              <a:t>17</a:t>
+            </a:r>
+            <a:endParaRPr lang="fr-FR" sz="2400" dirty="0">
+              <a:solidFill>
+                <a:schemeClr val="accent2"/>
+              </a:solidFill>
             </a:endParaRPr>
           </a:p>
         </p:txBody>
@@ -20255,7 +20801,7 @@
                 </a:spcAft>
                 <a:buNone/>
               </a:pPr>
-              <a:endParaRPr/>
+              <a:endParaRPr dirty="0"/>
             </a:p>
           </p:txBody>
         </p:sp>
@@ -20308,7 +20854,7 @@
                 </a:spcAft>
                 <a:buNone/>
               </a:pPr>
-              <a:endParaRPr/>
+              <a:endParaRPr dirty="0"/>
             </a:p>
           </p:txBody>
         </p:sp>
@@ -20378,7 +20924,7 @@
                 </a:spcAft>
                 <a:buNone/>
               </a:pPr>
-              <a:endParaRPr/>
+              <a:endParaRPr dirty="0"/>
             </a:p>
           </p:txBody>
         </p:sp>
@@ -20431,7 +20977,7 @@
                 </a:spcAft>
                 <a:buNone/>
               </a:pPr>
-              <a:endParaRPr/>
+              <a:endParaRPr dirty="0"/>
             </a:p>
           </p:txBody>
         </p:sp>
@@ -20501,7 +21047,7 @@
                 </a:spcAft>
                 <a:buNone/>
               </a:pPr>
-              <a:endParaRPr/>
+              <a:endParaRPr dirty="0"/>
             </a:p>
           </p:txBody>
         </p:sp>
@@ -20554,7 +21100,7 @@
                 </a:spcAft>
                 <a:buNone/>
               </a:pPr>
-              <a:endParaRPr/>
+              <a:endParaRPr dirty="0"/>
             </a:p>
           </p:txBody>
         </p:sp>
@@ -20624,7 +21170,7 @@
                 </a:spcAft>
                 <a:buNone/>
               </a:pPr>
-              <a:endParaRPr/>
+              <a:endParaRPr dirty="0"/>
             </a:p>
           </p:txBody>
         </p:sp>
@@ -20677,7 +21223,7 @@
                 </a:spcAft>
                 <a:buNone/>
               </a:pPr>
-              <a:endParaRPr/>
+              <a:endParaRPr dirty="0"/>
             </a:p>
           </p:txBody>
         </p:sp>
@@ -20726,47 +21272,7 @@
                 <a:effectLst/>
                 <a:latin typeface="Helvetica Neue"/>
               </a:rPr>
-              <a:t> </a:t>
-            </a:r>
-            <a:r>
-              <a:rPr lang="en-US" sz="1800" b="1" i="0" dirty="0" err="1">
-                <a:solidFill>
-                  <a:srgbClr val="000000"/>
-                </a:solidFill>
-                <a:effectLst/>
-                <a:latin typeface="Helvetica Neue"/>
-              </a:rPr>
-              <a:t>qu'un</a:t>
-            </a:r>
-            <a:r>
-              <a:rPr lang="en-US" sz="1800" b="1" i="0" dirty="0">
-                <a:solidFill>
-                  <a:srgbClr val="000000"/>
-                </a:solidFill>
-                <a:effectLst/>
-                <a:latin typeface="Helvetica Neue"/>
-              </a:rPr>
-              <a:t> </a:t>
-            </a:r>
-            <a:r>
-              <a:rPr lang="en-US" sz="1800" b="1" i="0" dirty="0" err="1">
-                <a:solidFill>
-                  <a:srgbClr val="000000"/>
-                </a:solidFill>
-                <a:effectLst/>
-                <a:latin typeface="Helvetica Neue"/>
-              </a:rPr>
-              <a:t>Fichier</a:t>
-            </a:r>
-            <a:r>
-              <a:rPr lang="en-US" sz="1800" b="1" i="0" dirty="0">
-                <a:solidFill>
-                  <a:srgbClr val="000000"/>
-                </a:solidFill>
-                <a:effectLst/>
-                <a:latin typeface="Helvetica Neue"/>
-              </a:rPr>
-              <a:t> ?</a:t>
+              <a:t> queue Fishier ?</a:t>
             </a:r>
             <a:endParaRPr sz="1800" dirty="0"/>
           </a:p>
@@ -20852,7 +21358,7 @@
               <a:rPr lang="en"/>
               <a:t>01</a:t>
             </a:r>
-            <a:endParaRPr/>
+            <a:endParaRPr dirty="0"/>
           </a:p>
         </p:txBody>
       </p:sp>
@@ -20933,7 +21439,7 @@
               <a:rPr lang="en"/>
               <a:t>02</a:t>
             </a:r>
-            <a:endParaRPr/>
+            <a:endParaRPr dirty="0"/>
           </a:p>
         </p:txBody>
       </p:sp>
@@ -21164,7 +21670,7 @@
                 </a:spcAft>
                 <a:buNone/>
               </a:pPr>
-              <a:endParaRPr/>
+              <a:endParaRPr dirty="0"/>
             </a:p>
           </p:txBody>
         </p:sp>
@@ -21217,7 +21723,7 @@
                 </a:spcAft>
                 <a:buNone/>
               </a:pPr>
-              <a:endParaRPr/>
+              <a:endParaRPr dirty="0"/>
             </a:p>
           </p:txBody>
         </p:sp>
@@ -21854,7 +22360,7 @@
                 </a:spcAft>
                 <a:buNone/>
               </a:pPr>
-              <a:endParaRPr/>
+              <a:endParaRPr dirty="0"/>
             </a:p>
           </p:txBody>
         </p:sp>
@@ -21907,7 +22413,7 @@
                 </a:spcAft>
                 <a:buNone/>
               </a:pPr>
-              <a:endParaRPr/>
+              <a:endParaRPr dirty="0"/>
             </a:p>
           </p:txBody>
         </p:sp>
@@ -22476,6 +22982,59 @@
               <a:rPr lang="en" dirty="0"/>
               <a:t>06</a:t>
             </a:r>
+          </a:p>
+        </p:txBody>
+      </p:sp>
+      <p:sp>
+        <p:nvSpPr>
+          <p:cNvPr id="38" name="ZoneTexte 37"/>
+          <p:cNvSpPr txBox="1"/>
+          <p:nvPr/>
+        </p:nvSpPr>
+        <p:spPr>
+          <a:xfrm>
+            <a:off x="8561510" y="447739"/>
+            <a:ext cx="340536" cy="461665"/>
+          </a:xfrm>
+          <a:prstGeom prst="rect">
+            <a:avLst/>
+          </a:prstGeom>
+        </p:spPr>
+        <p:style>
+          <a:lnRef idx="2">
+            <a:schemeClr val="dk1">
+              <a:shade val="50000"/>
+            </a:schemeClr>
+          </a:lnRef>
+          <a:fillRef idx="1">
+            <a:schemeClr val="dk1"/>
+          </a:fillRef>
+          <a:effectRef idx="0">
+            <a:schemeClr val="dk1"/>
+          </a:effectRef>
+          <a:fontRef idx="minor">
+            <a:schemeClr val="lt1"/>
+          </a:fontRef>
+        </p:style>
+        <p:txBody>
+          <a:bodyPr wrap="square" rtlCol="0">
+            <a:spAutoFit/>
+          </a:bodyPr>
+          <a:lstStyle/>
+          <a:p>
+            <a:r>
+              <a:rPr lang="en-CA" sz="2400" dirty="0">
+                <a:solidFill>
+                  <a:schemeClr val="accent2"/>
+                </a:solidFill>
+              </a:rPr>
+              <a:t>2</a:t>
+            </a:r>
+            <a:endParaRPr lang="fr-FR" sz="2400" dirty="0">
+              <a:solidFill>
+                <a:schemeClr val="accent2"/>
+              </a:solidFill>
+            </a:endParaRPr>
           </a:p>
         </p:txBody>
       </p:sp>
@@ -22590,7 +23149,7 @@
               <a:t>L'utilisation de « </a:t>
             </a:r>
             <a:r>
-              <a:rPr lang="fr-FR" sz="2400" dirty="0" err="1"/>
+              <a:rPr lang="fr-FR" sz="2400" b="1" dirty="0"/>
               <a:t>with</a:t>
             </a:r>
             <a:r>
@@ -22607,6 +23166,59 @@
               <a:rPr lang="fr-FR" sz="2400" dirty="0"/>
               <a:t>Les modes d'ouverture offrent une flexibilité pour différents scénarios d'utilisation des fichiers.</a:t>
             </a:r>
+          </a:p>
+        </p:txBody>
+      </p:sp>
+      <p:sp>
+        <p:nvSpPr>
+          <p:cNvPr id="4" name="ZoneTexte 3"/>
+          <p:cNvSpPr txBox="1"/>
+          <p:nvPr/>
+        </p:nvSpPr>
+        <p:spPr>
+          <a:xfrm>
+            <a:off x="8046721" y="435127"/>
+            <a:ext cx="687376" cy="461665"/>
+          </a:xfrm>
+          <a:prstGeom prst="rect">
+            <a:avLst/>
+          </a:prstGeom>
+        </p:spPr>
+        <p:style>
+          <a:lnRef idx="2">
+            <a:schemeClr val="dk1">
+              <a:shade val="50000"/>
+            </a:schemeClr>
+          </a:lnRef>
+          <a:fillRef idx="1">
+            <a:schemeClr val="dk1"/>
+          </a:fillRef>
+          <a:effectRef idx="0">
+            <a:schemeClr val="dk1"/>
+          </a:effectRef>
+          <a:fontRef idx="minor">
+            <a:schemeClr val="lt1"/>
+          </a:fontRef>
+        </p:style>
+        <p:txBody>
+          <a:bodyPr wrap="square" rtlCol="0">
+            <a:spAutoFit/>
+          </a:bodyPr>
+          <a:lstStyle/>
+          <a:p>
+            <a:r>
+              <a:rPr lang="en-CA" sz="2400" dirty="0">
+                <a:solidFill>
+                  <a:schemeClr val="accent2"/>
+                </a:solidFill>
+              </a:rPr>
+              <a:t>19</a:t>
+            </a:r>
+            <a:endParaRPr lang="fr-FR" sz="2400" dirty="0">
+              <a:solidFill>
+                <a:schemeClr val="accent2"/>
+              </a:solidFill>
+            </a:endParaRPr>
           </a:p>
         </p:txBody>
       </p:sp>
@@ -22738,7 +23350,7 @@
                 </a:spcAft>
                 <a:buNone/>
               </a:pPr>
-              <a:endParaRPr/>
+              <a:endParaRPr dirty="0"/>
             </a:p>
           </p:txBody>
         </p:sp>
@@ -22791,7 +23403,7 @@
                 </a:spcAft>
                 <a:buNone/>
               </a:pPr>
-              <a:endParaRPr/>
+              <a:endParaRPr dirty="0"/>
             </a:p>
           </p:txBody>
         </p:sp>
@@ -22887,7 +23499,7 @@
               </a:spcAft>
               <a:buNone/>
             </a:pPr>
-            <a:endParaRPr/>
+            <a:endParaRPr dirty="0"/>
           </a:p>
         </p:txBody>
       </p:sp>
@@ -22936,6 +23548,59 @@
               <a:t>Lecture des Fichiers</a:t>
             </a:r>
             <a:endParaRPr lang="fr-FR" sz="2800" dirty="0"/>
+          </a:p>
+        </p:txBody>
+      </p:sp>
+      <p:sp>
+        <p:nvSpPr>
+          <p:cNvPr id="9" name="ZoneTexte 8"/>
+          <p:cNvSpPr txBox="1"/>
+          <p:nvPr/>
+        </p:nvSpPr>
+        <p:spPr>
+          <a:xfrm>
+            <a:off x="8046721" y="435127"/>
+            <a:ext cx="687376" cy="461665"/>
+          </a:xfrm>
+          <a:prstGeom prst="rect">
+            <a:avLst/>
+          </a:prstGeom>
+        </p:spPr>
+        <p:style>
+          <a:lnRef idx="2">
+            <a:schemeClr val="dk1">
+              <a:shade val="50000"/>
+            </a:schemeClr>
+          </a:lnRef>
+          <a:fillRef idx="1">
+            <a:schemeClr val="dk1"/>
+          </a:fillRef>
+          <a:effectRef idx="0">
+            <a:schemeClr val="dk1"/>
+          </a:effectRef>
+          <a:fontRef idx="minor">
+            <a:schemeClr val="lt1"/>
+          </a:fontRef>
+        </p:style>
+        <p:txBody>
+          <a:bodyPr wrap="square" rtlCol="0">
+            <a:spAutoFit/>
+          </a:bodyPr>
+          <a:lstStyle/>
+          <a:p>
+            <a:r>
+              <a:rPr lang="en-CA" sz="2400" dirty="0">
+                <a:solidFill>
+                  <a:schemeClr val="accent2"/>
+                </a:solidFill>
+              </a:rPr>
+              <a:t>20</a:t>
+            </a:r>
+            <a:endParaRPr lang="fr-FR" sz="2400" dirty="0">
+              <a:solidFill>
+                <a:schemeClr val="accent2"/>
+              </a:solidFill>
+            </a:endParaRPr>
           </a:p>
         </p:txBody>
       </p:sp>
@@ -23018,7 +23683,7 @@
               </a:spcAft>
               <a:buNone/>
             </a:pPr>
-            <a:endParaRPr/>
+            <a:endParaRPr dirty="0"/>
           </a:p>
         </p:txBody>
       </p:sp>
@@ -23145,6 +23810,59 @@
               <a:t>Plusieurs méthodes sur un objet fichier sont disponibles pour faciliter la lecture.</a:t>
             </a:r>
             <a:endParaRPr sz="2000" dirty="0"/>
+          </a:p>
+        </p:txBody>
+      </p:sp>
+      <p:sp>
+        <p:nvSpPr>
+          <p:cNvPr id="4" name="ZoneTexte 3"/>
+          <p:cNvSpPr txBox="1"/>
+          <p:nvPr/>
+        </p:nvSpPr>
+        <p:spPr>
+          <a:xfrm>
+            <a:off x="8046721" y="435127"/>
+            <a:ext cx="687376" cy="461665"/>
+          </a:xfrm>
+          <a:prstGeom prst="rect">
+            <a:avLst/>
+          </a:prstGeom>
+        </p:spPr>
+        <p:style>
+          <a:lnRef idx="2">
+            <a:schemeClr val="dk1">
+              <a:shade val="50000"/>
+            </a:schemeClr>
+          </a:lnRef>
+          <a:fillRef idx="1">
+            <a:schemeClr val="dk1"/>
+          </a:fillRef>
+          <a:effectRef idx="0">
+            <a:schemeClr val="dk1"/>
+          </a:effectRef>
+          <a:fontRef idx="minor">
+            <a:schemeClr val="lt1"/>
+          </a:fontRef>
+        </p:style>
+        <p:txBody>
+          <a:bodyPr wrap="square" rtlCol="0">
+            <a:spAutoFit/>
+          </a:bodyPr>
+          <a:lstStyle/>
+          <a:p>
+            <a:r>
+              <a:rPr lang="en-CA" sz="2400" dirty="0">
+                <a:solidFill>
+                  <a:schemeClr val="accent2"/>
+                </a:solidFill>
+              </a:rPr>
+              <a:t>21</a:t>
+            </a:r>
+            <a:endParaRPr lang="fr-FR" sz="2400" dirty="0">
+              <a:solidFill>
+                <a:schemeClr val="accent2"/>
+              </a:solidFill>
+            </a:endParaRPr>
           </a:p>
         </p:txBody>
       </p:sp>
@@ -23227,7 +23945,7 @@
               </a:spcAft>
               <a:buNone/>
             </a:pPr>
-            <a:endParaRPr/>
+            <a:endParaRPr dirty="0"/>
           </a:p>
         </p:txBody>
       </p:sp>
@@ -23591,6 +24309,59 @@
           </a:prstGeom>
         </p:spPr>
       </p:pic>
+      <p:sp>
+        <p:nvSpPr>
+          <p:cNvPr id="7" name="ZoneTexte 6"/>
+          <p:cNvSpPr txBox="1"/>
+          <p:nvPr/>
+        </p:nvSpPr>
+        <p:spPr>
+          <a:xfrm>
+            <a:off x="8046721" y="435127"/>
+            <a:ext cx="687376" cy="461665"/>
+          </a:xfrm>
+          <a:prstGeom prst="rect">
+            <a:avLst/>
+          </a:prstGeom>
+        </p:spPr>
+        <p:style>
+          <a:lnRef idx="2">
+            <a:schemeClr val="dk1">
+              <a:shade val="50000"/>
+            </a:schemeClr>
+          </a:lnRef>
+          <a:fillRef idx="1">
+            <a:schemeClr val="dk1"/>
+          </a:fillRef>
+          <a:effectRef idx="0">
+            <a:schemeClr val="dk1"/>
+          </a:effectRef>
+          <a:fontRef idx="minor">
+            <a:schemeClr val="lt1"/>
+          </a:fontRef>
+        </p:style>
+        <p:txBody>
+          <a:bodyPr wrap="square" rtlCol="0">
+            <a:spAutoFit/>
+          </a:bodyPr>
+          <a:lstStyle/>
+          <a:p>
+            <a:r>
+              <a:rPr lang="en-CA" sz="2400" dirty="0">
+                <a:solidFill>
+                  <a:schemeClr val="accent2"/>
+                </a:solidFill>
+              </a:rPr>
+              <a:t>22</a:t>
+            </a:r>
+            <a:endParaRPr lang="fr-FR" sz="2400" dirty="0">
+              <a:solidFill>
+                <a:schemeClr val="accent2"/>
+              </a:solidFill>
+            </a:endParaRPr>
+          </a:p>
+        </p:txBody>
+      </p:sp>
     </p:spTree>
     <p:extLst>
       <p:ext uri="{BB962C8B-B14F-4D97-AF65-F5344CB8AC3E}">
@@ -23670,7 +24441,7 @@
               </a:spcAft>
               <a:buNone/>
             </a:pPr>
-            <a:endParaRPr/>
+            <a:endParaRPr dirty="0"/>
           </a:p>
         </p:txBody>
       </p:sp>
@@ -24021,15 +24792,7 @@
             </a:pPr>
             <a:r>
               <a:rPr lang="fr-FR" sz="1600" b="1" dirty="0"/>
-              <a:t>Exemple utilisant « .</a:t>
-            </a:r>
-            <a:r>
-              <a:rPr lang="fr-FR" sz="1600" b="1" dirty="0" err="1"/>
-              <a:t>read</a:t>
-            </a:r>
-            <a:r>
-              <a:rPr lang="fr-FR" sz="1600" b="1" dirty="0"/>
-              <a:t>() » pour lire et imprimer le fichier entier.</a:t>
+              <a:t>Exemple utilisant « .Read() » pour lire et imprimer le fichier entier.</a:t>
             </a:r>
           </a:p>
         </p:txBody>
@@ -24057,6 +24820,59 @@
           </a:prstGeom>
         </p:spPr>
       </p:pic>
+      <p:sp>
+        <p:nvSpPr>
+          <p:cNvPr id="7" name="ZoneTexte 6"/>
+          <p:cNvSpPr txBox="1"/>
+          <p:nvPr/>
+        </p:nvSpPr>
+        <p:spPr>
+          <a:xfrm>
+            <a:off x="8046721" y="435127"/>
+            <a:ext cx="687376" cy="461665"/>
+          </a:xfrm>
+          <a:prstGeom prst="rect">
+            <a:avLst/>
+          </a:prstGeom>
+        </p:spPr>
+        <p:style>
+          <a:lnRef idx="2">
+            <a:schemeClr val="dk1">
+              <a:shade val="50000"/>
+            </a:schemeClr>
+          </a:lnRef>
+          <a:fillRef idx="1">
+            <a:schemeClr val="dk1"/>
+          </a:fillRef>
+          <a:effectRef idx="0">
+            <a:schemeClr val="dk1"/>
+          </a:effectRef>
+          <a:fontRef idx="minor">
+            <a:schemeClr val="lt1"/>
+          </a:fontRef>
+        </p:style>
+        <p:txBody>
+          <a:bodyPr wrap="square" rtlCol="0">
+            <a:spAutoFit/>
+          </a:bodyPr>
+          <a:lstStyle/>
+          <a:p>
+            <a:r>
+              <a:rPr lang="en-CA" sz="2400" dirty="0">
+                <a:solidFill>
+                  <a:schemeClr val="accent2"/>
+                </a:solidFill>
+              </a:rPr>
+              <a:t>23</a:t>
+            </a:r>
+            <a:endParaRPr lang="fr-FR" sz="2400" dirty="0">
+              <a:solidFill>
+                <a:schemeClr val="accent2"/>
+              </a:solidFill>
+            </a:endParaRPr>
+          </a:p>
+        </p:txBody>
+      </p:sp>
     </p:spTree>
     <p:extLst>
       <p:ext uri="{BB962C8B-B14F-4D97-AF65-F5344CB8AC3E}">
@@ -24136,7 +24952,7 @@
               </a:spcAft>
               <a:buNone/>
             </a:pPr>
-            <a:endParaRPr/>
+            <a:endParaRPr dirty="0"/>
           </a:p>
         </p:txBody>
       </p:sp>
@@ -24178,31 +24994,7 @@
                 <a:cs typeface="Varela Round"/>
                 <a:sym typeface="Varela Round"/>
               </a:rPr>
-              <a:t>Utilisation de « .</a:t>
-            </a:r>
-            <a:r>
-              <a:rPr lang="fr-FR" sz="1800" b="1" dirty="0" err="1">
-                <a:solidFill>
-                  <a:schemeClr val="dk1"/>
-                </a:solidFill>
-                <a:latin typeface="Varela Round"/>
-                <a:ea typeface="Varela Round"/>
-                <a:cs typeface="Varela Round"/>
-                <a:sym typeface="Varela Round"/>
-              </a:rPr>
-              <a:t>readline</a:t>
-            </a:r>
-            <a:r>
-              <a:rPr lang="fr-FR" sz="1800" b="1" dirty="0">
-                <a:solidFill>
-                  <a:schemeClr val="dk1"/>
-                </a:solidFill>
-                <a:latin typeface="Varela Round"/>
-                <a:ea typeface="Varela Round"/>
-                <a:cs typeface="Varela Round"/>
-                <a:sym typeface="Varela Round"/>
-              </a:rPr>
-              <a:t>() »</a:t>
+              <a:t>Utilisation de « .readlines() »</a:t>
             </a:r>
           </a:p>
         </p:txBody>
@@ -24253,6 +25045,59 @@
           </a:prstGeom>
         </p:spPr>
       </p:pic>
+      <p:sp>
+        <p:nvSpPr>
+          <p:cNvPr id="6" name="ZoneTexte 5"/>
+          <p:cNvSpPr txBox="1"/>
+          <p:nvPr/>
+        </p:nvSpPr>
+        <p:spPr>
+          <a:xfrm>
+            <a:off x="8046721" y="435127"/>
+            <a:ext cx="687376" cy="461665"/>
+          </a:xfrm>
+          <a:prstGeom prst="rect">
+            <a:avLst/>
+          </a:prstGeom>
+        </p:spPr>
+        <p:style>
+          <a:lnRef idx="2">
+            <a:schemeClr val="dk1">
+              <a:shade val="50000"/>
+            </a:schemeClr>
+          </a:lnRef>
+          <a:fillRef idx="1">
+            <a:schemeClr val="dk1"/>
+          </a:fillRef>
+          <a:effectRef idx="0">
+            <a:schemeClr val="dk1"/>
+          </a:effectRef>
+          <a:fontRef idx="minor">
+            <a:schemeClr val="lt1"/>
+          </a:fontRef>
+        </p:style>
+        <p:txBody>
+          <a:bodyPr wrap="square" rtlCol="0">
+            <a:spAutoFit/>
+          </a:bodyPr>
+          <a:lstStyle/>
+          <a:p>
+            <a:r>
+              <a:rPr lang="en-CA" sz="2400" dirty="0">
+                <a:solidFill>
+                  <a:schemeClr val="accent2"/>
+                </a:solidFill>
+              </a:rPr>
+              <a:t>24</a:t>
+            </a:r>
+            <a:endParaRPr lang="fr-FR" sz="2400" dirty="0">
+              <a:solidFill>
+                <a:schemeClr val="accent2"/>
+              </a:solidFill>
+            </a:endParaRPr>
+          </a:p>
+        </p:txBody>
+      </p:sp>
     </p:spTree>
     <p:extLst>
       <p:ext uri="{BB962C8B-B14F-4D97-AF65-F5344CB8AC3E}">
@@ -24332,7 +25177,7 @@
               </a:spcAft>
               <a:buNone/>
             </a:pPr>
-            <a:endParaRPr/>
+            <a:endParaRPr dirty="0"/>
           </a:p>
         </p:txBody>
       </p:sp>
@@ -24374,31 +25219,7 @@
                 <a:cs typeface="Varela Round"/>
                 <a:sym typeface="Varela Round"/>
               </a:rPr>
-              <a:t>Utilisation de « .</a:t>
-            </a:r>
-            <a:r>
-              <a:rPr lang="fr-FR" sz="1800" b="1" dirty="0" err="1">
-                <a:solidFill>
-                  <a:schemeClr val="dk1"/>
-                </a:solidFill>
-                <a:latin typeface="Varela Round"/>
-                <a:ea typeface="Varela Round"/>
-                <a:cs typeface="Varela Round"/>
-                <a:sym typeface="Varela Round"/>
-              </a:rPr>
-              <a:t>readlines</a:t>
-            </a:r>
-            <a:r>
-              <a:rPr lang="fr-FR" sz="1800" b="1" dirty="0">
-                <a:solidFill>
-                  <a:schemeClr val="dk1"/>
-                </a:solidFill>
-                <a:latin typeface="Varela Round"/>
-                <a:ea typeface="Varela Round"/>
-                <a:cs typeface="Varela Round"/>
-                <a:sym typeface="Varela Round"/>
-              </a:rPr>
-              <a:t>() »</a:t>
+              <a:t>Utilisation de « .readlines() »</a:t>
             </a:r>
           </a:p>
         </p:txBody>
@@ -24715,23 +25536,83 @@
           </a:p>
         </p:txBody>
       </p:sp>
+      <p:sp>
+        <p:nvSpPr>
+          <p:cNvPr id="7" name="ZoneTexte 6"/>
+          <p:cNvSpPr txBox="1"/>
+          <p:nvPr/>
+        </p:nvSpPr>
+        <p:spPr>
+          <a:xfrm>
+            <a:off x="8046721" y="435127"/>
+            <a:ext cx="687376" cy="461665"/>
+          </a:xfrm>
+          <a:prstGeom prst="rect">
+            <a:avLst/>
+          </a:prstGeom>
+        </p:spPr>
+        <p:style>
+          <a:lnRef idx="2">
+            <a:schemeClr val="dk1">
+              <a:shade val="50000"/>
+            </a:schemeClr>
+          </a:lnRef>
+          <a:fillRef idx="1">
+            <a:schemeClr val="dk1"/>
+          </a:fillRef>
+          <a:effectRef idx="0">
+            <a:schemeClr val="dk1"/>
+          </a:effectRef>
+          <a:fontRef idx="minor">
+            <a:schemeClr val="lt1"/>
+          </a:fontRef>
+        </p:style>
+        <p:txBody>
+          <a:bodyPr wrap="square" rtlCol="0">
+            <a:spAutoFit/>
+          </a:bodyPr>
+          <a:lstStyle/>
+          <a:p>
+            <a:r>
+              <a:rPr lang="en-CA" sz="2400" dirty="0">
+                <a:solidFill>
+                  <a:schemeClr val="accent2"/>
+                </a:solidFill>
+              </a:rPr>
+              <a:t>25</a:t>
+            </a:r>
+            <a:endParaRPr lang="fr-FR" sz="2400" dirty="0">
+              <a:solidFill>
+                <a:schemeClr val="accent2"/>
+              </a:solidFill>
+            </a:endParaRPr>
+          </a:p>
+        </p:txBody>
+      </p:sp>
       <p:pic>
         <p:nvPicPr>
-          <p:cNvPr id="6" name="Picture 5"/>
+          <p:cNvPr id="4" name="Image 3">
+            <a:extLst>
+              <a:ext uri="{FF2B5EF4-FFF2-40B4-BE49-F238E27FC236}">
+                <a16:creationId xmlns:a16="http://schemas.microsoft.com/office/drawing/2014/main" id="{D6C1AEB3-CF0A-1244-B554-DA0FF92503A7}"/>
+              </a:ext>
+            </a:extLst>
+          </p:cNvPr>
           <p:cNvPicPr>
             <a:picLocks noChangeAspect="1"/>
           </p:cNvPicPr>
           <p:nvPr/>
         </p:nvPicPr>
-        <p:blipFill rotWithShape="1">
+        <p:blipFill>
           <a:blip r:embed="rId4"/>
-          <a:srcRect t="6539" b="31154"/>
-          <a:stretch/>
+          <a:stretch>
+            <a:fillRect/>
+          </a:stretch>
         </p:blipFill>
         <p:spPr>
           <a:xfrm>
-            <a:off x="1792605" y="3239006"/>
-            <a:ext cx="5493879" cy="731013"/>
+            <a:off x="1218953" y="3132327"/>
+            <a:ext cx="6270487" cy="1173859"/>
           </a:xfrm>
           <a:prstGeom prst="rect">
             <a:avLst/>
@@ -24857,6 +25738,59 @@
               <a:rPr lang="fr-FR" sz="2400" dirty="0"/>
               <a:t>L'itération directe sur l'objet fichier est recommandée pour sa simplicité et son efficacité.</a:t>
             </a:r>
+          </a:p>
+        </p:txBody>
+      </p:sp>
+      <p:sp>
+        <p:nvSpPr>
+          <p:cNvPr id="4" name="ZoneTexte 3"/>
+          <p:cNvSpPr txBox="1"/>
+          <p:nvPr/>
+        </p:nvSpPr>
+        <p:spPr>
+          <a:xfrm>
+            <a:off x="8046721" y="435127"/>
+            <a:ext cx="687376" cy="461665"/>
+          </a:xfrm>
+          <a:prstGeom prst="rect">
+            <a:avLst/>
+          </a:prstGeom>
+        </p:spPr>
+        <p:style>
+          <a:lnRef idx="2">
+            <a:schemeClr val="dk1">
+              <a:shade val="50000"/>
+            </a:schemeClr>
+          </a:lnRef>
+          <a:fillRef idx="1">
+            <a:schemeClr val="dk1"/>
+          </a:fillRef>
+          <a:effectRef idx="0">
+            <a:schemeClr val="dk1"/>
+          </a:effectRef>
+          <a:fontRef idx="minor">
+            <a:schemeClr val="lt1"/>
+          </a:fontRef>
+        </p:style>
+        <p:txBody>
+          <a:bodyPr wrap="square" rtlCol="0">
+            <a:spAutoFit/>
+          </a:bodyPr>
+          <a:lstStyle/>
+          <a:p>
+            <a:r>
+              <a:rPr lang="en-CA" sz="2400" dirty="0">
+                <a:solidFill>
+                  <a:schemeClr val="accent2"/>
+                </a:solidFill>
+              </a:rPr>
+              <a:t>26</a:t>
+            </a:r>
+            <a:endParaRPr lang="fr-FR" sz="2400" dirty="0">
+              <a:solidFill>
+                <a:schemeClr val="accent2"/>
+              </a:solidFill>
+            </a:endParaRPr>
           </a:p>
         </p:txBody>
       </p:sp>
@@ -24988,7 +25922,7 @@
                 </a:spcAft>
                 <a:buNone/>
               </a:pPr>
-              <a:endParaRPr/>
+              <a:endParaRPr dirty="0"/>
             </a:p>
           </p:txBody>
         </p:sp>
@@ -25041,7 +25975,7 @@
                 </a:spcAft>
                 <a:buNone/>
               </a:pPr>
-              <a:endParaRPr/>
+              <a:endParaRPr dirty="0"/>
             </a:p>
           </p:txBody>
         </p:sp>
@@ -25137,7 +26071,7 @@
               </a:spcAft>
               <a:buNone/>
             </a:pPr>
-            <a:endParaRPr/>
+            <a:endParaRPr dirty="0"/>
           </a:p>
         </p:txBody>
       </p:sp>
@@ -25177,6 +26111,59 @@
               <a:t>Écriture des fichiers</a:t>
             </a:r>
             <a:endParaRPr lang="fr-FR" sz="2800" dirty="0"/>
+          </a:p>
+        </p:txBody>
+      </p:sp>
+      <p:sp>
+        <p:nvSpPr>
+          <p:cNvPr id="9" name="ZoneTexte 8"/>
+          <p:cNvSpPr txBox="1"/>
+          <p:nvPr/>
+        </p:nvSpPr>
+        <p:spPr>
+          <a:xfrm>
+            <a:off x="8046721" y="435127"/>
+            <a:ext cx="687376" cy="461665"/>
+          </a:xfrm>
+          <a:prstGeom prst="rect">
+            <a:avLst/>
+          </a:prstGeom>
+        </p:spPr>
+        <p:style>
+          <a:lnRef idx="2">
+            <a:schemeClr val="dk1">
+              <a:shade val="50000"/>
+            </a:schemeClr>
+          </a:lnRef>
+          <a:fillRef idx="1">
+            <a:schemeClr val="dk1"/>
+          </a:fillRef>
+          <a:effectRef idx="0">
+            <a:schemeClr val="dk1"/>
+          </a:effectRef>
+          <a:fontRef idx="minor">
+            <a:schemeClr val="lt1"/>
+          </a:fontRef>
+        </p:style>
+        <p:txBody>
+          <a:bodyPr wrap="square" rtlCol="0">
+            <a:spAutoFit/>
+          </a:bodyPr>
+          <a:lstStyle/>
+          <a:p>
+            <a:r>
+              <a:rPr lang="en-CA" sz="2400" dirty="0">
+                <a:solidFill>
+                  <a:schemeClr val="accent2"/>
+                </a:solidFill>
+              </a:rPr>
+              <a:t>27</a:t>
+            </a:r>
+            <a:endParaRPr lang="fr-FR" sz="2400" dirty="0">
+              <a:solidFill>
+                <a:schemeClr val="accent2"/>
+              </a:solidFill>
+            </a:endParaRPr>
           </a:p>
         </p:txBody>
       </p:sp>
@@ -25259,7 +26246,7 @@
               </a:spcAft>
               <a:buNone/>
             </a:pPr>
-            <a:endParaRPr/>
+            <a:endParaRPr dirty="0"/>
           </a:p>
         </p:txBody>
       </p:sp>
@@ -25383,10 +26370,10 @@
                   <a:noFill/>
                 </a:uFill>
               </a:rPr>
-              <a:t>Les objets fichier offrent des méthodes telles que « .</a:t>
+              <a:t>Les objets fichier offrent des méthodes telles que «</a:t>
             </a:r>
             <a:r>
-              <a:rPr lang="fr-FR" sz="2000" dirty="0" err="1">
+              <a:rPr lang="fr-FR" sz="2000" b="1" dirty="0">
                 <a:solidFill>
                   <a:schemeClr val="hlink"/>
                 </a:solidFill>
@@ -25394,7 +26381,7 @@
                   <a:noFill/>
                 </a:uFill>
               </a:rPr>
-              <a:t>write</a:t>
+              <a:t> .write()</a:t>
             </a:r>
             <a:r>
               <a:rPr lang="fr-FR" sz="2000" dirty="0">
@@ -25405,10 +26392,10 @@
                   <a:noFill/>
                 </a:uFill>
               </a:rPr>
-              <a:t>() » et « .</a:t>
+              <a:t> » et « </a:t>
             </a:r>
             <a:r>
-              <a:rPr lang="fr-FR" sz="2000" dirty="0" err="1">
+              <a:rPr lang="fr-FR" sz="2000" b="1" dirty="0">
                 <a:solidFill>
                   <a:schemeClr val="hlink"/>
                 </a:solidFill>
@@ -25416,7 +26403,7 @@
                   <a:noFill/>
                 </a:uFill>
               </a:rPr>
-              <a:t>writelines</a:t>
+              <a:t>.writelines()</a:t>
             </a:r>
             <a:r>
               <a:rPr lang="fr-FR" sz="2000" dirty="0">
@@ -25427,9 +26414,62 @@
                   <a:noFill/>
                 </a:uFill>
               </a:rPr>
-              <a:t>() ».</a:t>
+              <a:t> ».</a:t>
             </a:r>
             <a:endParaRPr sz="2000" dirty="0"/>
+          </a:p>
+        </p:txBody>
+      </p:sp>
+      <p:sp>
+        <p:nvSpPr>
+          <p:cNvPr id="4" name="ZoneTexte 3"/>
+          <p:cNvSpPr txBox="1"/>
+          <p:nvPr/>
+        </p:nvSpPr>
+        <p:spPr>
+          <a:xfrm>
+            <a:off x="8046721" y="435127"/>
+            <a:ext cx="687376" cy="461665"/>
+          </a:xfrm>
+          <a:prstGeom prst="rect">
+            <a:avLst/>
+          </a:prstGeom>
+        </p:spPr>
+        <p:style>
+          <a:lnRef idx="2">
+            <a:schemeClr val="dk1">
+              <a:shade val="50000"/>
+            </a:schemeClr>
+          </a:lnRef>
+          <a:fillRef idx="1">
+            <a:schemeClr val="dk1"/>
+          </a:fillRef>
+          <a:effectRef idx="0">
+            <a:schemeClr val="dk1"/>
+          </a:effectRef>
+          <a:fontRef idx="minor">
+            <a:schemeClr val="lt1"/>
+          </a:fontRef>
+        </p:style>
+        <p:txBody>
+          <a:bodyPr wrap="square" rtlCol="0">
+            <a:spAutoFit/>
+          </a:bodyPr>
+          <a:lstStyle/>
+          <a:p>
+            <a:r>
+              <a:rPr lang="en-CA" sz="2400" dirty="0">
+                <a:solidFill>
+                  <a:schemeClr val="accent2"/>
+                </a:solidFill>
+              </a:rPr>
+              <a:t>28</a:t>
+            </a:r>
+            <a:endParaRPr lang="fr-FR" sz="2400" dirty="0">
+              <a:solidFill>
+                <a:schemeClr val="accent2"/>
+              </a:solidFill>
+            </a:endParaRPr>
           </a:p>
         </p:txBody>
       </p:sp>
@@ -25554,7 +26594,7 @@
                 </a:spcAft>
                 <a:buNone/>
               </a:pPr>
-              <a:endParaRPr/>
+              <a:endParaRPr dirty="0"/>
             </a:p>
           </p:txBody>
         </p:sp>
@@ -25607,7 +26647,7 @@
                 </a:spcAft>
                 <a:buNone/>
               </a:pPr>
-              <a:endParaRPr/>
+              <a:endParaRPr dirty="0"/>
             </a:p>
           </p:txBody>
         </p:sp>
@@ -25650,7 +26690,7 @@
               <a:rPr lang="en"/>
               <a:t>01</a:t>
             </a:r>
-            <a:endParaRPr/>
+            <a:endParaRPr dirty="0"/>
           </a:p>
         </p:txBody>
       </p:sp>
@@ -25703,7 +26743,7 @@
               </a:spcAft>
               <a:buNone/>
             </a:pPr>
-            <a:endParaRPr/>
+            <a:endParaRPr dirty="0"/>
           </a:p>
         </p:txBody>
       </p:sp>
@@ -25752,6 +26792,59 @@
               <a:t>Qu'est-ce qu'un Fichier ?</a:t>
             </a:r>
             <a:endParaRPr lang="fr-FR" sz="2800" dirty="0"/>
+          </a:p>
+        </p:txBody>
+      </p:sp>
+      <p:sp>
+        <p:nvSpPr>
+          <p:cNvPr id="9" name="ZoneTexte 8"/>
+          <p:cNvSpPr txBox="1"/>
+          <p:nvPr/>
+        </p:nvSpPr>
+        <p:spPr>
+          <a:xfrm>
+            <a:off x="8633197" y="435127"/>
+            <a:ext cx="340536" cy="461665"/>
+          </a:xfrm>
+          <a:prstGeom prst="rect">
+            <a:avLst/>
+          </a:prstGeom>
+        </p:spPr>
+        <p:style>
+          <a:lnRef idx="2">
+            <a:schemeClr val="dk1">
+              <a:shade val="50000"/>
+            </a:schemeClr>
+          </a:lnRef>
+          <a:fillRef idx="1">
+            <a:schemeClr val="dk1"/>
+          </a:fillRef>
+          <a:effectRef idx="0">
+            <a:schemeClr val="dk1"/>
+          </a:effectRef>
+          <a:fontRef idx="minor">
+            <a:schemeClr val="lt1"/>
+          </a:fontRef>
+        </p:style>
+        <p:txBody>
+          <a:bodyPr wrap="square" rtlCol="0">
+            <a:spAutoFit/>
+          </a:bodyPr>
+          <a:lstStyle/>
+          <a:p>
+            <a:r>
+              <a:rPr lang="en-CA" sz="2400" dirty="0">
+                <a:solidFill>
+                  <a:schemeClr val="accent2"/>
+                </a:solidFill>
+              </a:rPr>
+              <a:t>3</a:t>
+            </a:r>
+            <a:endParaRPr lang="fr-FR" sz="2400" dirty="0">
+              <a:solidFill>
+                <a:schemeClr val="accent2"/>
+              </a:solidFill>
+            </a:endParaRPr>
           </a:p>
         </p:txBody>
       </p:sp>
@@ -25829,7 +26922,7 @@
               </a:spcAft>
               <a:buNone/>
             </a:pPr>
-            <a:endParaRPr/>
+            <a:endParaRPr dirty="0"/>
           </a:p>
         </p:txBody>
       </p:sp>
@@ -25946,6 +27039,59 @@
           </a:prstGeom>
         </p:spPr>
       </p:pic>
+      <p:sp>
+        <p:nvSpPr>
+          <p:cNvPr id="5" name="ZoneTexte 4"/>
+          <p:cNvSpPr txBox="1"/>
+          <p:nvPr/>
+        </p:nvSpPr>
+        <p:spPr>
+          <a:xfrm>
+            <a:off x="8046721" y="435127"/>
+            <a:ext cx="687376" cy="461665"/>
+          </a:xfrm>
+          <a:prstGeom prst="rect">
+            <a:avLst/>
+          </a:prstGeom>
+        </p:spPr>
+        <p:style>
+          <a:lnRef idx="2">
+            <a:schemeClr val="dk1">
+              <a:shade val="50000"/>
+            </a:schemeClr>
+          </a:lnRef>
+          <a:fillRef idx="1">
+            <a:schemeClr val="dk1"/>
+          </a:fillRef>
+          <a:effectRef idx="0">
+            <a:schemeClr val="dk1"/>
+          </a:effectRef>
+          <a:fontRef idx="minor">
+            <a:schemeClr val="lt1"/>
+          </a:fontRef>
+        </p:style>
+        <p:txBody>
+          <a:bodyPr wrap="square" rtlCol="0">
+            <a:spAutoFit/>
+          </a:bodyPr>
+          <a:lstStyle/>
+          <a:p>
+            <a:r>
+              <a:rPr lang="en-CA" sz="2400" dirty="0">
+                <a:solidFill>
+                  <a:schemeClr val="accent2"/>
+                </a:solidFill>
+              </a:rPr>
+              <a:t>29</a:t>
+            </a:r>
+            <a:endParaRPr lang="fr-FR" sz="2400" dirty="0">
+              <a:solidFill>
+                <a:schemeClr val="accent2"/>
+              </a:solidFill>
+            </a:endParaRPr>
+          </a:p>
+        </p:txBody>
+      </p:sp>
     </p:spTree>
     <p:extLst>
       <p:ext uri="{BB962C8B-B14F-4D97-AF65-F5344CB8AC3E}">
@@ -26025,7 +27171,7 @@
               </a:spcAft>
               <a:buNone/>
             </a:pPr>
-            <a:endParaRPr/>
+            <a:endParaRPr dirty="0"/>
           </a:p>
         </p:txBody>
       </p:sp>
@@ -26067,31 +27213,7 @@
                 <a:cs typeface="Varela Round"/>
                 <a:sym typeface="Varela Round"/>
               </a:rPr>
-              <a:t>Utilisation de « .</a:t>
-            </a:r>
-            <a:r>
-              <a:rPr lang="fr-FR" sz="1800" b="1" dirty="0" err="1">
-                <a:solidFill>
-                  <a:schemeClr val="dk1"/>
-                </a:solidFill>
-                <a:latin typeface="Varela Round"/>
-                <a:ea typeface="Varela Round"/>
-                <a:cs typeface="Varela Round"/>
-                <a:sym typeface="Varela Round"/>
-              </a:rPr>
-              <a:t>write</a:t>
-            </a:r>
-            <a:r>
-              <a:rPr lang="fr-FR" sz="1800" b="1" dirty="0">
-                <a:solidFill>
-                  <a:schemeClr val="dk1"/>
-                </a:solidFill>
-                <a:latin typeface="Varela Round"/>
-                <a:ea typeface="Varela Round"/>
-                <a:cs typeface="Varela Round"/>
-                <a:sym typeface="Varela Round"/>
-              </a:rPr>
-              <a:t>() »</a:t>
+              <a:t>Utilisation de « .write() »</a:t>
             </a:r>
           </a:p>
           <a:p>
@@ -26151,7 +27273,7 @@
               </a:spcAft>
               <a:buNone/>
             </a:pPr>
-            <a:endParaRPr/>
+            <a:endParaRPr dirty="0"/>
           </a:p>
         </p:txBody>
       </p:sp>
@@ -26472,6 +27594,59 @@
           </a:prstGeom>
         </p:spPr>
       </p:pic>
+      <p:sp>
+        <p:nvSpPr>
+          <p:cNvPr id="7" name="ZoneTexte 6"/>
+          <p:cNvSpPr txBox="1"/>
+          <p:nvPr/>
+        </p:nvSpPr>
+        <p:spPr>
+          <a:xfrm>
+            <a:off x="8078252" y="447567"/>
+            <a:ext cx="687376" cy="461665"/>
+          </a:xfrm>
+          <a:prstGeom prst="rect">
+            <a:avLst/>
+          </a:prstGeom>
+        </p:spPr>
+        <p:style>
+          <a:lnRef idx="2">
+            <a:schemeClr val="dk1">
+              <a:shade val="50000"/>
+            </a:schemeClr>
+          </a:lnRef>
+          <a:fillRef idx="1">
+            <a:schemeClr val="dk1"/>
+          </a:fillRef>
+          <a:effectRef idx="0">
+            <a:schemeClr val="dk1"/>
+          </a:effectRef>
+          <a:fontRef idx="minor">
+            <a:schemeClr val="lt1"/>
+          </a:fontRef>
+        </p:style>
+        <p:txBody>
+          <a:bodyPr wrap="square" rtlCol="0">
+            <a:spAutoFit/>
+          </a:bodyPr>
+          <a:lstStyle/>
+          <a:p>
+            <a:r>
+              <a:rPr lang="en-CA" sz="2400" dirty="0">
+                <a:solidFill>
+                  <a:schemeClr val="accent2"/>
+                </a:solidFill>
+              </a:rPr>
+              <a:t>30</a:t>
+            </a:r>
+            <a:endParaRPr lang="fr-FR" sz="2400" dirty="0">
+              <a:solidFill>
+                <a:schemeClr val="accent2"/>
+              </a:solidFill>
+            </a:endParaRPr>
+          </a:p>
+        </p:txBody>
+      </p:sp>
     </p:spTree>
     <p:extLst>
       <p:ext uri="{BB962C8B-B14F-4D97-AF65-F5344CB8AC3E}">
@@ -26551,7 +27726,7 @@
               </a:spcAft>
               <a:buNone/>
             </a:pPr>
-            <a:endParaRPr/>
+            <a:endParaRPr dirty="0"/>
           </a:p>
         </p:txBody>
       </p:sp>
@@ -26593,31 +27768,7 @@
                 <a:cs typeface="Varela Round"/>
                 <a:sym typeface="Varela Round"/>
               </a:rPr>
-              <a:t>Utilisation de « .</a:t>
-            </a:r>
-            <a:r>
-              <a:rPr lang="fr-FR" sz="1800" b="1" dirty="0" err="1">
-                <a:solidFill>
-                  <a:schemeClr val="dk1"/>
-                </a:solidFill>
-                <a:latin typeface="Varela Round"/>
-                <a:ea typeface="Varela Round"/>
-                <a:cs typeface="Varela Round"/>
-                <a:sym typeface="Varela Round"/>
-              </a:rPr>
-              <a:t>writelines</a:t>
-            </a:r>
-            <a:r>
-              <a:rPr lang="fr-FR" sz="1800" b="1" dirty="0">
-                <a:solidFill>
-                  <a:schemeClr val="dk1"/>
-                </a:solidFill>
-                <a:latin typeface="Varela Round"/>
-                <a:ea typeface="Varela Round"/>
-                <a:cs typeface="Varela Round"/>
-                <a:sym typeface="Varela Round"/>
-              </a:rPr>
-              <a:t>() »</a:t>
+              <a:t>Utilisation de « .writelines() »</a:t>
             </a:r>
           </a:p>
           <a:p>
@@ -26677,7 +27828,7 @@
               </a:spcAft>
               <a:buNone/>
             </a:pPr>
-            <a:endParaRPr/>
+            <a:endParaRPr dirty="0"/>
           </a:p>
         </p:txBody>
       </p:sp>
@@ -26998,6 +28149,59 @@
           </a:prstGeom>
         </p:spPr>
       </p:pic>
+      <p:sp>
+        <p:nvSpPr>
+          <p:cNvPr id="7" name="ZoneTexte 6"/>
+          <p:cNvSpPr txBox="1"/>
+          <p:nvPr/>
+        </p:nvSpPr>
+        <p:spPr>
+          <a:xfrm>
+            <a:off x="8046721" y="435127"/>
+            <a:ext cx="687376" cy="461665"/>
+          </a:xfrm>
+          <a:prstGeom prst="rect">
+            <a:avLst/>
+          </a:prstGeom>
+        </p:spPr>
+        <p:style>
+          <a:lnRef idx="2">
+            <a:schemeClr val="dk1">
+              <a:shade val="50000"/>
+            </a:schemeClr>
+          </a:lnRef>
+          <a:fillRef idx="1">
+            <a:schemeClr val="dk1"/>
+          </a:fillRef>
+          <a:effectRef idx="0">
+            <a:schemeClr val="dk1"/>
+          </a:effectRef>
+          <a:fontRef idx="minor">
+            <a:schemeClr val="lt1"/>
+          </a:fontRef>
+        </p:style>
+        <p:txBody>
+          <a:bodyPr wrap="square" rtlCol="0">
+            <a:spAutoFit/>
+          </a:bodyPr>
+          <a:lstStyle/>
+          <a:p>
+            <a:r>
+              <a:rPr lang="en-CA" sz="2400" dirty="0">
+                <a:solidFill>
+                  <a:schemeClr val="accent2"/>
+                </a:solidFill>
+              </a:rPr>
+              <a:t>31</a:t>
+            </a:r>
+            <a:endParaRPr lang="fr-FR" sz="2400" dirty="0">
+              <a:solidFill>
+                <a:schemeClr val="accent2"/>
+              </a:solidFill>
+            </a:endParaRPr>
+          </a:p>
+        </p:txBody>
+      </p:sp>
     </p:spTree>
     <p:extLst>
       <p:ext uri="{BB962C8B-B14F-4D97-AF65-F5344CB8AC3E}">
@@ -27126,7 +28330,7 @@
                 </a:spcAft>
                 <a:buNone/>
               </a:pPr>
-              <a:endParaRPr/>
+              <a:endParaRPr dirty="0"/>
             </a:p>
           </p:txBody>
         </p:sp>
@@ -27179,7 +28383,7 @@
                 </a:spcAft>
                 <a:buNone/>
               </a:pPr>
-              <a:endParaRPr/>
+              <a:endParaRPr dirty="0"/>
             </a:p>
           </p:txBody>
         </p:sp>
@@ -27275,7 +28479,7 @@
               </a:spcAft>
               <a:buNone/>
             </a:pPr>
-            <a:endParaRPr/>
+            <a:endParaRPr dirty="0"/>
           </a:p>
         </p:txBody>
       </p:sp>
@@ -27315,6 +28519,59 @@
               <a:t>EXTRAS</a:t>
             </a:r>
             <a:endParaRPr lang="fr-FR" sz="4400" dirty="0"/>
+          </a:p>
+        </p:txBody>
+      </p:sp>
+      <p:sp>
+        <p:nvSpPr>
+          <p:cNvPr id="9" name="ZoneTexte 8"/>
+          <p:cNvSpPr txBox="1"/>
+          <p:nvPr/>
+        </p:nvSpPr>
+        <p:spPr>
+          <a:xfrm>
+            <a:off x="8046721" y="435127"/>
+            <a:ext cx="687376" cy="461665"/>
+          </a:xfrm>
+          <a:prstGeom prst="rect">
+            <a:avLst/>
+          </a:prstGeom>
+        </p:spPr>
+        <p:style>
+          <a:lnRef idx="2">
+            <a:schemeClr val="dk1">
+              <a:shade val="50000"/>
+            </a:schemeClr>
+          </a:lnRef>
+          <a:fillRef idx="1">
+            <a:schemeClr val="dk1"/>
+          </a:fillRef>
+          <a:effectRef idx="0">
+            <a:schemeClr val="dk1"/>
+          </a:effectRef>
+          <a:fontRef idx="minor">
+            <a:schemeClr val="lt1"/>
+          </a:fontRef>
+        </p:style>
+        <p:txBody>
+          <a:bodyPr wrap="square" rtlCol="0">
+            <a:spAutoFit/>
+          </a:bodyPr>
+          <a:lstStyle/>
+          <a:p>
+            <a:r>
+              <a:rPr lang="en-CA" sz="2400" dirty="0">
+                <a:solidFill>
+                  <a:schemeClr val="accent2"/>
+                </a:solidFill>
+              </a:rPr>
+              <a:t>32</a:t>
+            </a:r>
+            <a:endParaRPr lang="fr-FR" sz="2400" dirty="0">
+              <a:solidFill>
+                <a:schemeClr val="accent2"/>
+              </a:solidFill>
+            </a:endParaRPr>
           </a:p>
         </p:txBody>
       </p:sp>
@@ -27403,7 +28660,7 @@
               </a:spcAft>
               <a:buNone/>
             </a:pPr>
-            <a:endParaRPr/>
+            <a:endParaRPr dirty="0"/>
           </a:p>
         </p:txBody>
       </p:sp>
@@ -27423,8 +28680,8 @@
         </p:nvSpPr>
         <p:spPr>
           <a:xfrm>
-            <a:off x="1638053" y="304688"/>
-            <a:ext cx="7186969" cy="461516"/>
+            <a:off x="1589163" y="334289"/>
+            <a:ext cx="7670985" cy="461516"/>
           </a:xfrm>
           <a:prstGeom prst="rect">
             <a:avLst/>
@@ -27691,7 +28948,7 @@
               <a:buNone/>
             </a:pPr>
             <a:r>
-              <a:rPr lang="fr-FR" sz="2400" b="1" i="0" dirty="0">
+              <a:rPr lang="fr-FR" sz="2000" i="0" dirty="0">
                 <a:effectLst/>
                 <a:latin typeface="Söhne"/>
               </a:rPr>
@@ -28037,6 +29294,59 @@
               </a:solidFill>
               <a:effectLst/>
               <a:latin typeface="Söhne"/>
+            </a:endParaRPr>
+          </a:p>
+        </p:txBody>
+      </p:sp>
+      <p:sp>
+        <p:nvSpPr>
+          <p:cNvPr id="6" name="ZoneTexte 5"/>
+          <p:cNvSpPr txBox="1"/>
+          <p:nvPr/>
+        </p:nvSpPr>
+        <p:spPr>
+          <a:xfrm>
+            <a:off x="7839936" y="435126"/>
+            <a:ext cx="687376" cy="461665"/>
+          </a:xfrm>
+          <a:prstGeom prst="rect">
+            <a:avLst/>
+          </a:prstGeom>
+        </p:spPr>
+        <p:style>
+          <a:lnRef idx="2">
+            <a:schemeClr val="dk1">
+              <a:shade val="50000"/>
+            </a:schemeClr>
+          </a:lnRef>
+          <a:fillRef idx="1">
+            <a:schemeClr val="dk1"/>
+          </a:fillRef>
+          <a:effectRef idx="0">
+            <a:schemeClr val="dk1"/>
+          </a:effectRef>
+          <a:fontRef idx="minor">
+            <a:schemeClr val="lt1"/>
+          </a:fontRef>
+        </p:style>
+        <p:txBody>
+          <a:bodyPr wrap="square" rtlCol="0">
+            <a:spAutoFit/>
+          </a:bodyPr>
+          <a:lstStyle/>
+          <a:p>
+            <a:r>
+              <a:rPr lang="en-CA" sz="2400" dirty="0">
+                <a:solidFill>
+                  <a:schemeClr val="accent2"/>
+                </a:solidFill>
+              </a:rPr>
+              <a:t>33</a:t>
+            </a:r>
+            <a:endParaRPr lang="fr-FR" sz="2400" dirty="0">
+              <a:solidFill>
+                <a:schemeClr val="accent2"/>
+              </a:solidFill>
             </a:endParaRPr>
           </a:p>
         </p:txBody>
@@ -28111,7 +29421,7 @@
             </a:pPr>
             <a:r>
               <a:rPr lang="en" dirty="0"/>
-              <a:t>Thanks!</a:t>
+              <a:t>Merci!</a:t>
             </a:r>
             <a:endParaRPr dirty="0"/>
           </a:p>
@@ -28138,25 +29448,69 @@
           </a:bodyPr>
           <a:lstStyle/>
           <a:p>
-            <a:pPr marL="0" lvl="0" indent="0" algn="ctr" rtl="0">
-              <a:spcBef>
-                <a:spcPts val="0"/>
-              </a:spcBef>
-              <a:spcAft>
-                <a:spcPts val="0"/>
-              </a:spcAft>
-              <a:buClr>
-                <a:schemeClr val="lt1"/>
-              </a:buClr>
-              <a:buSzPts val="1100"/>
-              <a:buFont typeface="Arial"/>
-              <a:buNone/>
-            </a:pPr>
             <a:r>
-              <a:rPr lang="en" dirty="0"/>
-              <a:t>Do you have any questions?</a:t>
+              <a:rPr lang="fr-FR" dirty="0"/>
+              <a:t>Si vous avez des questions ou des remarques, posez-les.?</a:t>
             </a:r>
+          </a:p>
+          <a:p>
+            <a:br>
+              <a:rPr lang="fr-FR" dirty="0"/>
+            </a:br>
             <a:endParaRPr dirty="0"/>
+          </a:p>
+        </p:txBody>
+      </p:sp>
+      <p:sp>
+        <p:nvSpPr>
+          <p:cNvPr id="4" name="ZoneTexte 3"/>
+          <p:cNvSpPr txBox="1"/>
+          <p:nvPr/>
+        </p:nvSpPr>
+        <p:spPr>
+          <a:xfrm>
+            <a:off x="8046721" y="435127"/>
+            <a:ext cx="687376" cy="461665"/>
+          </a:xfrm>
+          <a:prstGeom prst="rect">
+            <a:avLst/>
+          </a:prstGeom>
+        </p:spPr>
+        <p:style>
+          <a:lnRef idx="2">
+            <a:schemeClr val="dk1">
+              <a:shade val="50000"/>
+            </a:schemeClr>
+          </a:lnRef>
+          <a:fillRef idx="1">
+            <a:schemeClr val="dk1"/>
+          </a:fillRef>
+          <a:effectRef idx="0">
+            <a:schemeClr val="dk1"/>
+          </a:effectRef>
+          <a:fontRef idx="minor">
+            <a:schemeClr val="lt1"/>
+          </a:fontRef>
+        </p:style>
+        <p:txBody>
+          <a:bodyPr wrap="square" rtlCol="0">
+            <a:spAutoFit/>
+          </a:bodyPr>
+          <a:lstStyle/>
+          <a:p>
+            <a:r>
+              <a:rPr lang="en-CA" sz="2400" dirty="0">
+                <a:solidFill>
+                  <a:schemeClr val="accent2"/>
+                </a:solidFill>
+              </a:rPr>
+              <a:t>34</a:t>
+            </a:r>
+            <a:endParaRPr lang="fr-FR" sz="2400" dirty="0">
+              <a:solidFill>
+                <a:schemeClr val="accent2"/>
+              </a:solidFill>
+            </a:endParaRPr>
           </a:p>
         </p:txBody>
       </p:sp>
@@ -28248,7 +29602,7 @@
                 </a:spcAft>
                 <a:buNone/>
               </a:pPr>
-              <a:endParaRPr/>
+              <a:endParaRPr dirty="0"/>
             </a:p>
           </p:txBody>
         </p:sp>
@@ -28431,6 +29785,59 @@
               <a:rPr lang="fr-FR" sz="1400" dirty="0"/>
               <a:t>4. Les fichiers sont traduits en binaire (1 et 0) pour le traitement informatique.</a:t>
             </a:r>
+          </a:p>
+        </p:txBody>
+      </p:sp>
+      <p:sp>
+        <p:nvSpPr>
+          <p:cNvPr id="7" name="ZoneTexte 6"/>
+          <p:cNvSpPr txBox="1"/>
+          <p:nvPr/>
+        </p:nvSpPr>
+        <p:spPr>
+          <a:xfrm>
+            <a:off x="8620585" y="409902"/>
+            <a:ext cx="340536" cy="461665"/>
+          </a:xfrm>
+          <a:prstGeom prst="rect">
+            <a:avLst/>
+          </a:prstGeom>
+        </p:spPr>
+        <p:style>
+          <a:lnRef idx="2">
+            <a:schemeClr val="dk1">
+              <a:shade val="50000"/>
+            </a:schemeClr>
+          </a:lnRef>
+          <a:fillRef idx="1">
+            <a:schemeClr val="dk1"/>
+          </a:fillRef>
+          <a:effectRef idx="0">
+            <a:schemeClr val="dk1"/>
+          </a:effectRef>
+          <a:fontRef idx="minor">
+            <a:schemeClr val="lt1"/>
+          </a:fontRef>
+        </p:style>
+        <p:txBody>
+          <a:bodyPr wrap="square" rtlCol="0">
+            <a:spAutoFit/>
+          </a:bodyPr>
+          <a:lstStyle/>
+          <a:p>
+            <a:r>
+              <a:rPr lang="en-CA" sz="2400" dirty="0">
+                <a:solidFill>
+                  <a:schemeClr val="accent2"/>
+                </a:solidFill>
+              </a:rPr>
+              <a:t>4</a:t>
+            </a:r>
+            <a:endParaRPr lang="fr-FR" sz="2400" dirty="0">
+              <a:solidFill>
+                <a:schemeClr val="accent2"/>
+              </a:solidFill>
+            </a:endParaRPr>
           </a:p>
         </p:txBody>
       </p:sp>
@@ -28613,6 +30020,59 @@
           </a:prstGeom>
         </p:spPr>
       </p:pic>
+      <p:sp>
+        <p:nvSpPr>
+          <p:cNvPr id="5" name="ZoneTexte 4"/>
+          <p:cNvSpPr txBox="1"/>
+          <p:nvPr/>
+        </p:nvSpPr>
+        <p:spPr>
+          <a:xfrm>
+            <a:off x="8374642" y="447740"/>
+            <a:ext cx="340536" cy="461665"/>
+          </a:xfrm>
+          <a:prstGeom prst="rect">
+            <a:avLst/>
+          </a:prstGeom>
+        </p:spPr>
+        <p:style>
+          <a:lnRef idx="2">
+            <a:schemeClr val="dk1">
+              <a:shade val="50000"/>
+            </a:schemeClr>
+          </a:lnRef>
+          <a:fillRef idx="1">
+            <a:schemeClr val="dk1"/>
+          </a:fillRef>
+          <a:effectRef idx="0">
+            <a:schemeClr val="dk1"/>
+          </a:effectRef>
+          <a:fontRef idx="minor">
+            <a:schemeClr val="lt1"/>
+          </a:fontRef>
+        </p:style>
+        <p:txBody>
+          <a:bodyPr wrap="square" rtlCol="0">
+            <a:spAutoFit/>
+          </a:bodyPr>
+          <a:lstStyle/>
+          <a:p>
+            <a:r>
+              <a:rPr lang="en-CA" sz="2400" dirty="0">
+                <a:solidFill>
+                  <a:schemeClr val="accent2"/>
+                </a:solidFill>
+              </a:rPr>
+              <a:t>5</a:t>
+            </a:r>
+            <a:endParaRPr lang="fr-FR" sz="2400" dirty="0">
+              <a:solidFill>
+                <a:schemeClr val="accent2"/>
+              </a:solidFill>
+            </a:endParaRPr>
+          </a:p>
+        </p:txBody>
+      </p:sp>
     </p:spTree>
   </p:cSld>
   <p:clrMapOvr>
@@ -28869,20 +30329,7 @@
                 <a:effectLst/>
                 <a:latin typeface="Söhne Mono"/>
               </a:rPr>
-              <a:t>.</a:t>
-            </a:r>
-            <a:r>
-              <a:rPr kumimoji="0" lang="fr-FR" altLang="fr-FR" sz="1600" b="1" i="0" u="none" strike="noStrike" cap="none" normalizeH="0" baseline="0" dirty="0" err="1">
-                <a:ln>
-                  <a:noFill/>
-                </a:ln>
-                <a:solidFill>
-                  <a:srgbClr val="374151"/>
-                </a:solidFill>
-                <a:effectLst/>
-                <a:latin typeface="Söhne Mono"/>
-              </a:rPr>
-              <a:t>txt</a:t>
+              <a:t>.Txt</a:t>
             </a:r>
             <a:r>
               <a:rPr kumimoji="0" lang="fr-FR" altLang="fr-FR" b="0" i="0" u="none" strike="noStrike" cap="none" normalizeH="0" baseline="0" dirty="0">
@@ -29073,20 +30520,7 @@
                 <a:effectLst/>
                 <a:latin typeface="Söhne Mono"/>
               </a:rPr>
-              <a:t>.</a:t>
-            </a:r>
-            <a:r>
-              <a:rPr kumimoji="0" lang="fr-FR" altLang="fr-FR" sz="1600" b="1" i="0" u="none" strike="noStrike" cap="none" normalizeH="0" baseline="0" dirty="0" err="1">
-                <a:ln>
-                  <a:noFill/>
-                </a:ln>
-                <a:solidFill>
-                  <a:srgbClr val="374151"/>
-                </a:solidFill>
-                <a:effectLst/>
-                <a:latin typeface="Söhne Mono"/>
-              </a:rPr>
-              <a:t>jpg</a:t>
+              <a:t>.JPG</a:t>
             </a:r>
             <a:r>
               <a:rPr kumimoji="0" lang="fr-FR" altLang="fr-FR" b="0" i="0" u="none" strike="noStrike" cap="none" normalizeH="0" baseline="0" dirty="0">
@@ -29112,20 +30546,7 @@
                 <a:effectLst/>
                 <a:latin typeface="Söhne Mono"/>
               </a:rPr>
-              <a:t>.</a:t>
-            </a:r>
-            <a:r>
-              <a:rPr kumimoji="0" lang="fr-FR" altLang="fr-FR" sz="1600" b="1" i="0" u="none" strike="noStrike" cap="none" normalizeH="0" baseline="0" dirty="0" err="1">
-                <a:ln>
-                  <a:noFill/>
-                </a:ln>
-                <a:solidFill>
-                  <a:srgbClr val="374151"/>
-                </a:solidFill>
-                <a:effectLst/>
-                <a:latin typeface="Söhne Mono"/>
-              </a:rPr>
-              <a:t>png</a:t>
+              <a:t>.PNG</a:t>
             </a:r>
             <a:r>
               <a:rPr kumimoji="0" lang="fr-FR" altLang="fr-FR" b="0" i="0" u="none" strike="noStrike" cap="none" normalizeH="0" baseline="0" dirty="0">
@@ -29177,20 +30598,7 @@
                 <a:effectLst/>
                 <a:latin typeface="Söhne Mono"/>
               </a:rPr>
-              <a:t>.</a:t>
-            </a:r>
-            <a:r>
-              <a:rPr kumimoji="0" lang="fr-FR" altLang="fr-FR" sz="1600" b="1" i="0" u="none" strike="noStrike" cap="none" normalizeH="0" baseline="0" dirty="0" err="1">
-                <a:ln>
-                  <a:noFill/>
-                </a:ln>
-                <a:solidFill>
-                  <a:srgbClr val="374151"/>
-                </a:solidFill>
-                <a:effectLst/>
-                <a:latin typeface="Söhne Mono"/>
-              </a:rPr>
-              <a:t>exe</a:t>
+              <a:t>.Exe</a:t>
             </a:r>
             <a:r>
               <a:rPr kumimoji="0" lang="fr-FR" altLang="fr-FR" b="0" i="0" u="none" strike="noStrike" cap="none" normalizeH="0" baseline="0" dirty="0">
@@ -29234,33 +30642,7 @@
                 <a:effectLst/>
                 <a:latin typeface="Söhne"/>
               </a:rPr>
-              <a:t>Fichiers CSV (Comma-</a:t>
-            </a:r>
-            <a:r>
-              <a:rPr kumimoji="0" lang="fr-FR" altLang="fr-FR" sz="1400" b="1" i="0" u="none" strike="noStrike" cap="none" normalizeH="0" baseline="0" dirty="0" err="1">
-                <a:ln>
-                  <a:noFill/>
-                </a:ln>
-                <a:solidFill>
-                  <a:srgbClr val="374151"/>
-                </a:solidFill>
-                <a:effectLst/>
-                <a:latin typeface="Söhne"/>
-              </a:rPr>
-              <a:t>Separated</a:t>
-            </a:r>
-            <a:r>
-              <a:rPr kumimoji="0" lang="fr-FR" altLang="fr-FR" sz="1400" b="1" i="0" u="none" strike="noStrike" cap="none" normalizeH="0" baseline="0" dirty="0">
-                <a:ln>
-                  <a:noFill/>
-                </a:ln>
-                <a:solidFill>
-                  <a:srgbClr val="374151"/>
-                </a:solidFill>
-                <a:effectLst/>
-                <a:latin typeface="Söhne"/>
-              </a:rPr>
-              <a:t> Values) :</a:t>
+              <a:t>Fichiers CSV (Comma-Séparâtes Values) :</a:t>
             </a:r>
             <a:endParaRPr kumimoji="0" lang="fr-FR" altLang="fr-FR" sz="1400" b="0" i="0" u="none" strike="noStrike" cap="none" normalizeH="0" baseline="0" dirty="0">
               <a:ln>
@@ -29518,85 +30900,7 @@
                 <a:effectLst/>
                 <a:latin typeface="Söhne"/>
               </a:rPr>
-              <a:t>Fichiers XML (</a:t>
-            </a:r>
-            <a:r>
-              <a:rPr kumimoji="0" lang="fr-FR" altLang="fr-FR" sz="1400" b="1" i="0" u="none" strike="noStrike" cap="none" normalizeH="0" baseline="0" dirty="0" err="1">
-                <a:ln>
-                  <a:noFill/>
-                </a:ln>
-                <a:solidFill>
-                  <a:srgbClr val="374151"/>
-                </a:solidFill>
-                <a:effectLst/>
-                <a:latin typeface="Söhne"/>
-              </a:rPr>
-              <a:t>eXtensible</a:t>
-            </a:r>
-            <a:r>
-              <a:rPr kumimoji="0" lang="fr-FR" altLang="fr-FR" sz="1400" b="1" i="0" u="none" strike="noStrike" cap="none" normalizeH="0" baseline="0" dirty="0">
-                <a:ln>
-                  <a:noFill/>
-                </a:ln>
-                <a:solidFill>
-                  <a:srgbClr val="374151"/>
-                </a:solidFill>
-                <a:effectLst/>
-                <a:latin typeface="Söhne"/>
-              </a:rPr>
-              <a:t> </a:t>
-            </a:r>
-            <a:r>
-              <a:rPr kumimoji="0" lang="fr-FR" altLang="fr-FR" sz="1400" b="1" i="0" u="none" strike="noStrike" cap="none" normalizeH="0" baseline="0" dirty="0" err="1">
-                <a:ln>
-                  <a:noFill/>
-                </a:ln>
-                <a:solidFill>
-                  <a:srgbClr val="374151"/>
-                </a:solidFill>
-                <a:effectLst/>
-                <a:latin typeface="Söhne"/>
-              </a:rPr>
-              <a:t>Markup</a:t>
-            </a:r>
-            <a:r>
-              <a:rPr kumimoji="0" lang="fr-FR" altLang="fr-FR" sz="1400" b="1" i="0" u="none" strike="noStrike" cap="none" normalizeH="0" baseline="0" dirty="0">
-                <a:ln>
-                  <a:noFill/>
-                </a:ln>
-                <a:solidFill>
-                  <a:srgbClr val="374151"/>
-                </a:solidFill>
-                <a:effectLst/>
-                <a:latin typeface="Söhne"/>
-              </a:rPr>
-              <a:t> </a:t>
-            </a:r>
-            <a:r>
-              <a:rPr kumimoji="0" lang="fr-FR" altLang="fr-FR" sz="1400" b="1" i="0" u="none" strike="noStrike" cap="none" normalizeH="0" baseline="0" dirty="0" err="1">
-                <a:ln>
-                  <a:noFill/>
-                </a:ln>
-                <a:solidFill>
-                  <a:srgbClr val="374151"/>
-                </a:solidFill>
-                <a:effectLst/>
-                <a:latin typeface="Söhne"/>
-              </a:rPr>
-              <a:t>Language</a:t>
-            </a:r>
-            <a:r>
-              <a:rPr kumimoji="0" lang="fr-FR" altLang="fr-FR" sz="1400" b="1" i="0" u="none" strike="noStrike" cap="none" normalizeH="0" baseline="0" dirty="0">
-                <a:ln>
-                  <a:noFill/>
-                </a:ln>
-                <a:solidFill>
-                  <a:srgbClr val="374151"/>
-                </a:solidFill>
-                <a:effectLst/>
-                <a:latin typeface="Söhne"/>
-              </a:rPr>
-              <a:t>) :</a:t>
+              <a:t>Fichiers XML (extensible Markus Langage) :</a:t>
             </a:r>
             <a:endParaRPr kumimoji="0" lang="fr-FR" altLang="fr-FR" sz="1400" b="0" i="0" u="none" strike="noStrike" cap="none" normalizeH="0" baseline="0" dirty="0">
               <a:ln>
@@ -29904,6 +31208,59 @@
           </a:extLst>
         </p:spPr>
       </p:pic>
+      <p:sp>
+        <p:nvSpPr>
+          <p:cNvPr id="9" name="ZoneTexte 8"/>
+          <p:cNvSpPr txBox="1"/>
+          <p:nvPr/>
+        </p:nvSpPr>
+        <p:spPr>
+          <a:xfrm>
+            <a:off x="8424025" y="454046"/>
+            <a:ext cx="340536" cy="461665"/>
+          </a:xfrm>
+          <a:prstGeom prst="rect">
+            <a:avLst/>
+          </a:prstGeom>
+        </p:spPr>
+        <p:style>
+          <a:lnRef idx="2">
+            <a:schemeClr val="dk1">
+              <a:shade val="50000"/>
+            </a:schemeClr>
+          </a:lnRef>
+          <a:fillRef idx="1">
+            <a:schemeClr val="dk1"/>
+          </a:fillRef>
+          <a:effectRef idx="0">
+            <a:schemeClr val="dk1"/>
+          </a:effectRef>
+          <a:fontRef idx="minor">
+            <a:schemeClr val="lt1"/>
+          </a:fontRef>
+        </p:style>
+        <p:txBody>
+          <a:bodyPr wrap="square" rtlCol="0">
+            <a:spAutoFit/>
+          </a:bodyPr>
+          <a:lstStyle/>
+          <a:p>
+            <a:r>
+              <a:rPr lang="en-CA" sz="2400" dirty="0">
+                <a:solidFill>
+                  <a:schemeClr val="accent2"/>
+                </a:solidFill>
+              </a:rPr>
+              <a:t>6</a:t>
+            </a:r>
+            <a:endParaRPr lang="fr-FR" sz="2400" dirty="0">
+              <a:solidFill>
+                <a:schemeClr val="accent2"/>
+              </a:solidFill>
+            </a:endParaRPr>
+          </a:p>
+        </p:txBody>
+      </p:sp>
     </p:spTree>
     <p:extLst>
       <p:ext uri="{BB962C8B-B14F-4D97-AF65-F5344CB8AC3E}">
@@ -30032,7 +31389,7 @@
                 </a:spcAft>
                 <a:buNone/>
               </a:pPr>
-              <a:endParaRPr/>
+              <a:endParaRPr dirty="0"/>
             </a:p>
           </p:txBody>
         </p:sp>
@@ -30085,7 +31442,7 @@
                 </a:spcAft>
                 <a:buNone/>
               </a:pPr>
-              <a:endParaRPr/>
+              <a:endParaRPr dirty="0"/>
             </a:p>
           </p:txBody>
         </p:sp>
@@ -30181,7 +31538,7 @@
               </a:spcAft>
               <a:buNone/>
             </a:pPr>
-            <a:endParaRPr/>
+            <a:endParaRPr dirty="0"/>
           </a:p>
         </p:txBody>
       </p:sp>
@@ -30221,6 +31578,59 @@
               <a:t>Comprendre les Chemins de Fichiers</a:t>
             </a:r>
             <a:endParaRPr lang="fr-FR" sz="2400" dirty="0"/>
+          </a:p>
+        </p:txBody>
+      </p:sp>
+      <p:sp>
+        <p:nvSpPr>
+          <p:cNvPr id="9" name="ZoneTexte 8"/>
+          <p:cNvSpPr txBox="1"/>
+          <p:nvPr/>
+        </p:nvSpPr>
+        <p:spPr>
+          <a:xfrm>
+            <a:off x="8652115" y="447740"/>
+            <a:ext cx="340536" cy="461665"/>
+          </a:xfrm>
+          <a:prstGeom prst="rect">
+            <a:avLst/>
+          </a:prstGeom>
+        </p:spPr>
+        <p:style>
+          <a:lnRef idx="2">
+            <a:schemeClr val="dk1">
+              <a:shade val="50000"/>
+            </a:schemeClr>
+          </a:lnRef>
+          <a:fillRef idx="1">
+            <a:schemeClr val="dk1"/>
+          </a:fillRef>
+          <a:effectRef idx="0">
+            <a:schemeClr val="dk1"/>
+          </a:effectRef>
+          <a:fontRef idx="minor">
+            <a:schemeClr val="lt1"/>
+          </a:fontRef>
+        </p:style>
+        <p:txBody>
+          <a:bodyPr wrap="square" rtlCol="0">
+            <a:spAutoFit/>
+          </a:bodyPr>
+          <a:lstStyle/>
+          <a:p>
+            <a:r>
+              <a:rPr lang="en-CA" sz="2400" dirty="0">
+                <a:solidFill>
+                  <a:schemeClr val="accent2"/>
+                </a:solidFill>
+              </a:rPr>
+              <a:t>7</a:t>
+            </a:r>
+            <a:endParaRPr lang="fr-FR" sz="2400" dirty="0">
+              <a:solidFill>
+                <a:schemeClr val="accent2"/>
+              </a:solidFill>
+            </a:endParaRPr>
           </a:p>
         </p:txBody>
       </p:sp>
@@ -30317,7 +31727,7 @@
                 </a:spcAft>
                 <a:buNone/>
               </a:pPr>
-              <a:endParaRPr/>
+              <a:endParaRPr dirty="0"/>
             </a:p>
           </p:txBody>
         </p:sp>
@@ -30370,7 +31780,7 @@
                 </a:spcAft>
                 <a:buNone/>
               </a:pPr>
-              <a:endParaRPr/>
+              <a:endParaRPr dirty="0"/>
             </a:p>
           </p:txBody>
         </p:sp>
@@ -30457,6 +31867,59 @@
               <a:t>Un chemin de fichier est une chaîne de caractères représentant l'emplacement d'un fichier.</a:t>
             </a:r>
             <a:endParaRPr sz="2000" dirty="0"/>
+          </a:p>
+        </p:txBody>
+      </p:sp>
+      <p:sp>
+        <p:nvSpPr>
+          <p:cNvPr id="7" name="ZoneTexte 6"/>
+          <p:cNvSpPr txBox="1"/>
+          <p:nvPr/>
+        </p:nvSpPr>
+        <p:spPr>
+          <a:xfrm>
+            <a:off x="8626891" y="441433"/>
+            <a:ext cx="340536" cy="461665"/>
+          </a:xfrm>
+          <a:prstGeom prst="rect">
+            <a:avLst/>
+          </a:prstGeom>
+        </p:spPr>
+        <p:style>
+          <a:lnRef idx="2">
+            <a:schemeClr val="dk1">
+              <a:shade val="50000"/>
+            </a:schemeClr>
+          </a:lnRef>
+          <a:fillRef idx="1">
+            <a:schemeClr val="dk1"/>
+          </a:fillRef>
+          <a:effectRef idx="0">
+            <a:schemeClr val="dk1"/>
+          </a:effectRef>
+          <a:fontRef idx="minor">
+            <a:schemeClr val="lt1"/>
+          </a:fontRef>
+        </p:style>
+        <p:txBody>
+          <a:bodyPr wrap="square" rtlCol="0">
+            <a:spAutoFit/>
+          </a:bodyPr>
+          <a:lstStyle/>
+          <a:p>
+            <a:r>
+              <a:rPr lang="en-CA" sz="2400" dirty="0">
+                <a:solidFill>
+                  <a:schemeClr val="accent2"/>
+                </a:solidFill>
+              </a:rPr>
+              <a:t>8</a:t>
+            </a:r>
+            <a:endParaRPr lang="fr-FR" sz="2400" dirty="0">
+              <a:solidFill>
+                <a:schemeClr val="accent2"/>
+              </a:solidFill>
+            </a:endParaRPr>
           </a:p>
         </p:txBody>
       </p:sp>
@@ -30553,7 +32016,7 @@
                 </a:spcAft>
                 <a:buNone/>
               </a:pPr>
-              <a:endParaRPr/>
+              <a:endParaRPr dirty="0"/>
             </a:p>
           </p:txBody>
         </p:sp>
@@ -30606,7 +32069,7 @@
                 </a:spcAft>
                 <a:buNone/>
               </a:pPr>
-              <a:endParaRPr/>
+              <a:endParaRPr dirty="0"/>
             </a:p>
           </p:txBody>
         </p:sp>
@@ -30734,6 +32197,59 @@
               <a:buChar char="•"/>
             </a:pPr>
             <a:endParaRPr lang="fr-FR" sz="1800" i="1" dirty="0"/>
+          </a:p>
+        </p:txBody>
+      </p:sp>
+      <p:sp>
+        <p:nvSpPr>
+          <p:cNvPr id="7" name="ZoneTexte 6"/>
+          <p:cNvSpPr txBox="1"/>
+          <p:nvPr/>
+        </p:nvSpPr>
+        <p:spPr>
+          <a:xfrm>
+            <a:off x="8645809" y="460352"/>
+            <a:ext cx="340536" cy="461665"/>
+          </a:xfrm>
+          <a:prstGeom prst="rect">
+            <a:avLst/>
+          </a:prstGeom>
+        </p:spPr>
+        <p:style>
+          <a:lnRef idx="2">
+            <a:schemeClr val="dk1">
+              <a:shade val="50000"/>
+            </a:schemeClr>
+          </a:lnRef>
+          <a:fillRef idx="1">
+            <a:schemeClr val="dk1"/>
+          </a:fillRef>
+          <a:effectRef idx="0">
+            <a:schemeClr val="dk1"/>
+          </a:effectRef>
+          <a:fontRef idx="minor">
+            <a:schemeClr val="lt1"/>
+          </a:fontRef>
+        </p:style>
+        <p:txBody>
+          <a:bodyPr wrap="square" rtlCol="0">
+            <a:spAutoFit/>
+          </a:bodyPr>
+          <a:lstStyle/>
+          <a:p>
+            <a:r>
+              <a:rPr lang="en-CA" sz="2400" dirty="0">
+                <a:solidFill>
+                  <a:schemeClr val="accent2"/>
+                </a:solidFill>
+              </a:rPr>
+              <a:t>9</a:t>
+            </a:r>
+            <a:endParaRPr lang="fr-FR" sz="2400" dirty="0">
+              <a:solidFill>
+                <a:schemeClr val="accent2"/>
+              </a:solidFill>
+            </a:endParaRPr>
           </a:p>
         </p:txBody>
       </p:sp>
@@ -31355,7 +32871,7 @@
     </a:clrScheme>
     <a:fontScheme name="Office">
       <a:majorFont>
-        <a:latin typeface="Calibri Light" panose="020F0302020204030204"/>
+        <a:latin typeface="Calibri Light"/>
         <a:ea typeface=""/>
         <a:cs typeface=""/>
         <a:font script="Jpan" typeface="游ゴシック Light"/>
@@ -31407,7 +32923,7 @@
         <a:font script="Tfng" typeface="Ebrima"/>
       </a:majorFont>
       <a:minorFont>
-        <a:latin typeface="Calibri" panose="020F0502020204030204"/>
+        <a:latin typeface="Calibri"/>
         <a:ea typeface=""/>
         <a:cs typeface=""/>
         <a:font script="Jpan" typeface="游ゴシック"/>

--- a/SEMESTER 1/Modélisation avec Python/G- Fichiers/Manipulation des Fichiers.pptx
+++ b/SEMESTER 1/Modélisation avec Python/G- Fichiers/Manipulation des Fichiers.pptx
@@ -391,7 +391,7 @@
           <a:p>
             <a:fld id="{7D945005-0982-49FD-A400-988823CD1C0A}" type="datetimeFigureOut">
               <a:rPr lang="fr-FR" smtClean="0"/>
-              <a:t>13/01/2024</a:t>
+              <a:t>15/01/2024</a:t>
             </a:fld>
             <a:endParaRPr lang="fr-FR" dirty="0"/>
           </a:p>
@@ -26789,7 +26789,17 @@
                 <a:effectLst/>
                 <a:latin typeface="Helvetica Neue"/>
               </a:rPr>
-              <a:t>Qu'est-ce qu'un Fichier ?</a:t>
+              <a:t>Qu'est-ce </a:t>
+            </a:r>
+            <a:r>
+              <a:rPr lang="fr-FR" sz="2800" b="1" i="0">
+                <a:solidFill>
+                  <a:srgbClr val="000000"/>
+                </a:solidFill>
+                <a:effectLst/>
+                <a:latin typeface="Helvetica Neue"/>
+              </a:rPr>
+              <a:t>qu'un Fichier?</a:t>
             </a:r>
             <a:endParaRPr lang="fr-FR" sz="2800" dirty="0"/>
           </a:p>
